--- a/Slides/gg001-Libraries.pptx
+++ b/Slides/gg001-Libraries.pptx
@@ -5,7 +5,7 @@
     <p:sldMasterId id="2147483648" r:id="rId1"/>
   </p:sldMasterIdLst>
   <p:notesMasterIdLst>
-    <p:notesMasterId r:id="rId10"/>
+    <p:notesMasterId r:id="rId13"/>
   </p:notesMasterIdLst>
   <p:sldIdLst>
     <p:sldId id="256" r:id="rId2"/>
@@ -16,6 +16,9 @@
     <p:sldId id="505" r:id="rId7"/>
     <p:sldId id="434" r:id="rId8"/>
     <p:sldId id="506" r:id="rId9"/>
+    <p:sldId id="507" r:id="rId10"/>
+    <p:sldId id="508" r:id="rId11"/>
+    <p:sldId id="509" r:id="rId12"/>
   </p:sldIdLst>
   <p:sldSz cx="9144000" cy="6858000" type="screen4x3"/>
   <p:notesSz cx="6858000" cy="9144000"/>
@@ -216,7 +219,7 @@
             <a:fld id="{C0D025BB-35D5-419D-8ED2-E5EDB67F143A}" type="datetimeFigureOut">
               <a:rPr lang="en-US" smtClean="0"/>
               <a:pPr/>
-              <a:t>7/31/2019</a:t>
+              <a:t>8/5/2019</a:t>
             </a:fld>
             <a:endParaRPr lang="en-US"/>
           </a:p>
@@ -1573,15 +1576,23 @@
           <a:p>
             <a:r>
               <a:rPr lang="en-US" dirty="0" err="1"/>
-              <a:t>Ez</a:t>
-            </a:r>
-            <a:r>
-              <a:rPr lang="en-US" dirty="0"/>
-              <a:t> </a:t>
-            </a:r>
-            <a:r>
-              <a:rPr lang="en-US" dirty="0" err="1"/>
-              <a:t>lecsökkenti</a:t>
+              <a:t>Azzal</a:t>
+            </a:r>
+            <a:r>
+              <a:rPr lang="en-US" dirty="0"/>
+              <a:t> </a:t>
+            </a:r>
+            <a:r>
+              <a:rPr lang="en-US" dirty="0" err="1"/>
+              <a:t>hogy</a:t>
+            </a:r>
+            <a:r>
+              <a:rPr lang="en-US" dirty="0"/>
+              <a:t> a VS-re </a:t>
+            </a:r>
+            <a:r>
+              <a:rPr lang="en-US" dirty="0" err="1"/>
+              <a:t>bízzuk</a:t>
             </a:r>
             <a:r>
               <a:rPr lang="en-US" dirty="0"/>
@@ -1589,6 +1600,22 @@
             </a:r>
             <a:r>
               <a:rPr lang="en-US" dirty="0" err="1"/>
+              <a:t>fordítást</a:t>
+            </a:r>
+            <a:r>
+              <a:rPr lang="en-US" dirty="0"/>
+              <a:t>, </a:t>
+            </a:r>
+            <a:r>
+              <a:rPr lang="en-US" dirty="0" err="1"/>
+              <a:t>lecsökkentjük</a:t>
+            </a:r>
+            <a:r>
+              <a:rPr lang="en-US" dirty="0"/>
+              <a:t> a </a:t>
+            </a:r>
+            <a:r>
+              <a:rPr lang="en-US" dirty="0" err="1"/>
               <a:t>shaderkezelő</a:t>
             </a:r>
             <a:r>
@@ -1629,6 +1656,14 @@
             </a:r>
             <a:r>
               <a:rPr lang="en-US" dirty="0" err="1"/>
+              <a:t>továbbá</a:t>
+            </a:r>
+            <a:r>
+              <a:rPr lang="en-US" dirty="0"/>
+              <a:t> </a:t>
+            </a:r>
+            <a:r>
+              <a:rPr lang="en-US" dirty="0" err="1"/>
               <a:t>hibákat</a:t>
             </a:r>
             <a:r>
@@ -1646,6 +1681,30 @@
             <a:r>
               <a:rPr lang="en-US" dirty="0" err="1"/>
               <a:t>kijelzi</a:t>
+            </a:r>
+            <a:r>
+              <a:rPr lang="en-US" dirty="0"/>
+              <a:t>, </a:t>
+            </a:r>
+            <a:r>
+              <a:rPr lang="en-US" dirty="0" err="1"/>
+              <a:t>hiba</a:t>
+            </a:r>
+            <a:r>
+              <a:rPr lang="en-US" dirty="0"/>
+              <a:t> </a:t>
+            </a:r>
+            <a:r>
+              <a:rPr lang="en-US" dirty="0" err="1"/>
+              <a:t>esetén</a:t>
+            </a:r>
+            <a:r>
+              <a:rPr lang="en-US" dirty="0"/>
+              <a:t> a build </a:t>
+            </a:r>
+            <a:r>
+              <a:rPr lang="en-US" dirty="0" err="1"/>
+              <a:t>leáll</a:t>
             </a:r>
             <a:r>
               <a:rPr lang="en-US" dirty="0"/>
@@ -2448,6 +2507,1686 @@
     <p:extLst>
       <p:ext uri="{BB962C8B-B14F-4D97-AF65-F5344CB8AC3E}">
         <p14:creationId xmlns:p14="http://schemas.microsoft.com/office/powerpoint/2010/main" val="3514890443"/>
+      </p:ext>
+    </p:extLst>
+  </p:cSld>
+  <p:clrMapOvr>
+    <a:masterClrMapping/>
+  </p:clrMapOvr>
+</p:notes>
+</file>
+
+<file path=ppt/notesSlides/notesSlide6.xml><?xml version="1.0" encoding="utf-8"?>
+<p:notes xmlns:a="http://schemas.openxmlformats.org/drawingml/2006/main" xmlns:r="http://schemas.openxmlformats.org/officeDocument/2006/relationships" xmlns:p="http://schemas.openxmlformats.org/presentationml/2006/main">
+  <p:cSld>
+    <p:spTree>
+      <p:nvGrpSpPr>
+        <p:cNvPr id="1" name=""/>
+        <p:cNvGrpSpPr/>
+        <p:nvPr/>
+      </p:nvGrpSpPr>
+      <p:grpSpPr>
+        <a:xfrm>
+          <a:off x="0" y="0"/>
+          <a:ext cx="0" cy="0"/>
+          <a:chOff x="0" y="0"/>
+          <a:chExt cx="0" cy="0"/>
+        </a:xfrm>
+      </p:grpSpPr>
+      <p:sp>
+        <p:nvSpPr>
+          <p:cNvPr id="2" name="Slide Image Placeholder 1"/>
+          <p:cNvSpPr>
+            <a:spLocks noGrp="1" noRot="1" noChangeAspect="1"/>
+          </p:cNvSpPr>
+          <p:nvPr>
+            <p:ph type="sldImg"/>
+          </p:nvPr>
+        </p:nvSpPr>
+        <p:spPr/>
+      </p:sp>
+      <p:sp>
+        <p:nvSpPr>
+          <p:cNvPr id="3" name="Notes Placeholder 2"/>
+          <p:cNvSpPr>
+            <a:spLocks noGrp="1"/>
+          </p:cNvSpPr>
+          <p:nvPr>
+            <p:ph type="body" idx="1"/>
+          </p:nvPr>
+        </p:nvSpPr>
+        <p:spPr/>
+        <p:txBody>
+          <a:bodyPr>
+            <a:normAutofit fontScale="85000" lnSpcReduction="20000"/>
+          </a:bodyPr>
+          <a:lstStyle/>
+          <a:p>
+            <a:r>
+              <a:rPr lang="en-US" dirty="0"/>
+              <a:t>A modern C++-ban </a:t>
+            </a:r>
+            <a:r>
+              <a:rPr lang="en-US" dirty="0" err="1"/>
+              <a:t>nem</a:t>
+            </a:r>
+            <a:r>
+              <a:rPr lang="en-US" dirty="0"/>
+              <a:t> </a:t>
+            </a:r>
+            <a:r>
+              <a:rPr lang="en-US" dirty="0" err="1"/>
+              <a:t>szeretünk</a:t>
+            </a:r>
+            <a:r>
+              <a:rPr lang="en-US" dirty="0"/>
+              <a:t> </a:t>
+            </a:r>
+            <a:r>
+              <a:rPr lang="en-US" dirty="0" err="1"/>
+              <a:t>látni</a:t>
+            </a:r>
+            <a:r>
+              <a:rPr lang="en-US" dirty="0"/>
+              <a:t> “new” </a:t>
+            </a:r>
+            <a:r>
+              <a:rPr lang="en-US" dirty="0" err="1"/>
+              <a:t>vagy</a:t>
+            </a:r>
+            <a:r>
+              <a:rPr lang="en-US" dirty="0"/>
+              <a:t> “delete” </a:t>
+            </a:r>
+            <a:r>
+              <a:rPr lang="en-US" dirty="0" err="1"/>
+              <a:t>kulcsszót</a:t>
+            </a:r>
+            <a:r>
+              <a:rPr lang="en-US" dirty="0"/>
+              <a:t>, </a:t>
+            </a:r>
+            <a:r>
+              <a:rPr lang="en-US" dirty="0" err="1"/>
+              <a:t>ennek</a:t>
+            </a:r>
+            <a:r>
+              <a:rPr lang="en-US" dirty="0"/>
+              <a:t> a </a:t>
+            </a:r>
+            <a:r>
+              <a:rPr lang="en-US" dirty="0" err="1"/>
+              <a:t>legfőbb</a:t>
+            </a:r>
+            <a:r>
+              <a:rPr lang="en-US" dirty="0"/>
+              <a:t> </a:t>
+            </a:r>
+            <a:r>
+              <a:rPr lang="en-US" dirty="0" err="1"/>
+              <a:t>oka</a:t>
+            </a:r>
+            <a:r>
+              <a:rPr lang="en-US" dirty="0"/>
+              <a:t> a RAII </a:t>
+            </a:r>
+            <a:r>
+              <a:rPr lang="en-US" dirty="0" err="1"/>
+              <a:t>idióma</a:t>
+            </a:r>
+            <a:r>
+              <a:rPr lang="en-US" dirty="0"/>
+              <a:t>. Ami C++-ban </a:t>
+            </a:r>
+            <a:r>
+              <a:rPr lang="en-US" dirty="0" err="1"/>
+              <a:t>azért</a:t>
+            </a:r>
+            <a:r>
+              <a:rPr lang="en-US" dirty="0"/>
+              <a:t> </a:t>
+            </a:r>
+            <a:r>
+              <a:rPr lang="en-US" dirty="0" err="1"/>
+              <a:t>előnyös</a:t>
+            </a:r>
+            <a:r>
+              <a:rPr lang="en-US" dirty="0"/>
+              <a:t>, </a:t>
+            </a:r>
+            <a:r>
+              <a:rPr lang="en-US" dirty="0" err="1"/>
+              <a:t>mert</a:t>
+            </a:r>
+            <a:r>
+              <a:rPr lang="en-US" dirty="0"/>
+              <a:t> a </a:t>
+            </a:r>
+            <a:r>
+              <a:rPr lang="en-US" dirty="0" err="1"/>
+              <a:t>kivétel</a:t>
+            </a:r>
+            <a:r>
+              <a:rPr lang="en-US" dirty="0"/>
+              <a:t> </a:t>
+            </a:r>
+            <a:r>
+              <a:rPr lang="en-US" dirty="0" err="1"/>
+              <a:t>kezelést</a:t>
+            </a:r>
+            <a:r>
+              <a:rPr lang="en-US" dirty="0"/>
+              <a:t> </a:t>
+            </a:r>
+            <a:r>
+              <a:rPr lang="en-US" dirty="0" err="1"/>
+              <a:t>lehetővé</a:t>
+            </a:r>
+            <a:r>
+              <a:rPr lang="en-US" dirty="0"/>
+              <a:t> </a:t>
+            </a:r>
+            <a:r>
+              <a:rPr lang="en-US" dirty="0" err="1"/>
+              <a:t>teszi</a:t>
+            </a:r>
+            <a:r>
+              <a:rPr lang="en-US" dirty="0"/>
+              <a:t>. (</a:t>
+            </a:r>
+            <a:r>
+              <a:rPr lang="en-US" dirty="0" err="1"/>
+              <a:t>gondolj</a:t>
+            </a:r>
+            <a:r>
+              <a:rPr lang="en-US" dirty="0"/>
+              <a:t> </a:t>
+            </a:r>
+            <a:r>
+              <a:rPr lang="en-US" dirty="0" err="1"/>
+              <a:t>bele</a:t>
+            </a:r>
+            <a:r>
+              <a:rPr lang="en-US" dirty="0"/>
+              <a:t> mi </a:t>
+            </a:r>
+            <a:r>
+              <a:rPr lang="en-US" dirty="0" err="1"/>
+              <a:t>lenne</a:t>
+            </a:r>
+            <a:r>
+              <a:rPr lang="en-US" dirty="0"/>
+              <a:t> </a:t>
+            </a:r>
+            <a:r>
+              <a:rPr lang="en-US" dirty="0" err="1"/>
+              <a:t>egy</a:t>
+            </a:r>
+            <a:r>
+              <a:rPr lang="en-US" dirty="0"/>
+              <a:t> </a:t>
+            </a:r>
+            <a:r>
+              <a:rPr lang="en-US" dirty="0" err="1"/>
+              <a:t>pointerrel</a:t>
+            </a:r>
+            <a:r>
+              <a:rPr lang="en-US" dirty="0"/>
+              <a:t> ha a </a:t>
+            </a:r>
+            <a:r>
+              <a:rPr lang="en-US" dirty="0" err="1"/>
+              <a:t>függvényedben</a:t>
+            </a:r>
+            <a:r>
+              <a:rPr lang="en-US" dirty="0"/>
+              <a:t> </a:t>
+            </a:r>
+            <a:r>
+              <a:rPr lang="en-US" dirty="0" err="1"/>
+              <a:t>keletkezne</a:t>
+            </a:r>
+            <a:r>
+              <a:rPr lang="en-US" dirty="0"/>
+              <a:t> </a:t>
+            </a:r>
+            <a:r>
+              <a:rPr lang="en-US" dirty="0" err="1"/>
+              <a:t>egy</a:t>
+            </a:r>
+            <a:r>
+              <a:rPr lang="en-US" dirty="0"/>
+              <a:t> exception, </a:t>
+            </a:r>
+            <a:r>
+              <a:rPr lang="en-US" dirty="0" err="1"/>
+              <a:t>vagy</a:t>
+            </a:r>
+            <a:r>
+              <a:rPr lang="en-US" dirty="0"/>
+              <a:t> ha a return </a:t>
+            </a:r>
+            <a:r>
+              <a:rPr lang="en-US" dirty="0" err="1"/>
+              <a:t>hívás</a:t>
+            </a:r>
+            <a:r>
+              <a:rPr lang="en-US" dirty="0"/>
+              <a:t> </a:t>
+            </a:r>
+            <a:r>
+              <a:rPr lang="en-US" dirty="0" err="1"/>
+              <a:t>után</a:t>
+            </a:r>
+            <a:r>
+              <a:rPr lang="en-US" dirty="0"/>
+              <a:t> </a:t>
+            </a:r>
+            <a:r>
+              <a:rPr lang="en-US" dirty="0" err="1"/>
+              <a:t>kellene</a:t>
+            </a:r>
+            <a:r>
+              <a:rPr lang="en-US" dirty="0"/>
+              <a:t> </a:t>
+            </a:r>
+            <a:r>
+              <a:rPr lang="en-US" dirty="0" err="1"/>
+              <a:t>felszabadítanod</a:t>
+            </a:r>
+            <a:r>
+              <a:rPr lang="en-US" dirty="0"/>
+              <a:t> </a:t>
+            </a:r>
+            <a:r>
+              <a:rPr lang="en-US" dirty="0" err="1"/>
+              <a:t>egy</a:t>
+            </a:r>
+            <a:r>
+              <a:rPr lang="en-US" dirty="0"/>
+              <a:t> </a:t>
+            </a:r>
+            <a:r>
+              <a:rPr lang="en-US" dirty="0" err="1"/>
+              <a:t>pointert</a:t>
+            </a:r>
+            <a:r>
+              <a:rPr lang="en-US" dirty="0"/>
+              <a:t>)</a:t>
+            </a:r>
+          </a:p>
+          <a:p>
+            <a:endParaRPr lang="en-US" dirty="0"/>
+          </a:p>
+          <a:p>
+            <a:r>
+              <a:rPr lang="en-US" dirty="0" err="1"/>
+              <a:t>Ezen</a:t>
+            </a:r>
+            <a:r>
+              <a:rPr lang="en-US" dirty="0"/>
+              <a:t> </a:t>
+            </a:r>
+            <a:r>
+              <a:rPr lang="en-US" dirty="0" err="1"/>
+              <a:t>oknál</a:t>
+            </a:r>
+            <a:r>
+              <a:rPr lang="en-US" dirty="0"/>
+              <a:t> </a:t>
+            </a:r>
+            <a:r>
+              <a:rPr lang="en-US" dirty="0" err="1"/>
+              <a:t>fogva</a:t>
+            </a:r>
+            <a:r>
+              <a:rPr lang="en-US" dirty="0"/>
+              <a:t>, </a:t>
+            </a:r>
+            <a:r>
+              <a:rPr lang="en-US" dirty="0" err="1"/>
+              <a:t>ahol</a:t>
+            </a:r>
+            <a:r>
+              <a:rPr lang="en-US" dirty="0"/>
+              <a:t> </a:t>
+            </a:r>
+            <a:r>
+              <a:rPr lang="en-US" dirty="0" err="1"/>
+              <a:t>lehet</a:t>
+            </a:r>
+            <a:r>
+              <a:rPr lang="en-US" dirty="0"/>
+              <a:t> smart </a:t>
+            </a:r>
+            <a:r>
+              <a:rPr lang="en-US" dirty="0" err="1"/>
+              <a:t>pointereket</a:t>
+            </a:r>
+            <a:r>
+              <a:rPr lang="en-US" dirty="0"/>
+              <a:t> </a:t>
+            </a:r>
+            <a:r>
+              <a:rPr lang="en-US" dirty="0" err="1"/>
+              <a:t>fogunk</a:t>
+            </a:r>
+            <a:r>
+              <a:rPr lang="en-US" dirty="0"/>
+              <a:t> </a:t>
+            </a:r>
+            <a:r>
+              <a:rPr lang="en-US" dirty="0" err="1"/>
+              <a:t>használni</a:t>
+            </a:r>
+            <a:r>
+              <a:rPr lang="en-US" dirty="0"/>
+              <a:t>. </a:t>
+            </a:r>
+            <a:r>
+              <a:rPr lang="en-US" dirty="0" err="1"/>
+              <a:t>Ezeket</a:t>
+            </a:r>
+            <a:r>
+              <a:rPr lang="en-US" dirty="0"/>
+              <a:t> </a:t>
+            </a:r>
+            <a:r>
+              <a:rPr lang="en-US" dirty="0" err="1"/>
+              <a:t>kombinálva</a:t>
+            </a:r>
+            <a:r>
+              <a:rPr lang="en-US" dirty="0"/>
+              <a:t> a </a:t>
+            </a:r>
+            <a:r>
+              <a:rPr lang="en-US" dirty="0" err="1"/>
+              <a:t>nyers</a:t>
+            </a:r>
+            <a:r>
+              <a:rPr lang="en-US" dirty="0"/>
+              <a:t> </a:t>
+            </a:r>
+            <a:r>
+              <a:rPr lang="en-US" dirty="0" err="1"/>
+              <a:t>pointerekkel</a:t>
+            </a:r>
+            <a:r>
+              <a:rPr lang="en-US" dirty="0"/>
+              <a:t> </a:t>
+            </a:r>
+            <a:r>
+              <a:rPr lang="en-US" dirty="0" err="1"/>
+              <a:t>nagyon</a:t>
+            </a:r>
+            <a:r>
+              <a:rPr lang="en-US" dirty="0"/>
+              <a:t> </a:t>
+            </a:r>
+            <a:r>
+              <a:rPr lang="en-US" dirty="0" err="1"/>
+              <a:t>szép</a:t>
+            </a:r>
+            <a:r>
+              <a:rPr lang="en-US" dirty="0"/>
+              <a:t>, </a:t>
+            </a:r>
+            <a:r>
+              <a:rPr lang="en-US" dirty="0" err="1"/>
+              <a:t>konzisztens</a:t>
+            </a:r>
+            <a:r>
+              <a:rPr lang="en-US" dirty="0"/>
+              <a:t> </a:t>
+            </a:r>
+            <a:r>
+              <a:rPr lang="en-US" dirty="0" err="1"/>
+              <a:t>viselkedést</a:t>
+            </a:r>
+            <a:r>
+              <a:rPr lang="en-US" dirty="0"/>
+              <a:t> </a:t>
+            </a:r>
+            <a:r>
+              <a:rPr lang="en-US" dirty="0" err="1"/>
+              <a:t>fogunk</a:t>
+            </a:r>
+            <a:r>
+              <a:rPr lang="en-US" dirty="0"/>
+              <a:t> </a:t>
+            </a:r>
+            <a:r>
+              <a:rPr lang="en-US" dirty="0" err="1"/>
+              <a:t>kapni</a:t>
+            </a:r>
+            <a:r>
+              <a:rPr lang="en-US" dirty="0"/>
+              <a:t>:</a:t>
+            </a:r>
+          </a:p>
+          <a:p>
+            <a:pPr marL="171450" indent="-171450">
+              <a:buFontTx/>
+              <a:buChar char="-"/>
+            </a:pPr>
+            <a:r>
+              <a:rPr lang="en-US" dirty="0" err="1"/>
+              <a:t>unique_ptr</a:t>
+            </a:r>
+            <a:r>
+              <a:rPr lang="en-US" dirty="0"/>
+              <a:t>: </a:t>
+            </a:r>
+            <a:r>
+              <a:rPr lang="en-US" dirty="0" err="1"/>
+              <a:t>egy</a:t>
+            </a:r>
+            <a:r>
+              <a:rPr lang="en-US" dirty="0"/>
+              <a:t> </a:t>
+            </a:r>
+            <a:r>
+              <a:rPr lang="en-US" dirty="0" err="1"/>
+              <a:t>darab</a:t>
+            </a:r>
+            <a:r>
+              <a:rPr lang="en-US" dirty="0"/>
+              <a:t> </a:t>
+            </a:r>
+            <a:r>
+              <a:rPr lang="en-US" dirty="0" err="1"/>
+              <a:t>létezik</a:t>
+            </a:r>
+            <a:r>
+              <a:rPr lang="en-US" dirty="0"/>
+              <a:t> </a:t>
+            </a:r>
+            <a:r>
+              <a:rPr lang="en-US" dirty="0" err="1"/>
+              <a:t>belőle</a:t>
+            </a:r>
+            <a:r>
+              <a:rPr lang="en-US" dirty="0"/>
+              <a:t> </a:t>
+            </a:r>
+            <a:r>
+              <a:rPr lang="en-US" dirty="0" err="1"/>
+              <a:t>és</a:t>
+            </a:r>
+            <a:r>
+              <a:rPr lang="en-US" dirty="0"/>
+              <a:t> </a:t>
+            </a:r>
+            <a:r>
+              <a:rPr lang="en-US" dirty="0" err="1"/>
+              <a:t>amelyik</a:t>
+            </a:r>
+            <a:r>
+              <a:rPr lang="en-US" dirty="0"/>
+              <a:t> </a:t>
+            </a:r>
+            <a:r>
+              <a:rPr lang="en-US" dirty="0" err="1"/>
+              <a:t>objektumnál</a:t>
+            </a:r>
+            <a:r>
+              <a:rPr lang="en-US" dirty="0"/>
+              <a:t> </a:t>
+            </a:r>
+            <a:r>
+              <a:rPr lang="en-US" dirty="0" err="1"/>
+              <a:t>ez</a:t>
+            </a:r>
+            <a:r>
+              <a:rPr lang="en-US" dirty="0"/>
+              <a:t> van, </a:t>
+            </a:r>
+            <a:r>
+              <a:rPr lang="en-US" dirty="0" err="1"/>
+              <a:t>az</a:t>
+            </a:r>
+            <a:r>
+              <a:rPr lang="en-US" dirty="0"/>
+              <a:t> a </a:t>
+            </a:r>
+            <a:r>
+              <a:rPr lang="en-US" dirty="0" err="1"/>
+              <a:t>tulajdonos</a:t>
+            </a:r>
+            <a:endParaRPr lang="en-US" dirty="0"/>
+          </a:p>
+          <a:p>
+            <a:pPr marL="171450" indent="-171450">
+              <a:buFontTx/>
+              <a:buChar char="-"/>
+            </a:pPr>
+            <a:r>
+              <a:rPr lang="en-US" dirty="0" err="1"/>
+              <a:t>shared_ptr</a:t>
+            </a:r>
+            <a:r>
+              <a:rPr lang="en-US" dirty="0"/>
+              <a:t>: </a:t>
+            </a:r>
+            <a:r>
+              <a:rPr lang="en-US" dirty="0" err="1"/>
+              <a:t>több</a:t>
+            </a:r>
+            <a:r>
+              <a:rPr lang="en-US" dirty="0"/>
+              <a:t> </a:t>
+            </a:r>
+            <a:r>
+              <a:rPr lang="en-US" dirty="0" err="1"/>
+              <a:t>tulajdonos</a:t>
+            </a:r>
+            <a:r>
+              <a:rPr lang="en-US" dirty="0"/>
+              <a:t> is van, </a:t>
+            </a:r>
+            <a:r>
+              <a:rPr lang="en-US" dirty="0" err="1"/>
+              <a:t>az</a:t>
+            </a:r>
+            <a:r>
+              <a:rPr lang="en-US" dirty="0"/>
+              <a:t> </a:t>
+            </a:r>
+            <a:r>
+              <a:rPr lang="en-US" dirty="0" err="1"/>
+              <a:t>objektum</a:t>
+            </a:r>
+            <a:r>
+              <a:rPr lang="en-US" dirty="0"/>
+              <a:t> </a:t>
+            </a:r>
+            <a:r>
+              <a:rPr lang="en-US" dirty="0" err="1"/>
+              <a:t>felszabadításának</a:t>
+            </a:r>
+            <a:r>
+              <a:rPr lang="en-US" dirty="0"/>
+              <a:t> </a:t>
+            </a:r>
+            <a:r>
+              <a:rPr lang="en-US" dirty="0" err="1"/>
+              <a:t>helye</a:t>
+            </a:r>
+            <a:r>
+              <a:rPr lang="en-US" dirty="0"/>
+              <a:t> </a:t>
+            </a:r>
+            <a:r>
+              <a:rPr lang="en-US" dirty="0" err="1"/>
+              <a:t>és</a:t>
+            </a:r>
+            <a:r>
+              <a:rPr lang="en-US" dirty="0"/>
+              <a:t> </a:t>
+            </a:r>
+            <a:r>
+              <a:rPr lang="en-US" dirty="0" err="1"/>
+              <a:t>ideje</a:t>
+            </a:r>
+            <a:r>
+              <a:rPr lang="en-US" dirty="0"/>
+              <a:t> </a:t>
+            </a:r>
+            <a:r>
+              <a:rPr lang="en-US" dirty="0" err="1"/>
+              <a:t>nem</a:t>
+            </a:r>
+            <a:r>
+              <a:rPr lang="en-US" dirty="0"/>
+              <a:t> </a:t>
+            </a:r>
+            <a:r>
+              <a:rPr lang="en-US" dirty="0" err="1"/>
+              <a:t>egyértelm</a:t>
+            </a:r>
+            <a:r>
+              <a:rPr lang="hu-HU" dirty="0"/>
+              <a:t>ű</a:t>
+            </a:r>
+            <a:endParaRPr lang="en-US" dirty="0"/>
+          </a:p>
+          <a:p>
+            <a:pPr marL="171450" indent="-171450">
+              <a:buFontTx/>
+              <a:buChar char="-"/>
+            </a:pPr>
+            <a:r>
+              <a:rPr lang="en-US" dirty="0" err="1"/>
+              <a:t>com_ptr</a:t>
+            </a:r>
+            <a:r>
+              <a:rPr lang="en-US" dirty="0"/>
+              <a:t>: a </a:t>
+            </a:r>
+            <a:r>
+              <a:rPr lang="en-US" dirty="0" err="1"/>
+              <a:t>shared_ptr-hez</a:t>
+            </a:r>
+            <a:r>
+              <a:rPr lang="en-US" dirty="0"/>
+              <a:t> </a:t>
+            </a:r>
+            <a:r>
+              <a:rPr lang="en-US" dirty="0" err="1"/>
+              <a:t>hasonló</a:t>
+            </a:r>
+            <a:r>
+              <a:rPr lang="en-US" dirty="0"/>
+              <a:t> de a DirectX-</a:t>
+            </a:r>
+            <a:r>
+              <a:rPr lang="en-US" dirty="0" err="1"/>
+              <a:t>hez</a:t>
+            </a:r>
+            <a:r>
+              <a:rPr lang="en-US" dirty="0"/>
+              <a:t> </a:t>
+            </a:r>
+            <a:r>
+              <a:rPr lang="en-US" dirty="0" err="1"/>
+              <a:t>kapcsolodó</a:t>
+            </a:r>
+            <a:r>
+              <a:rPr lang="en-US" dirty="0"/>
+              <a:t> </a:t>
+            </a:r>
+            <a:r>
+              <a:rPr lang="en-US" dirty="0" err="1"/>
+              <a:t>oszályokra</a:t>
+            </a:r>
+            <a:r>
+              <a:rPr lang="en-US" dirty="0"/>
+              <a:t> </a:t>
+            </a:r>
+            <a:r>
+              <a:rPr lang="en-US" dirty="0" err="1"/>
+              <a:t>vonatkozóan</a:t>
+            </a:r>
+            <a:endParaRPr lang="en-US" dirty="0"/>
+          </a:p>
+          <a:p>
+            <a:pPr marL="171450" indent="-171450">
+              <a:buFontTx/>
+              <a:buChar char="-"/>
+            </a:pPr>
+            <a:endParaRPr lang="en-US" dirty="0"/>
+          </a:p>
+          <a:p>
+            <a:pPr marL="0" indent="0">
+              <a:buFontTx/>
+              <a:buNone/>
+            </a:pPr>
+            <a:r>
+              <a:rPr lang="en-US" dirty="0" err="1"/>
+              <a:t>Mikor</a:t>
+            </a:r>
+            <a:r>
+              <a:rPr lang="en-US" dirty="0"/>
+              <a:t> </a:t>
+            </a:r>
+            <a:r>
+              <a:rPr lang="en-US" dirty="0" err="1"/>
+              <a:t>adunk</a:t>
+            </a:r>
+            <a:r>
+              <a:rPr lang="en-US" dirty="0"/>
+              <a:t> </a:t>
+            </a:r>
+            <a:r>
+              <a:rPr lang="en-US" dirty="0" err="1"/>
+              <a:t>mit</a:t>
+            </a:r>
+            <a:r>
+              <a:rPr lang="en-US" dirty="0"/>
+              <a:t> </a:t>
+            </a:r>
+            <a:r>
+              <a:rPr lang="en-US" dirty="0" err="1"/>
+              <a:t>paraméterként</a:t>
+            </a:r>
+            <a:r>
+              <a:rPr lang="en-US" dirty="0"/>
+              <a:t>?</a:t>
+            </a:r>
+          </a:p>
+          <a:p>
+            <a:pPr marL="171450" indent="-171450">
+              <a:buFontTx/>
+              <a:buChar char="-"/>
+            </a:pPr>
+            <a:r>
+              <a:rPr lang="en-US" dirty="0" err="1"/>
+              <a:t>unique_ptr</a:t>
+            </a:r>
+            <a:r>
+              <a:rPr lang="en-US" dirty="0"/>
+              <a:t>: </a:t>
+            </a:r>
+            <a:r>
+              <a:rPr lang="en-US" dirty="0" err="1"/>
+              <a:t>csak</a:t>
+            </a:r>
+            <a:r>
+              <a:rPr lang="en-US" dirty="0"/>
+              <a:t> ownership </a:t>
+            </a:r>
+            <a:r>
+              <a:rPr lang="en-US" dirty="0" err="1"/>
+              <a:t>váltáskor</a:t>
+            </a:r>
+            <a:r>
+              <a:rPr lang="en-US" dirty="0"/>
+              <a:t>, pl move </a:t>
+            </a:r>
+            <a:r>
+              <a:rPr lang="en-US" dirty="0" err="1"/>
+              <a:t>szemantikára</a:t>
+            </a:r>
+            <a:r>
+              <a:rPr lang="en-US" dirty="0"/>
+              <a:t>. std::</a:t>
+            </a:r>
+            <a:r>
+              <a:rPr lang="en-US" dirty="0" err="1"/>
+              <a:t>unique_ptr</a:t>
+            </a:r>
+            <a:r>
+              <a:rPr lang="en-US" dirty="0"/>
+              <a:t>&lt;T&gt; &amp;-t SOHA ne adj </a:t>
+            </a:r>
+            <a:r>
+              <a:rPr lang="en-US" dirty="0" err="1"/>
+              <a:t>át</a:t>
+            </a:r>
+            <a:endParaRPr lang="en-US" dirty="0"/>
+          </a:p>
+          <a:p>
+            <a:pPr marL="171450" indent="-171450">
+              <a:buFontTx/>
+              <a:buChar char="-"/>
+            </a:pPr>
+            <a:r>
+              <a:rPr lang="en-US" dirty="0" err="1"/>
+              <a:t>shared_ptr</a:t>
+            </a:r>
+            <a:r>
+              <a:rPr lang="en-US" dirty="0"/>
+              <a:t> / </a:t>
+            </a:r>
+            <a:r>
+              <a:rPr lang="en-US" dirty="0" err="1"/>
+              <a:t>com_ptr</a:t>
+            </a:r>
+            <a:r>
+              <a:rPr lang="en-US" dirty="0"/>
+              <a:t>: move </a:t>
+            </a:r>
+            <a:r>
+              <a:rPr lang="en-US" dirty="0" err="1"/>
+              <a:t>vagy</a:t>
+            </a:r>
+            <a:r>
+              <a:rPr lang="en-US" dirty="0"/>
+              <a:t> ownership </a:t>
+            </a:r>
+            <a:r>
+              <a:rPr lang="en-US" dirty="0" err="1"/>
+              <a:t>osztoszkodáskor</a:t>
+            </a:r>
+            <a:endParaRPr lang="en-US" dirty="0"/>
+          </a:p>
+          <a:p>
+            <a:pPr marL="171450" indent="-171450">
+              <a:buFontTx/>
+              <a:buChar char="-"/>
+            </a:pPr>
+            <a:r>
+              <a:rPr lang="en-US" dirty="0"/>
+              <a:t>Minden </a:t>
+            </a:r>
+            <a:r>
+              <a:rPr lang="en-US" dirty="0" err="1"/>
+              <a:t>másra</a:t>
+            </a:r>
+            <a:r>
+              <a:rPr lang="en-US" dirty="0"/>
+              <a:t> </a:t>
+            </a:r>
+            <a:r>
+              <a:rPr lang="en-US" dirty="0" err="1"/>
+              <a:t>ott</a:t>
+            </a:r>
+            <a:r>
+              <a:rPr lang="en-US" dirty="0"/>
+              <a:t> van a </a:t>
+            </a:r>
+            <a:r>
+              <a:rPr lang="en-US" dirty="0" err="1"/>
+              <a:t>nyers</a:t>
+            </a:r>
+            <a:r>
+              <a:rPr lang="en-US" dirty="0"/>
+              <a:t> T* pointer </a:t>
+            </a:r>
+            <a:r>
+              <a:rPr lang="en-US" dirty="0" err="1"/>
+              <a:t>vagy</a:t>
+            </a:r>
+            <a:r>
+              <a:rPr lang="en-US" dirty="0"/>
+              <a:t> a </a:t>
+            </a:r>
+            <a:r>
+              <a:rPr lang="en-US" dirty="0" err="1"/>
+              <a:t>nyers</a:t>
+            </a:r>
+            <a:r>
+              <a:rPr lang="en-US" dirty="0"/>
+              <a:t> T&amp;.</a:t>
+            </a:r>
+          </a:p>
+          <a:p>
+            <a:pPr marL="171450" indent="-171450">
+              <a:buFontTx/>
+              <a:buChar char="-"/>
+            </a:pPr>
+            <a:endParaRPr lang="en-US" dirty="0"/>
+          </a:p>
+          <a:p>
+            <a:pPr marL="0" indent="0">
+              <a:buFontTx/>
+              <a:buNone/>
+            </a:pPr>
+            <a:r>
+              <a:rPr lang="en-US" dirty="0" err="1"/>
+              <a:t>Ez</a:t>
+            </a:r>
+            <a:r>
+              <a:rPr lang="en-US" dirty="0"/>
+              <a:t> </a:t>
+            </a:r>
+            <a:r>
+              <a:rPr lang="en-US" dirty="0" err="1"/>
+              <a:t>miért</a:t>
+            </a:r>
+            <a:r>
+              <a:rPr lang="en-US" dirty="0"/>
+              <a:t> </a:t>
+            </a:r>
+            <a:r>
+              <a:rPr lang="en-US" dirty="0" err="1"/>
+              <a:t>olyan</a:t>
+            </a:r>
+            <a:r>
+              <a:rPr lang="en-US" dirty="0"/>
+              <a:t> </a:t>
+            </a:r>
+            <a:r>
+              <a:rPr lang="en-US" dirty="0" err="1"/>
+              <a:t>szuper</a:t>
+            </a:r>
+            <a:r>
+              <a:rPr lang="en-US" dirty="0"/>
+              <a:t>?</a:t>
+            </a:r>
+          </a:p>
+          <a:p>
+            <a:pPr marL="171450" indent="-171450">
+              <a:buFontTx/>
+              <a:buChar char="-"/>
+            </a:pPr>
+            <a:r>
+              <a:rPr lang="en-US" dirty="0" err="1"/>
+              <a:t>Egy</a:t>
+            </a:r>
+            <a:r>
+              <a:rPr lang="en-US" dirty="0"/>
+              <a:t> pointer </a:t>
+            </a:r>
+            <a:r>
+              <a:rPr lang="en-US" dirty="0" err="1"/>
+              <a:t>csak</a:t>
+            </a:r>
+            <a:r>
+              <a:rPr lang="en-US" dirty="0"/>
+              <a:t> </a:t>
+            </a:r>
+            <a:r>
+              <a:rPr lang="en-US" dirty="0" err="1"/>
+              <a:t>egy</a:t>
+            </a:r>
+            <a:r>
+              <a:rPr lang="en-US" dirty="0"/>
+              <a:t> 32 </a:t>
+            </a:r>
+            <a:r>
+              <a:rPr lang="en-US" dirty="0" err="1"/>
+              <a:t>vagy</a:t>
+            </a:r>
+            <a:r>
+              <a:rPr lang="en-US" dirty="0"/>
+              <a:t> 64 bites </a:t>
+            </a:r>
+            <a:r>
+              <a:rPr lang="en-US" dirty="0" err="1"/>
+              <a:t>érték</a:t>
+            </a:r>
+            <a:r>
+              <a:rPr lang="en-US" dirty="0"/>
+              <a:t>, </a:t>
+            </a:r>
+            <a:r>
+              <a:rPr lang="en-US" dirty="0" err="1"/>
+              <a:t>szuper</a:t>
+            </a:r>
+            <a:r>
+              <a:rPr lang="en-US" dirty="0"/>
+              <a:t> </a:t>
+            </a:r>
+            <a:r>
+              <a:rPr lang="en-US" dirty="0" err="1"/>
+              <a:t>gyors</a:t>
+            </a:r>
+            <a:r>
+              <a:rPr lang="en-US" dirty="0"/>
+              <a:t> </a:t>
+            </a:r>
+            <a:r>
+              <a:rPr lang="en-US" dirty="0" err="1"/>
+              <a:t>átpasszolni</a:t>
+            </a:r>
+            <a:endParaRPr lang="en-US" dirty="0"/>
+          </a:p>
+          <a:p>
+            <a:pPr marL="171450" indent="-171450">
+              <a:buFontTx/>
+              <a:buChar char="-"/>
+            </a:pPr>
+            <a:r>
+              <a:rPr lang="en-US" dirty="0"/>
+              <a:t>A </a:t>
+            </a:r>
+            <a:r>
+              <a:rPr lang="en-US" dirty="0" err="1"/>
+              <a:t>kódból</a:t>
+            </a:r>
+            <a:r>
+              <a:rPr lang="en-US" dirty="0"/>
+              <a:t> </a:t>
+            </a:r>
+            <a:r>
+              <a:rPr lang="en-US" dirty="0" err="1"/>
+              <a:t>olvasható</a:t>
+            </a:r>
+            <a:r>
+              <a:rPr lang="en-US" dirty="0"/>
+              <a:t> </a:t>
+            </a:r>
+            <a:r>
+              <a:rPr lang="en-US" dirty="0" err="1"/>
+              <a:t>az</a:t>
+            </a:r>
+            <a:r>
+              <a:rPr lang="en-US" dirty="0"/>
+              <a:t> </a:t>
+            </a:r>
+            <a:r>
+              <a:rPr lang="en-US" dirty="0" err="1"/>
+              <a:t>élettartam</a:t>
+            </a:r>
+            <a:endParaRPr lang="en-US" dirty="0"/>
+          </a:p>
+          <a:p>
+            <a:pPr marL="171450" indent="-171450">
+              <a:buFontTx/>
+              <a:buChar char="-"/>
+            </a:pPr>
+            <a:r>
+              <a:rPr lang="en-US" dirty="0"/>
+              <a:t>Ha </a:t>
+            </a:r>
+            <a:r>
+              <a:rPr lang="en-US" dirty="0" err="1"/>
+              <a:t>látunk</a:t>
+            </a:r>
+            <a:r>
+              <a:rPr lang="en-US" dirty="0"/>
+              <a:t> </a:t>
+            </a:r>
+            <a:r>
+              <a:rPr lang="en-US" dirty="0" err="1"/>
+              <a:t>nyers</a:t>
+            </a:r>
+            <a:r>
+              <a:rPr lang="en-US" dirty="0"/>
+              <a:t> T* </a:t>
+            </a:r>
+            <a:r>
+              <a:rPr lang="en-US" dirty="0" err="1"/>
+              <a:t>pointert</a:t>
+            </a:r>
+            <a:r>
+              <a:rPr lang="en-US" dirty="0"/>
+              <a:t> </a:t>
+            </a:r>
+            <a:r>
+              <a:rPr lang="en-US" dirty="0" err="1"/>
+              <a:t>tudjuk</a:t>
+            </a:r>
+            <a:r>
+              <a:rPr lang="en-US" dirty="0"/>
+              <a:t> </a:t>
+            </a:r>
+            <a:r>
+              <a:rPr lang="en-US" dirty="0" err="1"/>
+              <a:t>hogy</a:t>
+            </a:r>
+            <a:r>
+              <a:rPr lang="en-US" dirty="0"/>
+              <a:t> mi </a:t>
+            </a:r>
+            <a:r>
+              <a:rPr lang="en-US" dirty="0" err="1"/>
+              <a:t>azt</a:t>
+            </a:r>
+            <a:r>
+              <a:rPr lang="en-US" dirty="0"/>
+              <a:t> </a:t>
+            </a:r>
+            <a:r>
+              <a:rPr lang="en-US" dirty="0" err="1"/>
+              <a:t>nem</a:t>
+            </a:r>
+            <a:r>
+              <a:rPr lang="en-US" dirty="0"/>
+              <a:t> </a:t>
+            </a:r>
+            <a:r>
+              <a:rPr lang="en-US" dirty="0" err="1"/>
+              <a:t>birtokolhatjuk</a:t>
+            </a:r>
+            <a:endParaRPr lang="en-US" dirty="0"/>
+          </a:p>
+          <a:p>
+            <a:pPr marL="171450" indent="-171450">
+              <a:buFontTx/>
+              <a:buChar char="-"/>
+            </a:pPr>
+            <a:endParaRPr lang="en-US" dirty="0"/>
+          </a:p>
+          <a:p>
+            <a:pPr marL="0" indent="0">
+              <a:buFontTx/>
+              <a:buNone/>
+            </a:pPr>
+            <a:r>
+              <a:rPr lang="en-US" dirty="0" err="1"/>
+              <a:t>Még</a:t>
+            </a:r>
+            <a:r>
+              <a:rPr lang="en-US" dirty="0"/>
+              <a:t> </a:t>
+            </a:r>
+            <a:r>
+              <a:rPr lang="en-US" dirty="0" err="1"/>
+              <a:t>egy</a:t>
+            </a:r>
+            <a:r>
+              <a:rPr lang="en-US" dirty="0"/>
+              <a:t> extra </a:t>
+            </a:r>
+            <a:r>
+              <a:rPr lang="en-US" dirty="0" err="1"/>
+              <a:t>megkötés</a:t>
+            </a:r>
+            <a:r>
+              <a:rPr lang="en-US" dirty="0"/>
+              <a:t>:</a:t>
+            </a:r>
+          </a:p>
+          <a:p>
+            <a:pPr marL="171450" indent="-171450">
+              <a:buFontTx/>
+              <a:buChar char="-"/>
+            </a:pPr>
+            <a:r>
+              <a:rPr lang="en-US" dirty="0" err="1"/>
+              <a:t>Tilos</a:t>
+            </a:r>
+            <a:r>
+              <a:rPr lang="en-US" dirty="0"/>
+              <a:t> </a:t>
+            </a:r>
+            <a:r>
+              <a:rPr lang="en-US" dirty="0" err="1"/>
+              <a:t>kézzel</a:t>
+            </a:r>
+            <a:r>
+              <a:rPr lang="en-US" dirty="0"/>
+              <a:t> </a:t>
+            </a:r>
+            <a:r>
+              <a:rPr lang="en-US" dirty="0" err="1"/>
+              <a:t>létrehozni</a:t>
+            </a:r>
+            <a:r>
+              <a:rPr lang="en-US" dirty="0"/>
+              <a:t> </a:t>
+            </a:r>
+            <a:r>
+              <a:rPr lang="en-US" dirty="0" err="1"/>
+              <a:t>shared_ptr</a:t>
+            </a:r>
+            <a:r>
+              <a:rPr lang="en-US" dirty="0"/>
+              <a:t>-t, </a:t>
+            </a:r>
+            <a:r>
+              <a:rPr lang="en-US" dirty="0" err="1"/>
+              <a:t>főleg</a:t>
+            </a:r>
+            <a:r>
+              <a:rPr lang="en-US" dirty="0"/>
+              <a:t> </a:t>
+            </a:r>
+            <a:r>
+              <a:rPr lang="en-US" dirty="0" err="1"/>
+              <a:t>egy</a:t>
+            </a:r>
+            <a:r>
+              <a:rPr lang="en-US" dirty="0"/>
+              <a:t> </a:t>
+            </a:r>
+            <a:r>
+              <a:rPr lang="en-US" dirty="0" err="1"/>
+              <a:t>nyers</a:t>
+            </a:r>
+            <a:r>
+              <a:rPr lang="en-US" dirty="0"/>
+              <a:t> T* </a:t>
+            </a:r>
+            <a:r>
+              <a:rPr lang="en-US" dirty="0" err="1"/>
+              <a:t>pointerből</a:t>
+            </a:r>
+            <a:r>
+              <a:rPr lang="en-US" dirty="0"/>
+              <a:t>, </a:t>
+            </a:r>
+            <a:r>
+              <a:rPr lang="en-US" dirty="0" err="1"/>
+              <a:t>minden</a:t>
+            </a:r>
+            <a:r>
+              <a:rPr lang="en-US" dirty="0"/>
+              <a:t> GG_CLASS-al </a:t>
+            </a:r>
+            <a:r>
+              <a:rPr lang="en-US" dirty="0" err="1"/>
+              <a:t>deklarált</a:t>
+            </a:r>
+            <a:r>
+              <a:rPr lang="en-US" dirty="0"/>
+              <a:t> </a:t>
+            </a:r>
+            <a:r>
+              <a:rPr lang="en-US" dirty="0" err="1"/>
+              <a:t>osztálynak</a:t>
+            </a:r>
+            <a:r>
+              <a:rPr lang="en-US" dirty="0"/>
+              <a:t> </a:t>
+            </a:r>
+            <a:r>
+              <a:rPr lang="en-US" dirty="0" err="1"/>
+              <a:t>ott</a:t>
+            </a:r>
+            <a:r>
+              <a:rPr lang="en-US" dirty="0"/>
+              <a:t> </a:t>
+            </a:r>
+            <a:r>
+              <a:rPr lang="en-US" dirty="0" err="1"/>
+              <a:t>lesz</a:t>
+            </a:r>
+            <a:r>
+              <a:rPr lang="en-US" dirty="0"/>
+              <a:t> a </a:t>
+            </a:r>
+            <a:r>
+              <a:rPr lang="en-US" dirty="0" err="1"/>
+              <a:t>statikus</a:t>
+            </a:r>
+            <a:r>
+              <a:rPr lang="en-US" dirty="0"/>
+              <a:t> Create </a:t>
+            </a:r>
+            <a:r>
+              <a:rPr lang="en-US" dirty="0" err="1"/>
+              <a:t>metódusa</a:t>
+            </a:r>
+            <a:r>
+              <a:rPr lang="en-US" dirty="0"/>
+              <a:t> </a:t>
+            </a:r>
+            <a:r>
+              <a:rPr lang="en-US" dirty="0" err="1"/>
+              <a:t>amit</a:t>
+            </a:r>
+            <a:r>
+              <a:rPr lang="en-US" dirty="0"/>
+              <a:t> </a:t>
+            </a:r>
+            <a:r>
+              <a:rPr lang="en-US" dirty="0" err="1"/>
+              <a:t>erre</a:t>
+            </a:r>
+            <a:r>
+              <a:rPr lang="en-US" dirty="0"/>
+              <a:t> </a:t>
+            </a:r>
+            <a:r>
+              <a:rPr lang="en-US" dirty="0" err="1"/>
+              <a:t>használhatsz</a:t>
+            </a:r>
+            <a:r>
+              <a:rPr lang="en-US" dirty="0"/>
+              <a:t>.</a:t>
+            </a:r>
+          </a:p>
+          <a:p>
+            <a:pPr marL="171450" indent="-171450">
+              <a:buFontTx/>
+              <a:buChar char="-"/>
+            </a:pPr>
+            <a:r>
+              <a:rPr lang="en-US" dirty="0"/>
+              <a:t>(</a:t>
+            </a:r>
+            <a:r>
+              <a:rPr lang="en-US" dirty="0" err="1"/>
+              <a:t>Alternatíva</a:t>
+            </a:r>
+            <a:r>
+              <a:rPr lang="en-US" dirty="0"/>
+              <a:t> </a:t>
+            </a:r>
+            <a:r>
+              <a:rPr lang="en-US" dirty="0" err="1"/>
+              <a:t>az</a:t>
+            </a:r>
+            <a:r>
+              <a:rPr lang="en-US" dirty="0"/>
+              <a:t> std::</a:t>
+            </a:r>
+            <a:r>
+              <a:rPr lang="en-US" dirty="0" err="1"/>
+              <a:t>make_unique</a:t>
+            </a:r>
+            <a:r>
+              <a:rPr lang="en-US" dirty="0"/>
+              <a:t> </a:t>
+            </a:r>
+            <a:r>
+              <a:rPr lang="en-US" dirty="0" err="1"/>
+              <a:t>és</a:t>
+            </a:r>
+            <a:r>
+              <a:rPr lang="en-US" dirty="0"/>
+              <a:t> std::</a:t>
+            </a:r>
+            <a:r>
+              <a:rPr lang="en-US" dirty="0" err="1"/>
+              <a:t>make_shared</a:t>
+            </a:r>
+            <a:r>
+              <a:rPr lang="en-US" dirty="0"/>
+              <a:t> </a:t>
+            </a:r>
+            <a:r>
+              <a:rPr lang="en-US" dirty="0" err="1"/>
+              <a:t>függvények</a:t>
+            </a:r>
+            <a:r>
+              <a:rPr lang="en-US" dirty="0"/>
+              <a:t>)</a:t>
+            </a:r>
+          </a:p>
+          <a:p>
+            <a:endParaRPr lang="en-US" dirty="0"/>
+          </a:p>
+          <a:p>
+            <a:endParaRPr lang="en-US" dirty="0"/>
+          </a:p>
+          <a:p>
+            <a:r>
+              <a:rPr lang="en-US" dirty="0"/>
+              <a:t>A DX_API(msg,…)-t </a:t>
+            </a:r>
+            <a:r>
+              <a:rPr lang="en-US" dirty="0" err="1"/>
+              <a:t>már</a:t>
+            </a:r>
+            <a:r>
+              <a:rPr lang="en-US" dirty="0"/>
+              <a:t> </a:t>
+            </a:r>
+            <a:r>
+              <a:rPr lang="en-US" dirty="0" err="1"/>
+              <a:t>használhatod</a:t>
+            </a:r>
+            <a:r>
+              <a:rPr lang="en-US" dirty="0"/>
+              <a:t> </a:t>
+            </a:r>
+            <a:r>
+              <a:rPr lang="en-US" dirty="0" err="1"/>
+              <a:t>úgy</a:t>
+            </a:r>
+            <a:r>
+              <a:rPr lang="en-US" dirty="0"/>
+              <a:t>, mint </a:t>
+            </a:r>
+            <a:r>
+              <a:rPr lang="en-US" dirty="0" err="1"/>
+              <a:t>egy</a:t>
+            </a:r>
+            <a:r>
+              <a:rPr lang="en-US" dirty="0"/>
+              <a:t> </a:t>
+            </a:r>
+            <a:r>
+              <a:rPr lang="en-US" dirty="0" err="1"/>
+              <a:t>printf</a:t>
+            </a:r>
+            <a:r>
+              <a:rPr lang="en-US" dirty="0"/>
+              <a:t>-et, </a:t>
+            </a:r>
+            <a:r>
+              <a:rPr lang="en-US" dirty="0" err="1"/>
+              <a:t>tehát</a:t>
+            </a:r>
+            <a:r>
+              <a:rPr lang="en-US" dirty="0"/>
+              <a:t> DX_API(format, arguments…)</a:t>
+            </a:r>
+          </a:p>
+          <a:p>
+            <a:r>
+              <a:rPr lang="en-US" dirty="0" err="1"/>
+              <a:t>Példa</a:t>
+            </a:r>
+            <a:r>
+              <a:rPr lang="en-US" dirty="0"/>
+              <a:t>:</a:t>
+            </a:r>
+            <a:br>
+              <a:rPr lang="en-US" dirty="0"/>
+            </a:br>
+            <a:r>
+              <a:rPr lang="en-US" dirty="0"/>
+              <a:t>DX_API(“</a:t>
+            </a:r>
+            <a:r>
+              <a:rPr lang="en-US" dirty="0" err="1"/>
+              <a:t>itt</a:t>
+            </a:r>
+            <a:r>
+              <a:rPr lang="en-US" dirty="0"/>
+              <a:t> </a:t>
+            </a:r>
+            <a:r>
+              <a:rPr lang="en-US" dirty="0" err="1"/>
+              <a:t>és</a:t>
+            </a:r>
+            <a:r>
+              <a:rPr lang="en-US" dirty="0"/>
+              <a:t> </a:t>
+            </a:r>
+            <a:r>
+              <a:rPr lang="en-US" dirty="0" err="1"/>
+              <a:t>itt</a:t>
+            </a:r>
+            <a:r>
+              <a:rPr lang="en-US" dirty="0"/>
+              <a:t> </a:t>
+            </a:r>
+            <a:r>
+              <a:rPr lang="en-US" dirty="0" err="1"/>
+              <a:t>rossz</a:t>
+            </a:r>
+            <a:r>
+              <a:rPr lang="en-US" dirty="0"/>
+              <a:t> %d”, 5)</a:t>
+            </a:r>
+          </a:p>
+          <a:p>
+            <a:r>
+              <a:rPr lang="en-US" dirty="0"/>
+              <a:t>    </a:t>
+            </a:r>
+            <a:r>
+              <a:rPr lang="en-US" dirty="0" err="1"/>
+              <a:t>HRESULT_Hivas</a:t>
+            </a:r>
+            <a:r>
+              <a:rPr lang="en-US" dirty="0"/>
+              <a:t>();</a:t>
+            </a:r>
+          </a:p>
+          <a:p>
+            <a:endParaRPr lang="en-US" dirty="0"/>
+          </a:p>
+        </p:txBody>
+      </p:sp>
+      <p:sp>
+        <p:nvSpPr>
+          <p:cNvPr id="4" name="Slide Number Placeholder 3"/>
+          <p:cNvSpPr>
+            <a:spLocks noGrp="1"/>
+          </p:cNvSpPr>
+          <p:nvPr>
+            <p:ph type="sldNum" sz="quarter" idx="5"/>
+          </p:nvPr>
+        </p:nvSpPr>
+        <p:spPr/>
+        <p:txBody>
+          <a:bodyPr/>
+          <a:lstStyle/>
+          <a:p>
+            <a:fld id="{EE1CB54F-71BB-491D-A98F-DF04FDAAD72D}" type="slidenum">
+              <a:rPr lang="en-US" smtClean="0"/>
+              <a:pPr/>
+              <a:t>9</a:t>
+            </a:fld>
+            <a:endParaRPr lang="en-US"/>
+          </a:p>
+        </p:txBody>
+      </p:sp>
+    </p:spTree>
+    <p:extLst>
+      <p:ext uri="{BB962C8B-B14F-4D97-AF65-F5344CB8AC3E}">
+        <p14:creationId xmlns:p14="http://schemas.microsoft.com/office/powerpoint/2010/main" val="2096232944"/>
+      </p:ext>
+    </p:extLst>
+  </p:cSld>
+  <p:clrMapOvr>
+    <a:masterClrMapping/>
+  </p:clrMapOvr>
+</p:notes>
+</file>
+
+<file path=ppt/notesSlides/notesSlide7.xml><?xml version="1.0" encoding="utf-8"?>
+<p:notes xmlns:a="http://schemas.openxmlformats.org/drawingml/2006/main" xmlns:r="http://schemas.openxmlformats.org/officeDocument/2006/relationships" xmlns:p="http://schemas.openxmlformats.org/presentationml/2006/main">
+  <p:cSld>
+    <p:spTree>
+      <p:nvGrpSpPr>
+        <p:cNvPr id="1" name=""/>
+        <p:cNvGrpSpPr/>
+        <p:nvPr/>
+      </p:nvGrpSpPr>
+      <p:grpSpPr>
+        <a:xfrm>
+          <a:off x="0" y="0"/>
+          <a:ext cx="0" cy="0"/>
+          <a:chOff x="0" y="0"/>
+          <a:chExt cx="0" cy="0"/>
+        </a:xfrm>
+      </p:grpSpPr>
+      <p:sp>
+        <p:nvSpPr>
+          <p:cNvPr id="2" name="Slide Image Placeholder 1"/>
+          <p:cNvSpPr>
+            <a:spLocks noGrp="1" noRot="1" noChangeAspect="1"/>
+          </p:cNvSpPr>
+          <p:nvPr>
+            <p:ph type="sldImg"/>
+          </p:nvPr>
+        </p:nvSpPr>
+        <p:spPr/>
+      </p:sp>
+      <p:sp>
+        <p:nvSpPr>
+          <p:cNvPr id="3" name="Notes Placeholder 2"/>
+          <p:cNvSpPr>
+            <a:spLocks noGrp="1"/>
+          </p:cNvSpPr>
+          <p:nvPr>
+            <p:ph type="body" idx="1"/>
+          </p:nvPr>
+        </p:nvSpPr>
+        <p:spPr/>
+        <p:txBody>
+          <a:bodyPr>
+            <a:normAutofit/>
+          </a:bodyPr>
+          <a:lstStyle/>
+          <a:p>
+            <a:endParaRPr lang="en-US" dirty="0"/>
+          </a:p>
+        </p:txBody>
+      </p:sp>
+      <p:sp>
+        <p:nvSpPr>
+          <p:cNvPr id="4" name="Slide Number Placeholder 3"/>
+          <p:cNvSpPr>
+            <a:spLocks noGrp="1"/>
+          </p:cNvSpPr>
+          <p:nvPr>
+            <p:ph type="sldNum" sz="quarter" idx="5"/>
+          </p:nvPr>
+        </p:nvSpPr>
+        <p:spPr/>
+        <p:txBody>
+          <a:bodyPr/>
+          <a:lstStyle/>
+          <a:p>
+            <a:fld id="{EE1CB54F-71BB-491D-A98F-DF04FDAAD72D}" type="slidenum">
+              <a:rPr lang="en-US" smtClean="0"/>
+              <a:pPr/>
+              <a:t>10</a:t>
+            </a:fld>
+            <a:endParaRPr lang="en-US"/>
+          </a:p>
+        </p:txBody>
+      </p:sp>
+    </p:spTree>
+    <p:extLst>
+      <p:ext uri="{BB962C8B-B14F-4D97-AF65-F5344CB8AC3E}">
+        <p14:creationId xmlns:p14="http://schemas.microsoft.com/office/powerpoint/2010/main" val="4226588695"/>
+      </p:ext>
+    </p:extLst>
+  </p:cSld>
+  <p:clrMapOvr>
+    <a:masterClrMapping/>
+  </p:clrMapOvr>
+</p:notes>
+</file>
+
+<file path=ppt/notesSlides/notesSlide8.xml><?xml version="1.0" encoding="utf-8"?>
+<p:notes xmlns:a="http://schemas.openxmlformats.org/drawingml/2006/main" xmlns:r="http://schemas.openxmlformats.org/officeDocument/2006/relationships" xmlns:p="http://schemas.openxmlformats.org/presentationml/2006/main">
+  <p:cSld>
+    <p:spTree>
+      <p:nvGrpSpPr>
+        <p:cNvPr id="1" name=""/>
+        <p:cNvGrpSpPr/>
+        <p:nvPr/>
+      </p:nvGrpSpPr>
+      <p:grpSpPr>
+        <a:xfrm>
+          <a:off x="0" y="0"/>
+          <a:ext cx="0" cy="0"/>
+          <a:chOff x="0" y="0"/>
+          <a:chExt cx="0" cy="0"/>
+        </a:xfrm>
+      </p:grpSpPr>
+      <p:sp>
+        <p:nvSpPr>
+          <p:cNvPr id="2" name="Slide Image Placeholder 1"/>
+          <p:cNvSpPr>
+            <a:spLocks noGrp="1" noRot="1" noChangeAspect="1"/>
+          </p:cNvSpPr>
+          <p:nvPr>
+            <p:ph type="sldImg"/>
+          </p:nvPr>
+        </p:nvSpPr>
+        <p:spPr/>
+      </p:sp>
+      <p:sp>
+        <p:nvSpPr>
+          <p:cNvPr id="3" name="Notes Placeholder 2"/>
+          <p:cNvSpPr>
+            <a:spLocks noGrp="1"/>
+          </p:cNvSpPr>
+          <p:nvPr>
+            <p:ph type="body" idx="1"/>
+          </p:nvPr>
+        </p:nvSpPr>
+        <p:spPr/>
+        <p:txBody>
+          <a:bodyPr>
+            <a:normAutofit/>
+          </a:bodyPr>
+          <a:lstStyle/>
+          <a:p>
+            <a:endParaRPr lang="en-US" dirty="0"/>
+          </a:p>
+        </p:txBody>
+      </p:sp>
+      <p:sp>
+        <p:nvSpPr>
+          <p:cNvPr id="4" name="Slide Number Placeholder 3"/>
+          <p:cNvSpPr>
+            <a:spLocks noGrp="1"/>
+          </p:cNvSpPr>
+          <p:nvPr>
+            <p:ph type="sldNum" sz="quarter" idx="5"/>
+          </p:nvPr>
+        </p:nvSpPr>
+        <p:spPr/>
+        <p:txBody>
+          <a:bodyPr/>
+          <a:lstStyle/>
+          <a:p>
+            <a:fld id="{EE1CB54F-71BB-491D-A98F-DF04FDAAD72D}" type="slidenum">
+              <a:rPr lang="en-US" smtClean="0"/>
+              <a:pPr/>
+              <a:t>11</a:t>
+            </a:fld>
+            <a:endParaRPr lang="en-US"/>
+          </a:p>
+        </p:txBody>
+      </p:sp>
+    </p:spTree>
+    <p:extLst>
+      <p:ext uri="{BB962C8B-B14F-4D97-AF65-F5344CB8AC3E}">
+        <p14:creationId xmlns:p14="http://schemas.microsoft.com/office/powerpoint/2010/main" val="1348784239"/>
       </p:ext>
     </p:extLst>
   </p:cSld>
@@ -3184,7 +4923,7 @@
             <a:fld id="{77DAEA1A-6276-4434-840E-9C81C04BC3C1}" type="datetimeFigureOut">
               <a:rPr lang="en-US" smtClean="0"/>
               <a:pPr/>
-              <a:t>7/31/2019</a:t>
+              <a:t>8/5/2019</a:t>
             </a:fld>
             <a:endParaRPr lang="en-US"/>
           </a:p>
@@ -3662,6 +5401,868 @@
 </p:sld>
 </file>
 
+<file path=ppt/slides/slide10.xml><?xml version="1.0" encoding="utf-8"?>
+<p:sld xmlns:a="http://schemas.openxmlformats.org/drawingml/2006/main" xmlns:r="http://schemas.openxmlformats.org/officeDocument/2006/relationships" xmlns:p="http://schemas.openxmlformats.org/presentationml/2006/main">
+  <p:cSld>
+    <p:spTree>
+      <p:nvGrpSpPr>
+        <p:cNvPr id="1" name=""/>
+        <p:cNvGrpSpPr/>
+        <p:nvPr/>
+      </p:nvGrpSpPr>
+      <p:grpSpPr>
+        <a:xfrm>
+          <a:off x="0" y="0"/>
+          <a:ext cx="0" cy="0"/>
+          <a:chOff x="0" y="0"/>
+          <a:chExt cx="0" cy="0"/>
+        </a:xfrm>
+      </p:grpSpPr>
+      <p:sp>
+        <p:nvSpPr>
+          <p:cNvPr id="2" name="Title 1">
+            <a:extLst>
+              <a:ext uri="{FF2B5EF4-FFF2-40B4-BE49-F238E27FC236}">
+                <a16:creationId xmlns:a16="http://schemas.microsoft.com/office/drawing/2014/main" id="{BA1CFB0B-3752-4BC2-90F4-141AB8C9BE78}"/>
+              </a:ext>
+            </a:extLst>
+          </p:cNvPr>
+          <p:cNvSpPr>
+            <a:spLocks noGrp="1"/>
+          </p:cNvSpPr>
+          <p:nvPr>
+            <p:ph type="title"/>
+          </p:nvPr>
+        </p:nvSpPr>
+        <p:spPr/>
+        <p:txBody>
+          <a:bodyPr/>
+          <a:lstStyle/>
+          <a:p>
+            <a:r>
+              <a:rPr lang="en-US" dirty="0"/>
+              <a:t>ggl001-Libraries</a:t>
+            </a:r>
+            <a:endParaRPr lang="hu-HU" dirty="0"/>
+          </a:p>
+        </p:txBody>
+      </p:sp>
+      <p:sp>
+        <p:nvSpPr>
+          <p:cNvPr id="8" name="Content Placeholder 2">
+            <a:extLst>
+              <a:ext uri="{FF2B5EF4-FFF2-40B4-BE49-F238E27FC236}">
+                <a16:creationId xmlns:a16="http://schemas.microsoft.com/office/drawing/2014/main" id="{4CB61772-3705-40E6-95A2-F01AB94A3E5D}"/>
+              </a:ext>
+            </a:extLst>
+          </p:cNvPr>
+          <p:cNvSpPr txBox="1">
+            <a:spLocks/>
+          </p:cNvSpPr>
+          <p:nvPr/>
+        </p:nvSpPr>
+        <p:spPr>
+          <a:xfrm>
+            <a:off x="457200" y="1477962"/>
+            <a:ext cx="8229600" cy="5105400"/>
+          </a:xfrm>
+          <a:prstGeom prst="rect">
+            <a:avLst/>
+          </a:prstGeom>
+        </p:spPr>
+        <p:txBody>
+          <a:bodyPr vert="horz" lIns="91440" tIns="45720" rIns="91440" bIns="45720" rtlCol="0">
+            <a:normAutofit/>
+          </a:bodyPr>
+          <a:lstStyle>
+            <a:lvl1pPr marL="342900" indent="-342900" algn="l" defTabSz="914400" rtl="0" eaLnBrk="1" latinLnBrk="0" hangingPunct="1">
+              <a:spcBef>
+                <a:spcPct val="20000"/>
+              </a:spcBef>
+              <a:buFont typeface="Arial" pitchFamily="34" charset="0"/>
+              <a:buChar char="•"/>
+              <a:defRPr sz="3200" kern="1200">
+                <a:solidFill>
+                  <a:schemeClr val="tx1"/>
+                </a:solidFill>
+                <a:latin typeface="+mn-lt"/>
+                <a:ea typeface="+mn-ea"/>
+                <a:cs typeface="+mn-cs"/>
+              </a:defRPr>
+            </a:lvl1pPr>
+            <a:lvl2pPr marL="742950" indent="-285750" algn="l" defTabSz="914400" rtl="0" eaLnBrk="1" latinLnBrk="0" hangingPunct="1">
+              <a:spcBef>
+                <a:spcPct val="20000"/>
+              </a:spcBef>
+              <a:buFont typeface="Arial" pitchFamily="34" charset="0"/>
+              <a:buChar char="–"/>
+              <a:defRPr sz="2800" kern="1200">
+                <a:solidFill>
+                  <a:schemeClr val="tx1"/>
+                </a:solidFill>
+                <a:latin typeface="+mn-lt"/>
+                <a:ea typeface="+mn-ea"/>
+                <a:cs typeface="+mn-cs"/>
+              </a:defRPr>
+            </a:lvl2pPr>
+            <a:lvl3pPr marL="1143000" indent="-228600" algn="l" defTabSz="914400" rtl="0" eaLnBrk="1" latinLnBrk="0" hangingPunct="1">
+              <a:spcBef>
+                <a:spcPct val="20000"/>
+              </a:spcBef>
+              <a:buFont typeface="Arial" pitchFamily="34" charset="0"/>
+              <a:buChar char="•"/>
+              <a:defRPr sz="2400" kern="1200">
+                <a:solidFill>
+                  <a:schemeClr val="tx1"/>
+                </a:solidFill>
+                <a:latin typeface="+mn-lt"/>
+                <a:ea typeface="+mn-ea"/>
+                <a:cs typeface="+mn-cs"/>
+              </a:defRPr>
+            </a:lvl3pPr>
+            <a:lvl4pPr marL="1600200" indent="-228600" algn="l" defTabSz="914400" rtl="0" eaLnBrk="1" latinLnBrk="0" hangingPunct="1">
+              <a:spcBef>
+                <a:spcPct val="20000"/>
+              </a:spcBef>
+              <a:buFont typeface="Arial" pitchFamily="34" charset="0"/>
+              <a:buChar char="–"/>
+              <a:defRPr sz="2000" kern="1200">
+                <a:solidFill>
+                  <a:schemeClr val="tx1"/>
+                </a:solidFill>
+                <a:latin typeface="+mn-lt"/>
+                <a:ea typeface="+mn-ea"/>
+                <a:cs typeface="+mn-cs"/>
+              </a:defRPr>
+            </a:lvl4pPr>
+            <a:lvl5pPr marL="2057400" indent="-228600" algn="l" defTabSz="914400" rtl="0" eaLnBrk="1" latinLnBrk="0" hangingPunct="1">
+              <a:spcBef>
+                <a:spcPct val="20000"/>
+              </a:spcBef>
+              <a:buFont typeface="Arial" pitchFamily="34" charset="0"/>
+              <a:buChar char="»"/>
+              <a:defRPr sz="2000" kern="1200">
+                <a:solidFill>
+                  <a:schemeClr val="tx1"/>
+                </a:solidFill>
+                <a:latin typeface="+mn-lt"/>
+                <a:ea typeface="+mn-ea"/>
+                <a:cs typeface="+mn-cs"/>
+              </a:defRPr>
+            </a:lvl5pPr>
+            <a:lvl6pPr marL="2514600" indent="-228600" algn="l" defTabSz="914400" rtl="0" eaLnBrk="1" latinLnBrk="0" hangingPunct="1">
+              <a:spcBef>
+                <a:spcPct val="20000"/>
+              </a:spcBef>
+              <a:buFont typeface="Arial" pitchFamily="34" charset="0"/>
+              <a:buChar char="•"/>
+              <a:defRPr sz="2000" kern="1200">
+                <a:solidFill>
+                  <a:schemeClr val="tx1"/>
+                </a:solidFill>
+                <a:latin typeface="+mn-lt"/>
+                <a:ea typeface="+mn-ea"/>
+                <a:cs typeface="+mn-cs"/>
+              </a:defRPr>
+            </a:lvl6pPr>
+            <a:lvl7pPr marL="2971800" indent="-228600" algn="l" defTabSz="914400" rtl="0" eaLnBrk="1" latinLnBrk="0" hangingPunct="1">
+              <a:spcBef>
+                <a:spcPct val="20000"/>
+              </a:spcBef>
+              <a:buFont typeface="Arial" pitchFamily="34" charset="0"/>
+              <a:buChar char="•"/>
+              <a:defRPr sz="2000" kern="1200">
+                <a:solidFill>
+                  <a:schemeClr val="tx1"/>
+                </a:solidFill>
+                <a:latin typeface="+mn-lt"/>
+                <a:ea typeface="+mn-ea"/>
+                <a:cs typeface="+mn-cs"/>
+              </a:defRPr>
+            </a:lvl7pPr>
+            <a:lvl8pPr marL="3429000" indent="-228600" algn="l" defTabSz="914400" rtl="0" eaLnBrk="1" latinLnBrk="0" hangingPunct="1">
+              <a:spcBef>
+                <a:spcPct val="20000"/>
+              </a:spcBef>
+              <a:buFont typeface="Arial" pitchFamily="34" charset="0"/>
+              <a:buChar char="•"/>
+              <a:defRPr sz="2000" kern="1200">
+                <a:solidFill>
+                  <a:schemeClr val="tx1"/>
+                </a:solidFill>
+                <a:latin typeface="+mn-lt"/>
+                <a:ea typeface="+mn-ea"/>
+                <a:cs typeface="+mn-cs"/>
+              </a:defRPr>
+            </a:lvl8pPr>
+            <a:lvl9pPr marL="3886200" indent="-228600" algn="l" defTabSz="914400" rtl="0" eaLnBrk="1" latinLnBrk="0" hangingPunct="1">
+              <a:spcBef>
+                <a:spcPct val="20000"/>
+              </a:spcBef>
+              <a:buFont typeface="Arial" pitchFamily="34" charset="0"/>
+              <a:buChar char="•"/>
+              <a:defRPr sz="2000" kern="1200">
+                <a:solidFill>
+                  <a:schemeClr val="tx1"/>
+                </a:solidFill>
+                <a:latin typeface="+mn-lt"/>
+                <a:ea typeface="+mn-ea"/>
+                <a:cs typeface="+mn-cs"/>
+              </a:defRPr>
+            </a:lvl9pPr>
+          </a:lstStyle>
+          <a:p>
+            <a:r>
+              <a:rPr lang="en-US" b="1" dirty="0" err="1"/>
+              <a:t>Box.h</a:t>
+            </a:r>
+            <a:r>
+              <a:rPr lang="en-US" dirty="0"/>
+              <a:t>: ide fog </a:t>
+            </a:r>
+            <a:r>
+              <a:rPr lang="en-US" dirty="0" err="1"/>
+              <a:t>kerülni</a:t>
+            </a:r>
+            <a:r>
+              <a:rPr lang="en-US" dirty="0"/>
+              <a:t> </a:t>
+            </a:r>
+            <a:r>
+              <a:rPr lang="en-US" dirty="0" err="1"/>
+              <a:t>az</a:t>
+            </a:r>
+            <a:r>
+              <a:rPr lang="en-US" dirty="0"/>
+              <a:t> </a:t>
+            </a:r>
+            <a:r>
+              <a:rPr lang="en-US" dirty="0" err="1"/>
+              <a:t>első</a:t>
+            </a:r>
+            <a:r>
+              <a:rPr lang="en-US" dirty="0"/>
+              <a:t> “</a:t>
+            </a:r>
+            <a:r>
+              <a:rPr lang="en-US" dirty="0" err="1"/>
+              <a:t>játék</a:t>
+            </a:r>
+            <a:r>
+              <a:rPr lang="en-US" dirty="0"/>
+              <a:t>” </a:t>
+            </a:r>
+            <a:r>
+              <a:rPr lang="en-US" dirty="0" err="1"/>
+              <a:t>objektum</a:t>
+            </a:r>
+            <a:r>
+              <a:rPr lang="en-US" dirty="0"/>
+              <a:t> </a:t>
+            </a:r>
+            <a:r>
+              <a:rPr lang="en-US" dirty="0" err="1"/>
+              <a:t>osztályunk</a:t>
+            </a:r>
+            <a:endParaRPr lang="en-US" dirty="0"/>
+          </a:p>
+          <a:p>
+            <a:r>
+              <a:rPr lang="en-US" b="1" dirty="0" err="1"/>
+              <a:t>ConstantBufferTypes.h</a:t>
+            </a:r>
+            <a:r>
+              <a:rPr lang="en-US" dirty="0"/>
+              <a:t>: </a:t>
+            </a:r>
+            <a:r>
+              <a:rPr lang="en-US" dirty="0" err="1"/>
+              <a:t>konstans</a:t>
+            </a:r>
+            <a:r>
+              <a:rPr lang="en-US" dirty="0"/>
+              <a:t> buffer </a:t>
+            </a:r>
+            <a:r>
+              <a:rPr lang="en-US" dirty="0" err="1"/>
+              <a:t>típusok</a:t>
+            </a:r>
+            <a:r>
+              <a:rPr lang="en-US" dirty="0"/>
+              <a:t> </a:t>
+            </a:r>
+            <a:r>
+              <a:rPr lang="en-US" dirty="0" err="1"/>
+              <a:t>deklarációja</a:t>
+            </a:r>
+            <a:endParaRPr lang="en-US" dirty="0"/>
+          </a:p>
+          <a:p>
+            <a:r>
+              <a:rPr lang="en-US" b="1" dirty="0"/>
+              <a:t>ggl001App.h</a:t>
+            </a:r>
+            <a:r>
+              <a:rPr lang="en-US" dirty="0"/>
+              <a:t>: </a:t>
+            </a:r>
+            <a:r>
+              <a:rPr lang="en-US" dirty="0" err="1"/>
+              <a:t>Ezen</a:t>
+            </a:r>
+            <a:r>
+              <a:rPr lang="en-US" dirty="0"/>
+              <a:t> a </a:t>
+            </a:r>
+            <a:r>
+              <a:rPr lang="en-US" dirty="0" err="1"/>
+              <a:t>laboron</a:t>
+            </a:r>
+            <a:r>
+              <a:rPr lang="en-US" dirty="0"/>
+              <a:t> </a:t>
+            </a:r>
+            <a:r>
+              <a:rPr lang="en-US" dirty="0" err="1"/>
+              <a:t>elkészített</a:t>
+            </a:r>
+            <a:r>
+              <a:rPr lang="en-US" dirty="0"/>
+              <a:t> App, </a:t>
+            </a:r>
+            <a:r>
+              <a:rPr lang="en-US" dirty="0" err="1"/>
+              <a:t>amely</a:t>
+            </a:r>
+            <a:r>
+              <a:rPr lang="en-US" dirty="0"/>
+              <a:t> </a:t>
+            </a:r>
+            <a:r>
+              <a:rPr lang="en-US" dirty="0" err="1"/>
+              <a:t>leszármazik</a:t>
+            </a:r>
+            <a:r>
+              <a:rPr lang="en-US" dirty="0"/>
+              <a:t> </a:t>
+            </a:r>
+            <a:r>
+              <a:rPr lang="en-US" dirty="0" err="1"/>
+              <a:t>az</a:t>
+            </a:r>
+            <a:r>
+              <a:rPr lang="en-US" dirty="0"/>
+              <a:t> Egg::</a:t>
+            </a:r>
+            <a:r>
+              <a:rPr lang="en-US" dirty="0" err="1"/>
+              <a:t>SimpleApp-ból</a:t>
+            </a:r>
+            <a:r>
+              <a:rPr lang="en-US" dirty="0"/>
+              <a:t> </a:t>
+            </a:r>
+          </a:p>
+          <a:p>
+            <a:r>
+              <a:rPr lang="en-US" b="1" dirty="0"/>
+              <a:t>main.cpp</a:t>
+            </a:r>
+            <a:r>
+              <a:rPr lang="en-US" dirty="0"/>
+              <a:t>: </a:t>
+            </a:r>
+            <a:r>
+              <a:rPr lang="en-US" dirty="0" err="1"/>
+              <a:t>közel</a:t>
+            </a:r>
+            <a:r>
+              <a:rPr lang="en-US" dirty="0"/>
+              <a:t> </a:t>
+            </a:r>
+            <a:r>
+              <a:rPr lang="en-US" dirty="0" err="1"/>
+              <a:t>ugyan</a:t>
+            </a:r>
+            <a:r>
+              <a:rPr lang="en-US" dirty="0"/>
+              <a:t> </a:t>
+            </a:r>
+            <a:r>
+              <a:rPr lang="en-US" dirty="0" err="1"/>
+              <a:t>az</a:t>
+            </a:r>
+            <a:r>
+              <a:rPr lang="en-US" dirty="0"/>
+              <a:t> a main, mint </a:t>
+            </a:r>
+            <a:r>
+              <a:rPr lang="en-US" dirty="0" err="1"/>
+              <a:t>amit</a:t>
+            </a:r>
+            <a:r>
+              <a:rPr lang="en-US" dirty="0"/>
+              <a:t> </a:t>
+            </a:r>
+            <a:r>
+              <a:rPr lang="en-US" dirty="0" err="1"/>
+              <a:t>az</a:t>
+            </a:r>
+            <a:r>
+              <a:rPr lang="en-US" dirty="0"/>
+              <a:t> </a:t>
+            </a:r>
+            <a:r>
+              <a:rPr lang="en-US" dirty="0" err="1"/>
+              <a:t>első</a:t>
+            </a:r>
+            <a:r>
+              <a:rPr lang="en-US" dirty="0"/>
+              <a:t> </a:t>
+            </a:r>
+            <a:r>
+              <a:rPr lang="en-US" dirty="0" err="1"/>
+              <a:t>laboron</a:t>
+            </a:r>
+            <a:r>
+              <a:rPr lang="en-US" dirty="0"/>
+              <a:t> </a:t>
+            </a:r>
+            <a:r>
+              <a:rPr lang="en-US" dirty="0" err="1"/>
+              <a:t>láttunk</a:t>
+            </a:r>
+            <a:endParaRPr lang="hu-HU" dirty="0"/>
+          </a:p>
+        </p:txBody>
+      </p:sp>
+    </p:spTree>
+    <p:extLst>
+      <p:ext uri="{BB962C8B-B14F-4D97-AF65-F5344CB8AC3E}">
+        <p14:creationId xmlns:p14="http://schemas.microsoft.com/office/powerpoint/2010/main" val="3351654269"/>
+      </p:ext>
+    </p:extLst>
+  </p:cSld>
+  <p:clrMapOvr>
+    <a:masterClrMapping/>
+  </p:clrMapOvr>
+</p:sld>
+</file>
+
+<file path=ppt/slides/slide11.xml><?xml version="1.0" encoding="utf-8"?>
+<p:sld xmlns:a="http://schemas.openxmlformats.org/drawingml/2006/main" xmlns:r="http://schemas.openxmlformats.org/officeDocument/2006/relationships" xmlns:p="http://schemas.openxmlformats.org/presentationml/2006/main">
+  <p:cSld>
+    <p:spTree>
+      <p:nvGrpSpPr>
+        <p:cNvPr id="1" name=""/>
+        <p:cNvGrpSpPr/>
+        <p:nvPr/>
+      </p:nvGrpSpPr>
+      <p:grpSpPr>
+        <a:xfrm>
+          <a:off x="0" y="0"/>
+          <a:ext cx="0" cy="0"/>
+          <a:chOff x="0" y="0"/>
+          <a:chExt cx="0" cy="0"/>
+        </a:xfrm>
+      </p:grpSpPr>
+      <p:sp>
+        <p:nvSpPr>
+          <p:cNvPr id="2" name="Title 1">
+            <a:extLst>
+              <a:ext uri="{FF2B5EF4-FFF2-40B4-BE49-F238E27FC236}">
+                <a16:creationId xmlns:a16="http://schemas.microsoft.com/office/drawing/2014/main" id="{BA1CFB0B-3752-4BC2-90F4-141AB8C9BE78}"/>
+              </a:ext>
+            </a:extLst>
+          </p:cNvPr>
+          <p:cNvSpPr>
+            <a:spLocks noGrp="1"/>
+          </p:cNvSpPr>
+          <p:nvPr>
+            <p:ph type="title"/>
+          </p:nvPr>
+        </p:nvSpPr>
+        <p:spPr/>
+        <p:txBody>
+          <a:bodyPr/>
+          <a:lstStyle/>
+          <a:p>
+            <a:r>
+              <a:rPr lang="en-US" dirty="0" err="1"/>
+              <a:t>Feladatok</a:t>
+            </a:r>
+            <a:endParaRPr lang="hu-HU" dirty="0"/>
+          </a:p>
+        </p:txBody>
+      </p:sp>
+      <p:sp>
+        <p:nvSpPr>
+          <p:cNvPr id="8" name="Content Placeholder 2">
+            <a:extLst>
+              <a:ext uri="{FF2B5EF4-FFF2-40B4-BE49-F238E27FC236}">
+                <a16:creationId xmlns:a16="http://schemas.microsoft.com/office/drawing/2014/main" id="{4CB61772-3705-40E6-95A2-F01AB94A3E5D}"/>
+              </a:ext>
+            </a:extLst>
+          </p:cNvPr>
+          <p:cNvSpPr txBox="1">
+            <a:spLocks/>
+          </p:cNvSpPr>
+          <p:nvPr/>
+        </p:nvSpPr>
+        <p:spPr>
+          <a:xfrm>
+            <a:off x="457200" y="1477962"/>
+            <a:ext cx="8229600" cy="5105400"/>
+          </a:xfrm>
+          <a:prstGeom prst="rect">
+            <a:avLst/>
+          </a:prstGeom>
+        </p:spPr>
+        <p:txBody>
+          <a:bodyPr vert="horz" lIns="91440" tIns="45720" rIns="91440" bIns="45720" rtlCol="0">
+            <a:normAutofit/>
+          </a:bodyPr>
+          <a:lstStyle>
+            <a:lvl1pPr marL="342900" indent="-342900" algn="l" defTabSz="914400" rtl="0" eaLnBrk="1" latinLnBrk="0" hangingPunct="1">
+              <a:spcBef>
+                <a:spcPct val="20000"/>
+              </a:spcBef>
+              <a:buFont typeface="Arial" pitchFamily="34" charset="0"/>
+              <a:buChar char="•"/>
+              <a:defRPr sz="3200" kern="1200">
+                <a:solidFill>
+                  <a:schemeClr val="tx1"/>
+                </a:solidFill>
+                <a:latin typeface="+mn-lt"/>
+                <a:ea typeface="+mn-ea"/>
+                <a:cs typeface="+mn-cs"/>
+              </a:defRPr>
+            </a:lvl1pPr>
+            <a:lvl2pPr marL="742950" indent="-285750" algn="l" defTabSz="914400" rtl="0" eaLnBrk="1" latinLnBrk="0" hangingPunct="1">
+              <a:spcBef>
+                <a:spcPct val="20000"/>
+              </a:spcBef>
+              <a:buFont typeface="Arial" pitchFamily="34" charset="0"/>
+              <a:buChar char="–"/>
+              <a:defRPr sz="2800" kern="1200">
+                <a:solidFill>
+                  <a:schemeClr val="tx1"/>
+                </a:solidFill>
+                <a:latin typeface="+mn-lt"/>
+                <a:ea typeface="+mn-ea"/>
+                <a:cs typeface="+mn-cs"/>
+              </a:defRPr>
+            </a:lvl2pPr>
+            <a:lvl3pPr marL="1143000" indent="-228600" algn="l" defTabSz="914400" rtl="0" eaLnBrk="1" latinLnBrk="0" hangingPunct="1">
+              <a:spcBef>
+                <a:spcPct val="20000"/>
+              </a:spcBef>
+              <a:buFont typeface="Arial" pitchFamily="34" charset="0"/>
+              <a:buChar char="•"/>
+              <a:defRPr sz="2400" kern="1200">
+                <a:solidFill>
+                  <a:schemeClr val="tx1"/>
+                </a:solidFill>
+                <a:latin typeface="+mn-lt"/>
+                <a:ea typeface="+mn-ea"/>
+                <a:cs typeface="+mn-cs"/>
+              </a:defRPr>
+            </a:lvl3pPr>
+            <a:lvl4pPr marL="1600200" indent="-228600" algn="l" defTabSz="914400" rtl="0" eaLnBrk="1" latinLnBrk="0" hangingPunct="1">
+              <a:spcBef>
+                <a:spcPct val="20000"/>
+              </a:spcBef>
+              <a:buFont typeface="Arial" pitchFamily="34" charset="0"/>
+              <a:buChar char="–"/>
+              <a:defRPr sz="2000" kern="1200">
+                <a:solidFill>
+                  <a:schemeClr val="tx1"/>
+                </a:solidFill>
+                <a:latin typeface="+mn-lt"/>
+                <a:ea typeface="+mn-ea"/>
+                <a:cs typeface="+mn-cs"/>
+              </a:defRPr>
+            </a:lvl4pPr>
+            <a:lvl5pPr marL="2057400" indent="-228600" algn="l" defTabSz="914400" rtl="0" eaLnBrk="1" latinLnBrk="0" hangingPunct="1">
+              <a:spcBef>
+                <a:spcPct val="20000"/>
+              </a:spcBef>
+              <a:buFont typeface="Arial" pitchFamily="34" charset="0"/>
+              <a:buChar char="»"/>
+              <a:defRPr sz="2000" kern="1200">
+                <a:solidFill>
+                  <a:schemeClr val="tx1"/>
+                </a:solidFill>
+                <a:latin typeface="+mn-lt"/>
+                <a:ea typeface="+mn-ea"/>
+                <a:cs typeface="+mn-cs"/>
+              </a:defRPr>
+            </a:lvl5pPr>
+            <a:lvl6pPr marL="2514600" indent="-228600" algn="l" defTabSz="914400" rtl="0" eaLnBrk="1" latinLnBrk="0" hangingPunct="1">
+              <a:spcBef>
+                <a:spcPct val="20000"/>
+              </a:spcBef>
+              <a:buFont typeface="Arial" pitchFamily="34" charset="0"/>
+              <a:buChar char="•"/>
+              <a:defRPr sz="2000" kern="1200">
+                <a:solidFill>
+                  <a:schemeClr val="tx1"/>
+                </a:solidFill>
+                <a:latin typeface="+mn-lt"/>
+                <a:ea typeface="+mn-ea"/>
+                <a:cs typeface="+mn-cs"/>
+              </a:defRPr>
+            </a:lvl6pPr>
+            <a:lvl7pPr marL="2971800" indent="-228600" algn="l" defTabSz="914400" rtl="0" eaLnBrk="1" latinLnBrk="0" hangingPunct="1">
+              <a:spcBef>
+                <a:spcPct val="20000"/>
+              </a:spcBef>
+              <a:buFont typeface="Arial" pitchFamily="34" charset="0"/>
+              <a:buChar char="•"/>
+              <a:defRPr sz="2000" kern="1200">
+                <a:solidFill>
+                  <a:schemeClr val="tx1"/>
+                </a:solidFill>
+                <a:latin typeface="+mn-lt"/>
+                <a:ea typeface="+mn-ea"/>
+                <a:cs typeface="+mn-cs"/>
+              </a:defRPr>
+            </a:lvl7pPr>
+            <a:lvl8pPr marL="3429000" indent="-228600" algn="l" defTabSz="914400" rtl="0" eaLnBrk="1" latinLnBrk="0" hangingPunct="1">
+              <a:spcBef>
+                <a:spcPct val="20000"/>
+              </a:spcBef>
+              <a:buFont typeface="Arial" pitchFamily="34" charset="0"/>
+              <a:buChar char="•"/>
+              <a:defRPr sz="2000" kern="1200">
+                <a:solidFill>
+                  <a:schemeClr val="tx1"/>
+                </a:solidFill>
+                <a:latin typeface="+mn-lt"/>
+                <a:ea typeface="+mn-ea"/>
+                <a:cs typeface="+mn-cs"/>
+              </a:defRPr>
+            </a:lvl8pPr>
+            <a:lvl9pPr marL="3886200" indent="-228600" algn="l" defTabSz="914400" rtl="0" eaLnBrk="1" latinLnBrk="0" hangingPunct="1">
+              <a:spcBef>
+                <a:spcPct val="20000"/>
+              </a:spcBef>
+              <a:buFont typeface="Arial" pitchFamily="34" charset="0"/>
+              <a:buChar char="•"/>
+              <a:defRPr sz="2000" kern="1200">
+                <a:solidFill>
+                  <a:schemeClr val="tx1"/>
+                </a:solidFill>
+                <a:latin typeface="+mn-lt"/>
+                <a:ea typeface="+mn-ea"/>
+                <a:cs typeface="+mn-cs"/>
+              </a:defRPr>
+            </a:lvl9pPr>
+          </a:lstStyle>
+          <a:p>
+            <a:r>
+              <a:rPr lang="en-US" dirty="0" err="1"/>
+              <a:t>Konstants</a:t>
+            </a:r>
+            <a:r>
+              <a:rPr lang="en-US" dirty="0"/>
+              <a:t> buffer </a:t>
+            </a:r>
+            <a:r>
+              <a:rPr lang="en-US" dirty="0" err="1"/>
+              <a:t>készítés</a:t>
+            </a:r>
+            <a:r>
+              <a:rPr lang="en-US" dirty="0"/>
+              <a:t>, </a:t>
+            </a:r>
+            <a:r>
+              <a:rPr lang="en-US" dirty="0" err="1"/>
+              <a:t>bekötés</a:t>
+            </a:r>
+            <a:r>
+              <a:rPr lang="en-US" dirty="0"/>
+              <a:t>, </a:t>
+            </a:r>
+            <a:r>
+              <a:rPr lang="en-US" dirty="0" err="1"/>
+              <a:t>ConstantBuffer</a:t>
+            </a:r>
+            <a:r>
+              <a:rPr lang="en-US" dirty="0"/>
+              <a:t>&lt;T&gt; </a:t>
+            </a:r>
+            <a:r>
+              <a:rPr lang="en-US" dirty="0" err="1"/>
+              <a:t>használata</a:t>
+            </a:r>
+            <a:endParaRPr lang="en-US" dirty="0"/>
+          </a:p>
+          <a:p>
+            <a:r>
+              <a:rPr lang="en-US" dirty="0"/>
+              <a:t>Box </a:t>
+            </a:r>
+            <a:r>
+              <a:rPr lang="en-US" dirty="0" err="1"/>
+              <a:t>osztály</a:t>
+            </a:r>
+            <a:r>
+              <a:rPr lang="en-US" dirty="0"/>
+              <a:t> </a:t>
+            </a:r>
+            <a:r>
+              <a:rPr lang="en-US" dirty="0" err="1"/>
+              <a:t>létrehozása</a:t>
+            </a:r>
+            <a:r>
+              <a:rPr lang="en-US" dirty="0"/>
+              <a:t>, </a:t>
+            </a:r>
+            <a:r>
+              <a:rPr lang="en-US" dirty="0" err="1"/>
+              <a:t>animálása</a:t>
+            </a:r>
+            <a:r>
+              <a:rPr lang="en-US" dirty="0"/>
+              <a:t> </a:t>
+            </a:r>
+            <a:r>
+              <a:rPr lang="en-US" dirty="0" err="1"/>
+              <a:t>az</a:t>
+            </a:r>
+            <a:r>
+              <a:rPr lang="en-US" dirty="0"/>
+              <a:t> Update-</a:t>
+            </a:r>
+            <a:r>
+              <a:rPr lang="en-US" dirty="0" err="1"/>
+              <a:t>en</a:t>
+            </a:r>
+            <a:r>
+              <a:rPr lang="en-US" dirty="0"/>
+              <a:t> </a:t>
+            </a:r>
+            <a:r>
+              <a:rPr lang="en-US" dirty="0" err="1"/>
+              <a:t>keresztül</a:t>
+            </a:r>
+            <a:endParaRPr lang="en-US" dirty="0"/>
+          </a:p>
+          <a:p>
+            <a:r>
+              <a:rPr lang="en-US" dirty="0"/>
+              <a:t>ggl001App </a:t>
+            </a:r>
+            <a:r>
+              <a:rPr lang="en-US" dirty="0" err="1"/>
+              <a:t>megírása</a:t>
+            </a:r>
+            <a:r>
+              <a:rPr lang="en-US" dirty="0"/>
+              <a:t>, N </a:t>
+            </a:r>
+            <a:r>
+              <a:rPr lang="en-US" dirty="0" err="1"/>
+              <a:t>darab</a:t>
+            </a:r>
+            <a:r>
+              <a:rPr lang="en-US" dirty="0"/>
+              <a:t> </a:t>
+            </a:r>
+            <a:r>
+              <a:rPr lang="en-US" dirty="0" err="1"/>
+              <a:t>doboz</a:t>
+            </a:r>
+            <a:r>
+              <a:rPr lang="en-US" dirty="0"/>
+              <a:t> </a:t>
+            </a:r>
+            <a:r>
+              <a:rPr lang="en-US" dirty="0" err="1"/>
+              <a:t>létrehozása</a:t>
+            </a:r>
+            <a:r>
+              <a:rPr lang="en-US" dirty="0"/>
+              <a:t> </a:t>
+            </a:r>
+            <a:r>
+              <a:rPr lang="en-US" dirty="0" err="1"/>
+              <a:t>frissítése</a:t>
+            </a:r>
+            <a:r>
+              <a:rPr lang="en-US" dirty="0"/>
+              <a:t> </a:t>
+            </a:r>
+            <a:r>
+              <a:rPr lang="en-US" dirty="0" err="1"/>
+              <a:t>rajzolása</a:t>
+            </a:r>
+            <a:endParaRPr lang="en-US" dirty="0"/>
+          </a:p>
+          <a:p>
+            <a:r>
+              <a:rPr lang="en-US" dirty="0" err="1"/>
+              <a:t>Kézzel</a:t>
+            </a:r>
+            <a:r>
+              <a:rPr lang="en-US" dirty="0"/>
+              <a:t> </a:t>
+            </a:r>
+            <a:r>
+              <a:rPr lang="en-US" dirty="0" err="1"/>
+              <a:t>konstans</a:t>
+            </a:r>
+            <a:r>
+              <a:rPr lang="en-US" dirty="0"/>
+              <a:t> buffer </a:t>
+            </a:r>
+            <a:r>
+              <a:rPr lang="en-US" dirty="0" err="1"/>
+              <a:t>esetleg</a:t>
+            </a:r>
+            <a:r>
+              <a:rPr lang="en-US" dirty="0"/>
+              <a:t> </a:t>
+            </a:r>
+            <a:r>
+              <a:rPr lang="en-US" dirty="0" err="1"/>
+              <a:t>megértés</a:t>
+            </a:r>
+            <a:r>
+              <a:rPr lang="en-US" dirty="0"/>
+              <a:t> </a:t>
+            </a:r>
+            <a:r>
+              <a:rPr lang="en-US" dirty="0" err="1"/>
+              <a:t>szempontból</a:t>
+            </a:r>
+            <a:r>
+              <a:rPr lang="en-US"/>
+              <a:t>?</a:t>
+            </a:r>
+          </a:p>
+          <a:p>
+            <a:pPr marL="0" indent="0">
+              <a:buNone/>
+            </a:pPr>
+            <a:endParaRPr lang="hu-HU" dirty="0"/>
+          </a:p>
+        </p:txBody>
+      </p:sp>
+    </p:spTree>
+    <p:extLst>
+      <p:ext uri="{BB962C8B-B14F-4D97-AF65-F5344CB8AC3E}">
+        <p14:creationId xmlns:p14="http://schemas.microsoft.com/office/powerpoint/2010/main" val="665704794"/>
+      </p:ext>
+    </p:extLst>
+  </p:cSld>
+  <p:clrMapOvr>
+    <a:masterClrMapping/>
+  </p:clrMapOvr>
+</p:sld>
+</file>
+
 <file path=ppt/slides/slide2.xml><?xml version="1.0" encoding="utf-8"?>
 <p:sld xmlns:a="http://schemas.openxmlformats.org/drawingml/2006/main" xmlns:r="http://schemas.openxmlformats.org/officeDocument/2006/relationships" xmlns:p="http://schemas.openxmlformats.org/presentationml/2006/main">
   <p:cSld>
@@ -5423,16 +8024,16 @@
           <a:lstStyle/>
           <a:p>
             <a:r>
-              <a:rPr lang="en-US" dirty="0"/>
-              <a:t>Mi van </a:t>
-            </a:r>
-            <a:r>
-              <a:rPr lang="en-US" dirty="0" err="1"/>
-              <a:t>az</a:t>
-            </a:r>
-            <a:r>
-              <a:rPr lang="en-US" dirty="0"/>
-              <a:t> Egg-ben?</a:t>
+              <a:rPr lang="en-US" dirty="0" err="1"/>
+              <a:t>Újítások</a:t>
+            </a:r>
+            <a:r>
+              <a:rPr lang="en-US" dirty="0"/>
+              <a:t>, Egg </a:t>
+            </a:r>
+            <a:r>
+              <a:rPr lang="en-US" dirty="0" err="1"/>
+              <a:t>projekt</a:t>
             </a:r>
             <a:endParaRPr lang="hu-HU" dirty="0"/>
           </a:p>
@@ -5603,37 +8204,79 @@
             </a:lvl9pPr>
           </a:lstStyle>
           <a:p>
-            <a:r>
-              <a:rPr lang="en-US" dirty="0"/>
-              <a:t>A </a:t>
-            </a:r>
-            <a:r>
-              <a:rPr lang="en-US" dirty="0" err="1"/>
-              <a:t>félév</a:t>
-            </a:r>
-            <a:r>
-              <a:rPr lang="en-US" dirty="0"/>
-              <a:t> </a:t>
-            </a:r>
-            <a:r>
-              <a:rPr lang="en-US" dirty="0" err="1"/>
-              <a:t>során</a:t>
-            </a:r>
-            <a:r>
-              <a:rPr lang="en-US" dirty="0"/>
-              <a:t> ide </a:t>
-            </a:r>
-            <a:r>
-              <a:rPr lang="en-US" dirty="0" err="1"/>
-              <a:t>az</a:t>
-            </a:r>
-            <a:r>
-              <a:rPr lang="en-US" dirty="0"/>
-              <a:t> Egg </a:t>
-            </a:r>
-            <a:r>
-              <a:rPr lang="en-US" dirty="0" err="1"/>
-              <a:t>projektbe</a:t>
+            <a:pPr marL="0" indent="0">
+              <a:buNone/>
+            </a:pPr>
+            <a:endParaRPr lang="en-US" dirty="0"/>
+          </a:p>
+          <a:p>
+            <a:r>
+              <a:rPr lang="en-US" b="1" dirty="0"/>
+              <a:t>FONTOS!</a:t>
+            </a:r>
+            <a:r>
+              <a:rPr lang="en-US" dirty="0"/>
+              <a:t> </a:t>
+            </a:r>
+            <a:r>
+              <a:rPr lang="en-US" dirty="0" err="1"/>
+              <a:t>Innentől</a:t>
+            </a:r>
+            <a:r>
+              <a:rPr lang="en-US" dirty="0"/>
+              <a:t> </a:t>
+            </a:r>
+            <a:r>
+              <a:rPr lang="en-US" dirty="0" err="1"/>
+              <a:t>külön</a:t>
+            </a:r>
+            <a:r>
+              <a:rPr lang="en-US" dirty="0"/>
+              <a:t> </a:t>
+            </a:r>
+            <a:r>
+              <a:rPr lang="en-US" dirty="0" err="1"/>
+              <a:t>fájlokba</a:t>
+            </a:r>
+            <a:r>
+              <a:rPr lang="en-US" dirty="0"/>
+              <a:t> </a:t>
+            </a:r>
+            <a:r>
+              <a:rPr lang="en-US" dirty="0" err="1"/>
+              <a:t>fognak</a:t>
+            </a:r>
+            <a:r>
+              <a:rPr lang="en-US" dirty="0"/>
+              <a:t> </a:t>
+            </a:r>
+            <a:r>
+              <a:rPr lang="en-US" dirty="0" err="1"/>
+              <a:t>kerülni</a:t>
+            </a:r>
+            <a:r>
+              <a:rPr lang="en-US" dirty="0"/>
+              <a:t> a shader </a:t>
+            </a:r>
+            <a:r>
+              <a:rPr lang="en-US" dirty="0" err="1"/>
+              <a:t>fájlok</a:t>
+            </a:r>
+            <a:r>
+              <a:rPr lang="en-US" dirty="0"/>
+              <a:t>. A </a:t>
+            </a:r>
+            <a:r>
+              <a:rPr lang="en-US" dirty="0" err="1"/>
+              <a:t>fordítást</a:t>
+            </a:r>
+            <a:r>
+              <a:rPr lang="en-US" dirty="0"/>
+              <a:t> a Visual </a:t>
+            </a:r>
+            <a:r>
+              <a:rPr lang="en-US" dirty="0" err="1"/>
+              <a:t>Studiora</a:t>
             </a:r>
             <a:r>
               <a:rPr lang="en-US" dirty="0"/>
@@ -5649,55 +8292,39 @@
             </a:r>
             <a:r>
               <a:rPr lang="en-US" dirty="0" err="1"/>
-              <a:t>tenni</a:t>
-            </a:r>
-            <a:r>
-              <a:rPr lang="en-US" dirty="0"/>
-              <a:t> </a:t>
-            </a:r>
-            <a:r>
-              <a:rPr lang="en-US" dirty="0" err="1"/>
-              <a:t>az</a:t>
-            </a:r>
-            <a:r>
-              <a:rPr lang="en-US" dirty="0"/>
-              <a:t> extra </a:t>
-            </a:r>
-            <a:r>
-              <a:rPr lang="en-US" dirty="0" err="1"/>
-              <a:t>funkciókat</a:t>
-            </a:r>
-            <a:r>
-              <a:rPr lang="en-US" dirty="0"/>
-              <a:t> </a:t>
-            </a:r>
-            <a:r>
-              <a:rPr lang="en-US" dirty="0" err="1"/>
-              <a:t>amelyekre</a:t>
-            </a:r>
-            <a:r>
-              <a:rPr lang="en-US" dirty="0"/>
-              <a:t> </a:t>
-            </a:r>
-            <a:r>
-              <a:rPr lang="en-US" dirty="0" err="1"/>
-              <a:t>nem</a:t>
-            </a:r>
-            <a:r>
-              <a:rPr lang="en-US" dirty="0"/>
-              <a:t> junta </a:t>
-            </a:r>
-            <a:r>
-              <a:rPr lang="en-US" dirty="0" err="1"/>
-              <a:t>idő</a:t>
-            </a:r>
-            <a:r>
-              <a:rPr lang="en-US" dirty="0"/>
-              <a:t> </a:t>
-            </a:r>
-            <a:r>
-              <a:rPr lang="en-US" dirty="0" err="1"/>
-              <a:t>normálisan</a:t>
+              <a:t>bízni</a:t>
+            </a:r>
+            <a:r>
+              <a:rPr lang="en-US" dirty="0"/>
+              <a:t>, </a:t>
+            </a:r>
+            <a:r>
+              <a:rPr lang="en-US" dirty="0" err="1"/>
+              <a:t>amely</a:t>
+            </a:r>
+            <a:r>
+              <a:rPr lang="en-US" dirty="0"/>
+              <a:t> .</a:t>
+            </a:r>
+            <a:r>
+              <a:rPr lang="en-US" dirty="0" err="1"/>
+              <a:t>cso</a:t>
+            </a:r>
+            <a:r>
+              <a:rPr lang="en-US" dirty="0"/>
+              <a:t> </a:t>
+            </a:r>
+            <a:r>
+              <a:rPr lang="en-US" dirty="0" err="1"/>
+              <a:t>fájlokat</a:t>
+            </a:r>
+            <a:r>
+              <a:rPr lang="en-US" dirty="0"/>
+              <a:t> fog </a:t>
+            </a:r>
+            <a:r>
+              <a:rPr lang="en-US" dirty="0" err="1"/>
+              <a:t>generálni</a:t>
             </a:r>
             <a:r>
               <a:rPr lang="en-US" dirty="0"/>
@@ -5706,56 +8333,28 @@
           </a:p>
           <a:p>
             <a:r>
-              <a:rPr lang="en-US" dirty="0"/>
-              <a:t>A </a:t>
-            </a:r>
-            <a:r>
-              <a:rPr lang="en-US" dirty="0" err="1"/>
-              <a:t>legfontosabb</a:t>
-            </a:r>
-            <a:r>
-              <a:rPr lang="en-US" dirty="0"/>
-              <a:t> </a:t>
-            </a:r>
-            <a:r>
-              <a:rPr lang="en-US" dirty="0" err="1"/>
-              <a:t>változtatás</a:t>
-            </a:r>
-            <a:r>
-              <a:rPr lang="en-US" dirty="0"/>
-              <a:t>, </a:t>
-            </a:r>
-            <a:r>
-              <a:rPr lang="en-US" dirty="0" err="1"/>
-              <a:t>hogy</a:t>
-            </a:r>
-            <a:r>
-              <a:rPr lang="en-US" dirty="0"/>
-              <a:t> </a:t>
-            </a:r>
-            <a:r>
-              <a:rPr lang="en-US" dirty="0" err="1"/>
-              <a:t>innentől</a:t>
-            </a:r>
-            <a:r>
-              <a:rPr lang="en-US" dirty="0"/>
-              <a:t> </a:t>
-            </a:r>
-            <a:r>
-              <a:rPr lang="en-US" dirty="0" err="1"/>
-              <a:t>külön</a:t>
-            </a:r>
-            <a:r>
-              <a:rPr lang="en-US" dirty="0"/>
-              <a:t> </a:t>
-            </a:r>
-            <a:r>
-              <a:rPr lang="en-US" dirty="0" err="1"/>
-              <a:t>fájlokba</a:t>
-            </a:r>
-            <a:r>
-              <a:rPr lang="en-US" dirty="0"/>
-              <a:t> </a:t>
+              <a:rPr lang="en-US" dirty="0" err="1"/>
+              <a:t>Ezen</a:t>
+            </a:r>
+            <a:r>
+              <a:rPr lang="en-US" dirty="0"/>
+              <a:t> .</a:t>
+            </a:r>
+            <a:r>
+              <a:rPr lang="en-US" dirty="0" err="1"/>
+              <a:t>cso</a:t>
+            </a:r>
+            <a:r>
+              <a:rPr lang="en-US" dirty="0"/>
+              <a:t> </a:t>
+            </a:r>
+            <a:r>
+              <a:rPr lang="en-US" dirty="0" err="1"/>
+              <a:t>fájlok</a:t>
+            </a:r>
+            <a:r>
+              <a:rPr lang="en-US" dirty="0"/>
+              <a:t> a Bin/Shader-s be </a:t>
             </a:r>
             <a:r>
               <a:rPr lang="en-US" dirty="0" err="1"/>
@@ -5768,82 +8367,6 @@
             <a:r>
               <a:rPr lang="en-US" dirty="0" err="1"/>
               <a:t>kerülni</a:t>
-            </a:r>
-            <a:r>
-              <a:rPr lang="en-US" dirty="0"/>
-              <a:t> a shader </a:t>
-            </a:r>
-            <a:r>
-              <a:rPr lang="en-US" dirty="0" err="1"/>
-              <a:t>fájlok</a:t>
-            </a:r>
-            <a:r>
-              <a:rPr lang="en-US" dirty="0"/>
-              <a:t>. A </a:t>
-            </a:r>
-            <a:r>
-              <a:rPr lang="en-US" dirty="0" err="1"/>
-              <a:t>fordítást</a:t>
-            </a:r>
-            <a:r>
-              <a:rPr lang="en-US" dirty="0"/>
-              <a:t> a Visual </a:t>
-            </a:r>
-            <a:r>
-              <a:rPr lang="en-US" dirty="0" err="1"/>
-              <a:t>Studiora</a:t>
-            </a:r>
-            <a:r>
-              <a:rPr lang="en-US" dirty="0"/>
-              <a:t> </a:t>
-            </a:r>
-            <a:r>
-              <a:rPr lang="en-US" dirty="0" err="1"/>
-              <a:t>fogjuk</a:t>
-            </a:r>
-            <a:r>
-              <a:rPr lang="en-US" dirty="0"/>
-              <a:t> </a:t>
-            </a:r>
-            <a:r>
-              <a:rPr lang="en-US" dirty="0" err="1"/>
-              <a:t>bízni</a:t>
-            </a:r>
-            <a:r>
-              <a:rPr lang="en-US" dirty="0"/>
-              <a:t>, </a:t>
-            </a:r>
-            <a:r>
-              <a:rPr lang="en-US" dirty="0" err="1"/>
-              <a:t>amely</a:t>
-            </a:r>
-            <a:r>
-              <a:rPr lang="en-US" dirty="0"/>
-              <a:t> .</a:t>
-            </a:r>
-            <a:r>
-              <a:rPr lang="en-US" dirty="0" err="1"/>
-              <a:t>cso</a:t>
-            </a:r>
-            <a:r>
-              <a:rPr lang="en-US" dirty="0"/>
-              <a:t> </a:t>
-            </a:r>
-            <a:r>
-              <a:rPr lang="en-US" dirty="0" err="1"/>
-              <a:t>fájlokat</a:t>
-            </a:r>
-            <a:r>
-              <a:rPr lang="en-US" dirty="0"/>
-              <a:t> fog </a:t>
-            </a:r>
-            <a:r>
-              <a:rPr lang="en-US" dirty="0" err="1"/>
-              <a:t>generálni</a:t>
-            </a:r>
-            <a:r>
-              <a:rPr lang="en-US" dirty="0"/>
-              <a:t>.</a:t>
             </a:r>
             <a:endParaRPr lang="hu-HU" dirty="0"/>
           </a:p>
@@ -5901,16 +8424,20 @@
           <a:lstStyle/>
           <a:p>
             <a:r>
-              <a:rPr lang="en-US" dirty="0"/>
-              <a:t>Mi van </a:t>
-            </a:r>
-            <a:r>
-              <a:rPr lang="en-US" dirty="0" err="1"/>
-              <a:t>az</a:t>
-            </a:r>
-            <a:r>
-              <a:rPr lang="en-US" dirty="0"/>
-              <a:t> Egg-ben? - 2</a:t>
+              <a:rPr lang="en-US" dirty="0" err="1"/>
+              <a:t>Újítások</a:t>
+            </a:r>
+            <a:r>
+              <a:rPr lang="en-US" dirty="0"/>
+              <a:t>, Egg </a:t>
+            </a:r>
+            <a:r>
+              <a:rPr lang="en-US" dirty="0" err="1"/>
+              <a:t>projekt</a:t>
+            </a:r>
+            <a:r>
+              <a:rPr lang="en-US" dirty="0"/>
+              <a:t> - 2</a:t>
             </a:r>
             <a:endParaRPr lang="hu-HU" dirty="0"/>
           </a:p>
@@ -6221,6 +8748,30 @@
             </a:r>
             <a:r>
               <a:rPr lang="en-US" dirty="0" err="1"/>
+              <a:t>és</a:t>
+            </a:r>
+            <a:r>
+              <a:rPr lang="en-US" dirty="0"/>
+              <a:t> </a:t>
+            </a:r>
+            <a:r>
+              <a:rPr lang="en-US" dirty="0" err="1"/>
+              <a:t>egyéb</a:t>
+            </a:r>
+            <a:r>
+              <a:rPr lang="en-US" dirty="0"/>
+              <a:t> </a:t>
+            </a:r>
+            <a:r>
+              <a:rPr lang="en-US" dirty="0" err="1"/>
+              <a:t>használatra</a:t>
+            </a:r>
+            <a:r>
+              <a:rPr lang="en-US" dirty="0"/>
+              <a:t> </a:t>
+            </a:r>
+            <a:r>
+              <a:rPr lang="en-US" dirty="0" err="1"/>
               <a:t>egy</a:t>
             </a:r>
             <a:r>
@@ -6317,6 +8868,337 @@
     <p:extLst>
       <p:ext uri="{BB962C8B-B14F-4D97-AF65-F5344CB8AC3E}">
         <p14:creationId xmlns:p14="http://schemas.microsoft.com/office/powerpoint/2010/main" val="1121259374"/>
+      </p:ext>
+    </p:extLst>
+  </p:cSld>
+  <p:clrMapOvr>
+    <a:masterClrMapping/>
+  </p:clrMapOvr>
+</p:sld>
+</file>
+
+<file path=ppt/slides/slide9.xml><?xml version="1.0" encoding="utf-8"?>
+<p:sld xmlns:a="http://schemas.openxmlformats.org/drawingml/2006/main" xmlns:r="http://schemas.openxmlformats.org/officeDocument/2006/relationships" xmlns:p="http://schemas.openxmlformats.org/presentationml/2006/main">
+  <p:cSld>
+    <p:spTree>
+      <p:nvGrpSpPr>
+        <p:cNvPr id="1" name=""/>
+        <p:cNvGrpSpPr/>
+        <p:nvPr/>
+      </p:nvGrpSpPr>
+      <p:grpSpPr>
+        <a:xfrm>
+          <a:off x="0" y="0"/>
+          <a:ext cx="0" cy="0"/>
+          <a:chOff x="0" y="0"/>
+          <a:chExt cx="0" cy="0"/>
+        </a:xfrm>
+      </p:grpSpPr>
+      <p:sp>
+        <p:nvSpPr>
+          <p:cNvPr id="2" name="Title 1">
+            <a:extLst>
+              <a:ext uri="{FF2B5EF4-FFF2-40B4-BE49-F238E27FC236}">
+                <a16:creationId xmlns:a16="http://schemas.microsoft.com/office/drawing/2014/main" id="{BA1CFB0B-3752-4BC2-90F4-141AB8C9BE78}"/>
+              </a:ext>
+            </a:extLst>
+          </p:cNvPr>
+          <p:cNvSpPr>
+            <a:spLocks noGrp="1"/>
+          </p:cNvSpPr>
+          <p:nvPr>
+            <p:ph type="title"/>
+          </p:nvPr>
+        </p:nvSpPr>
+        <p:spPr/>
+        <p:txBody>
+          <a:bodyPr/>
+          <a:lstStyle/>
+          <a:p>
+            <a:r>
+              <a:rPr lang="en-US" dirty="0" err="1"/>
+              <a:t>Újítások</a:t>
+            </a:r>
+            <a:r>
+              <a:rPr lang="en-US" dirty="0"/>
+              <a:t>, Egg </a:t>
+            </a:r>
+            <a:r>
+              <a:rPr lang="en-US" dirty="0" err="1"/>
+              <a:t>projekt</a:t>
+            </a:r>
+            <a:r>
+              <a:rPr lang="en-US" dirty="0"/>
+              <a:t> - 3 (Note!)</a:t>
+            </a:r>
+            <a:endParaRPr lang="hu-HU" dirty="0"/>
+          </a:p>
+        </p:txBody>
+      </p:sp>
+      <p:sp>
+        <p:nvSpPr>
+          <p:cNvPr id="8" name="Content Placeholder 2">
+            <a:extLst>
+              <a:ext uri="{FF2B5EF4-FFF2-40B4-BE49-F238E27FC236}">
+                <a16:creationId xmlns:a16="http://schemas.microsoft.com/office/drawing/2014/main" id="{4CB61772-3705-40E6-95A2-F01AB94A3E5D}"/>
+              </a:ext>
+            </a:extLst>
+          </p:cNvPr>
+          <p:cNvSpPr txBox="1">
+            <a:spLocks/>
+          </p:cNvSpPr>
+          <p:nvPr/>
+        </p:nvSpPr>
+        <p:spPr>
+          <a:xfrm>
+            <a:off x="471256" y="1477962"/>
+            <a:ext cx="8229600" cy="5105400"/>
+          </a:xfrm>
+          <a:prstGeom prst="rect">
+            <a:avLst/>
+          </a:prstGeom>
+        </p:spPr>
+        <p:txBody>
+          <a:bodyPr vert="horz" lIns="91440" tIns="45720" rIns="91440" bIns="45720" rtlCol="0">
+            <a:normAutofit/>
+          </a:bodyPr>
+          <a:lstStyle>
+            <a:lvl1pPr marL="342900" indent="-342900" algn="l" defTabSz="914400" rtl="0" eaLnBrk="1" latinLnBrk="0" hangingPunct="1">
+              <a:spcBef>
+                <a:spcPct val="20000"/>
+              </a:spcBef>
+              <a:buFont typeface="Arial" pitchFamily="34" charset="0"/>
+              <a:buChar char="•"/>
+              <a:defRPr sz="3200" kern="1200">
+                <a:solidFill>
+                  <a:schemeClr val="tx1"/>
+                </a:solidFill>
+                <a:latin typeface="+mn-lt"/>
+                <a:ea typeface="+mn-ea"/>
+                <a:cs typeface="+mn-cs"/>
+              </a:defRPr>
+            </a:lvl1pPr>
+            <a:lvl2pPr marL="742950" indent="-285750" algn="l" defTabSz="914400" rtl="0" eaLnBrk="1" latinLnBrk="0" hangingPunct="1">
+              <a:spcBef>
+                <a:spcPct val="20000"/>
+              </a:spcBef>
+              <a:buFont typeface="Arial" pitchFamily="34" charset="0"/>
+              <a:buChar char="–"/>
+              <a:defRPr sz="2800" kern="1200">
+                <a:solidFill>
+                  <a:schemeClr val="tx1"/>
+                </a:solidFill>
+                <a:latin typeface="+mn-lt"/>
+                <a:ea typeface="+mn-ea"/>
+                <a:cs typeface="+mn-cs"/>
+              </a:defRPr>
+            </a:lvl2pPr>
+            <a:lvl3pPr marL="1143000" indent="-228600" algn="l" defTabSz="914400" rtl="0" eaLnBrk="1" latinLnBrk="0" hangingPunct="1">
+              <a:spcBef>
+                <a:spcPct val="20000"/>
+              </a:spcBef>
+              <a:buFont typeface="Arial" pitchFamily="34" charset="0"/>
+              <a:buChar char="•"/>
+              <a:defRPr sz="2400" kern="1200">
+                <a:solidFill>
+                  <a:schemeClr val="tx1"/>
+                </a:solidFill>
+                <a:latin typeface="+mn-lt"/>
+                <a:ea typeface="+mn-ea"/>
+                <a:cs typeface="+mn-cs"/>
+              </a:defRPr>
+            </a:lvl3pPr>
+            <a:lvl4pPr marL="1600200" indent="-228600" algn="l" defTabSz="914400" rtl="0" eaLnBrk="1" latinLnBrk="0" hangingPunct="1">
+              <a:spcBef>
+                <a:spcPct val="20000"/>
+              </a:spcBef>
+              <a:buFont typeface="Arial" pitchFamily="34" charset="0"/>
+              <a:buChar char="–"/>
+              <a:defRPr sz="2000" kern="1200">
+                <a:solidFill>
+                  <a:schemeClr val="tx1"/>
+                </a:solidFill>
+                <a:latin typeface="+mn-lt"/>
+                <a:ea typeface="+mn-ea"/>
+                <a:cs typeface="+mn-cs"/>
+              </a:defRPr>
+            </a:lvl4pPr>
+            <a:lvl5pPr marL="2057400" indent="-228600" algn="l" defTabSz="914400" rtl="0" eaLnBrk="1" latinLnBrk="0" hangingPunct="1">
+              <a:spcBef>
+                <a:spcPct val="20000"/>
+              </a:spcBef>
+              <a:buFont typeface="Arial" pitchFamily="34" charset="0"/>
+              <a:buChar char="»"/>
+              <a:defRPr sz="2000" kern="1200">
+                <a:solidFill>
+                  <a:schemeClr val="tx1"/>
+                </a:solidFill>
+                <a:latin typeface="+mn-lt"/>
+                <a:ea typeface="+mn-ea"/>
+                <a:cs typeface="+mn-cs"/>
+              </a:defRPr>
+            </a:lvl5pPr>
+            <a:lvl6pPr marL="2514600" indent="-228600" algn="l" defTabSz="914400" rtl="0" eaLnBrk="1" latinLnBrk="0" hangingPunct="1">
+              <a:spcBef>
+                <a:spcPct val="20000"/>
+              </a:spcBef>
+              <a:buFont typeface="Arial" pitchFamily="34" charset="0"/>
+              <a:buChar char="•"/>
+              <a:defRPr sz="2000" kern="1200">
+                <a:solidFill>
+                  <a:schemeClr val="tx1"/>
+                </a:solidFill>
+                <a:latin typeface="+mn-lt"/>
+                <a:ea typeface="+mn-ea"/>
+                <a:cs typeface="+mn-cs"/>
+              </a:defRPr>
+            </a:lvl6pPr>
+            <a:lvl7pPr marL="2971800" indent="-228600" algn="l" defTabSz="914400" rtl="0" eaLnBrk="1" latinLnBrk="0" hangingPunct="1">
+              <a:spcBef>
+                <a:spcPct val="20000"/>
+              </a:spcBef>
+              <a:buFont typeface="Arial" pitchFamily="34" charset="0"/>
+              <a:buChar char="•"/>
+              <a:defRPr sz="2000" kern="1200">
+                <a:solidFill>
+                  <a:schemeClr val="tx1"/>
+                </a:solidFill>
+                <a:latin typeface="+mn-lt"/>
+                <a:ea typeface="+mn-ea"/>
+                <a:cs typeface="+mn-cs"/>
+              </a:defRPr>
+            </a:lvl7pPr>
+            <a:lvl8pPr marL="3429000" indent="-228600" algn="l" defTabSz="914400" rtl="0" eaLnBrk="1" latinLnBrk="0" hangingPunct="1">
+              <a:spcBef>
+                <a:spcPct val="20000"/>
+              </a:spcBef>
+              <a:buFont typeface="Arial" pitchFamily="34" charset="0"/>
+              <a:buChar char="•"/>
+              <a:defRPr sz="2000" kern="1200">
+                <a:solidFill>
+                  <a:schemeClr val="tx1"/>
+                </a:solidFill>
+                <a:latin typeface="+mn-lt"/>
+                <a:ea typeface="+mn-ea"/>
+                <a:cs typeface="+mn-cs"/>
+              </a:defRPr>
+            </a:lvl8pPr>
+            <a:lvl9pPr marL="3886200" indent="-228600" algn="l" defTabSz="914400" rtl="0" eaLnBrk="1" latinLnBrk="0" hangingPunct="1">
+              <a:spcBef>
+                <a:spcPct val="20000"/>
+              </a:spcBef>
+              <a:buFont typeface="Arial" pitchFamily="34" charset="0"/>
+              <a:buChar char="•"/>
+              <a:defRPr sz="2000" kern="1200">
+                <a:solidFill>
+                  <a:schemeClr val="tx1"/>
+                </a:solidFill>
+                <a:latin typeface="+mn-lt"/>
+                <a:ea typeface="+mn-ea"/>
+                <a:cs typeface="+mn-cs"/>
+              </a:defRPr>
+            </a:lvl9pPr>
+          </a:lstStyle>
+          <a:p>
+            <a:r>
+              <a:rPr lang="en-US" b="1" dirty="0"/>
+              <a:t>GG_CLASS(T), GG_SUBCLASS(T, BASE)</a:t>
+            </a:r>
+            <a:r>
+              <a:rPr lang="en-US" dirty="0"/>
+              <a:t>: shared </a:t>
+            </a:r>
+            <a:r>
+              <a:rPr lang="en-US" dirty="0" err="1"/>
+              <a:t>pointerezéshez</a:t>
+            </a:r>
+            <a:r>
+              <a:rPr lang="en-US" dirty="0"/>
+              <a:t> </a:t>
+            </a:r>
+            <a:r>
+              <a:rPr lang="en-US" dirty="0" err="1"/>
+              <a:t>szükséges</a:t>
+            </a:r>
+            <a:r>
+              <a:rPr lang="en-US" dirty="0"/>
+              <a:t> </a:t>
+            </a:r>
+            <a:r>
+              <a:rPr lang="en-US" dirty="0" err="1"/>
+              <a:t>makrók</a:t>
+            </a:r>
+            <a:endParaRPr lang="en-US" dirty="0"/>
+          </a:p>
+          <a:p>
+            <a:r>
+              <a:rPr lang="en-US" b="1" dirty="0"/>
+              <a:t>DX_API(msg, …)</a:t>
+            </a:r>
+            <a:r>
+              <a:rPr lang="en-US" dirty="0"/>
+              <a:t>: </a:t>
+            </a:r>
+            <a:r>
+              <a:rPr lang="en-US" dirty="0" err="1"/>
+              <a:t>fel</a:t>
+            </a:r>
+            <a:r>
+              <a:rPr lang="en-US" dirty="0"/>
+              <a:t> </a:t>
+            </a:r>
+            <a:r>
+              <a:rPr lang="en-US" dirty="0" err="1"/>
+              <a:t>lett</a:t>
+            </a:r>
+            <a:r>
+              <a:rPr lang="en-US" dirty="0"/>
+              <a:t> </a:t>
+            </a:r>
+            <a:r>
+              <a:rPr lang="en-US" dirty="0" err="1"/>
+              <a:t>túrbózva</a:t>
+            </a:r>
+            <a:r>
+              <a:rPr lang="en-US" dirty="0"/>
+              <a:t> </a:t>
+            </a:r>
+            <a:r>
+              <a:rPr lang="en-US" dirty="0" err="1"/>
+              <a:t>hogy</a:t>
+            </a:r>
+            <a:r>
+              <a:rPr lang="en-US" dirty="0"/>
+              <a:t> </a:t>
+            </a:r>
+            <a:r>
+              <a:rPr lang="en-US" dirty="0" err="1"/>
+              <a:t>printf</a:t>
+            </a:r>
+            <a:r>
+              <a:rPr lang="en-US" dirty="0"/>
+              <a:t> </a:t>
+            </a:r>
+            <a:r>
+              <a:rPr lang="en-US" dirty="0" err="1"/>
+              <a:t>szerűen</a:t>
+            </a:r>
+            <a:r>
+              <a:rPr lang="en-US" dirty="0"/>
+              <a:t> </a:t>
+            </a:r>
+            <a:r>
+              <a:rPr lang="en-US" dirty="0" err="1"/>
+              <a:t>viselkedjen</a:t>
+            </a:r>
+            <a:endParaRPr lang="hu-HU" dirty="0"/>
+          </a:p>
+        </p:txBody>
+      </p:sp>
+    </p:spTree>
+    <p:extLst>
+      <p:ext uri="{BB962C8B-B14F-4D97-AF65-F5344CB8AC3E}">
+        <p14:creationId xmlns:p14="http://schemas.microsoft.com/office/powerpoint/2010/main" val="3511593029"/>
       </p:ext>
     </p:extLst>
   </p:cSld>

--- a/Slides/gg001-Libraries.pptx
+++ b/Slides/gg001-Libraries.pptx
@@ -5,7 +5,7 @@
     <p:sldMasterId id="2147483648" r:id="rId1"/>
   </p:sldMasterIdLst>
   <p:notesMasterIdLst>
-    <p:notesMasterId r:id="rId28"/>
+    <p:notesMasterId r:id="rId29"/>
   </p:notesMasterIdLst>
   <p:sldIdLst>
     <p:sldId id="256" r:id="rId2"/>
@@ -28,12 +28,13 @@
     <p:sldId id="516" r:id="rId19"/>
     <p:sldId id="515" r:id="rId20"/>
     <p:sldId id="518" r:id="rId21"/>
-    <p:sldId id="519" r:id="rId22"/>
-    <p:sldId id="520" r:id="rId23"/>
-    <p:sldId id="521" r:id="rId24"/>
-    <p:sldId id="522" r:id="rId25"/>
-    <p:sldId id="523" r:id="rId26"/>
-    <p:sldId id="524" r:id="rId27"/>
+    <p:sldId id="525" r:id="rId22"/>
+    <p:sldId id="519" r:id="rId23"/>
+    <p:sldId id="520" r:id="rId24"/>
+    <p:sldId id="521" r:id="rId25"/>
+    <p:sldId id="522" r:id="rId26"/>
+    <p:sldId id="523" r:id="rId27"/>
+    <p:sldId id="524" r:id="rId28"/>
   </p:sldIdLst>
   <p:sldSz cx="9144000" cy="6858000" type="screen4x3"/>
   <p:notesSz cx="6858000" cy="9144000"/>
@@ -234,7 +235,7 @@
             <a:fld id="{C0D025BB-35D5-419D-8ED2-E5EDB67F143A}" type="datetimeFigureOut">
               <a:rPr lang="en-US" smtClean="0"/>
               <a:pPr/>
-              <a:t>8/6/2019</a:t>
+              <a:t>8/8/2019</a:t>
             </a:fld>
             <a:endParaRPr lang="en-US"/>
           </a:p>
@@ -1669,7 +1670,7 @@
         <p:spPr/>
         <p:txBody>
           <a:bodyPr>
-            <a:normAutofit fontScale="92500" lnSpcReduction="10000"/>
+            <a:normAutofit/>
           </a:bodyPr>
           <a:lstStyle/>
           <a:p>
@@ -4645,6 +4646,693 @@
             </a:r>
             <a:endParaRPr lang="en-US" dirty="0"/>
           </a:p>
+          <a:p>
+            <a:endParaRPr lang="en-US" dirty="0"/>
+          </a:p>
+          <a:p>
+            <a:r>
+              <a:rPr lang="en-US" dirty="0" err="1"/>
+              <a:t>Figyelj</a:t>
+            </a:r>
+            <a:r>
+              <a:rPr lang="en-US" dirty="0"/>
+              <a:t> </a:t>
+            </a:r>
+            <a:r>
+              <a:rPr lang="en-US" dirty="0" err="1"/>
+              <a:t>arra</a:t>
+            </a:r>
+            <a:r>
+              <a:rPr lang="en-US" dirty="0"/>
+              <a:t>, </a:t>
+            </a:r>
+            <a:r>
+              <a:rPr lang="en-US" dirty="0" err="1"/>
+              <a:t>hogy</a:t>
+            </a:r>
+            <a:r>
+              <a:rPr lang="en-US" dirty="0"/>
+              <a:t> a </a:t>
+            </a:r>
+            <a:r>
+              <a:rPr lang="en-US" dirty="0" err="1"/>
+              <a:t>doboz</a:t>
+            </a:r>
+            <a:r>
+              <a:rPr lang="en-US" dirty="0"/>
+              <a:t> </a:t>
+            </a:r>
+            <a:r>
+              <a:rPr lang="en-US" dirty="0" err="1"/>
+              <a:t>egy</a:t>
+            </a:r>
+            <a:r>
+              <a:rPr lang="en-US" dirty="0"/>
+              <a:t> </a:t>
+            </a:r>
+            <a:r>
+              <a:rPr lang="en-US" dirty="0" err="1"/>
+              <a:t>UnitBox</a:t>
+            </a:r>
+            <a:r>
+              <a:rPr lang="en-US" dirty="0"/>
+              <a:t>, </a:t>
+            </a:r>
+            <a:r>
+              <a:rPr lang="en-US" dirty="0" err="1"/>
+              <a:t>minden</a:t>
+            </a:r>
+            <a:r>
+              <a:rPr lang="en-US" dirty="0"/>
+              <a:t> </a:t>
+            </a:r>
+            <a:r>
+              <a:rPr lang="en-US" dirty="0" err="1"/>
+              <a:t>irányba</a:t>
+            </a:r>
+            <a:r>
+              <a:rPr lang="en-US" dirty="0"/>
+              <a:t> 1,1,1 </a:t>
+            </a:r>
+            <a:r>
+              <a:rPr lang="en-US" dirty="0" err="1"/>
+              <a:t>az</a:t>
+            </a:r>
+            <a:r>
+              <a:rPr lang="en-US" dirty="0"/>
+              <a:t> </a:t>
+            </a:r>
+            <a:r>
+              <a:rPr lang="en-US" dirty="0" err="1"/>
+              <a:t>élhossza</a:t>
+            </a:r>
+            <a:r>
+              <a:rPr lang="en-US" dirty="0"/>
+              <a:t> </a:t>
+            </a:r>
+            <a:r>
+              <a:rPr lang="en-US" dirty="0" err="1"/>
+              <a:t>és</a:t>
+            </a:r>
+            <a:r>
+              <a:rPr lang="en-US" dirty="0"/>
+              <a:t> </a:t>
+            </a:r>
+            <a:r>
+              <a:rPr lang="en-US" dirty="0" err="1"/>
+              <a:t>az</a:t>
+            </a:r>
+            <a:r>
+              <a:rPr lang="en-US" dirty="0"/>
+              <a:t> </a:t>
+            </a:r>
+            <a:r>
+              <a:rPr lang="en-US" dirty="0" err="1"/>
+              <a:t>origóba</a:t>
+            </a:r>
+            <a:r>
+              <a:rPr lang="en-US" dirty="0"/>
+              <a:t> van a </a:t>
+            </a:r>
+            <a:r>
+              <a:rPr lang="en-US" dirty="0" err="1"/>
+              <a:t>középpontja</a:t>
+            </a:r>
+            <a:r>
+              <a:rPr lang="en-US" dirty="0"/>
+              <a:t>. </a:t>
+            </a:r>
+            <a:r>
+              <a:rPr lang="en-US" dirty="0" err="1"/>
+              <a:t>Tehát</a:t>
+            </a:r>
+            <a:r>
+              <a:rPr lang="en-US" dirty="0"/>
+              <a:t> </a:t>
+            </a:r>
+            <a:r>
+              <a:rPr lang="en-US" dirty="0" err="1"/>
+              <a:t>minden</a:t>
+            </a:r>
+            <a:r>
+              <a:rPr lang="en-US" dirty="0"/>
+              <a:t> </a:t>
+            </a:r>
+            <a:r>
+              <a:rPr lang="en-US" dirty="0" err="1"/>
+              <a:t>irányba</a:t>
+            </a:r>
+            <a:r>
+              <a:rPr lang="en-US" dirty="0"/>
+              <a:t> 0.5 </a:t>
+            </a:r>
+            <a:r>
+              <a:rPr lang="en-US" dirty="0" err="1"/>
+              <a:t>és</a:t>
+            </a:r>
+            <a:r>
+              <a:rPr lang="en-US" dirty="0"/>
+              <a:t> -0.5 </a:t>
+            </a:r>
+            <a:r>
+              <a:rPr lang="en-US" dirty="0" err="1"/>
+              <a:t>közötti</a:t>
+            </a:r>
+            <a:r>
+              <a:rPr lang="en-US" dirty="0"/>
+              <a:t> </a:t>
+            </a:r>
+            <a:r>
+              <a:rPr lang="en-US" dirty="0" err="1"/>
+              <a:t>értékeket</a:t>
+            </a:r>
+            <a:r>
+              <a:rPr lang="en-US" dirty="0"/>
+              <a:t> </a:t>
+            </a:r>
+            <a:r>
+              <a:rPr lang="en-US" dirty="0" err="1"/>
+              <a:t>vesz</a:t>
+            </a:r>
+            <a:r>
+              <a:rPr lang="en-US" dirty="0"/>
+              <a:t> </a:t>
+            </a:r>
+            <a:r>
+              <a:rPr lang="en-US" dirty="0" err="1"/>
+              <a:t>fel</a:t>
+            </a:r>
+            <a:r>
+              <a:rPr lang="en-US" dirty="0"/>
+              <a:t>. </a:t>
+            </a:r>
+            <a:r>
+              <a:rPr lang="en-US" dirty="0" err="1"/>
+              <a:t>Ez</a:t>
+            </a:r>
+            <a:r>
+              <a:rPr lang="en-US" dirty="0"/>
+              <a:t> </a:t>
+            </a:r>
+            <a:r>
+              <a:rPr lang="en-US" dirty="0" err="1"/>
+              <a:t>azt</a:t>
+            </a:r>
+            <a:r>
+              <a:rPr lang="en-US" dirty="0"/>
+              <a:t> </a:t>
+            </a:r>
+            <a:r>
+              <a:rPr lang="en-US" dirty="0" err="1"/>
+              <a:t>jelenti</a:t>
+            </a:r>
+            <a:r>
+              <a:rPr lang="en-US" dirty="0"/>
+              <a:t>, </a:t>
+            </a:r>
+            <a:r>
+              <a:rPr lang="en-US" dirty="0" err="1"/>
+              <a:t>hogy</a:t>
+            </a:r>
+            <a:r>
+              <a:rPr lang="en-US" dirty="0"/>
+              <a:t> ha mi </a:t>
+            </a:r>
+            <a:r>
+              <a:rPr lang="en-US" dirty="0" err="1"/>
+              <a:t>Normalizált</a:t>
+            </a:r>
+            <a:r>
+              <a:rPr lang="en-US" dirty="0"/>
+              <a:t> </a:t>
+            </a:r>
+            <a:r>
+              <a:rPr lang="en-US" dirty="0" err="1"/>
+              <a:t>Eszközkoordinátákba</a:t>
+            </a:r>
+            <a:r>
+              <a:rPr lang="en-US" dirty="0"/>
+              <a:t> </a:t>
+            </a:r>
+            <a:r>
+              <a:rPr lang="en-US" dirty="0" err="1"/>
+              <a:t>gondolkozunk</a:t>
+            </a:r>
+            <a:r>
+              <a:rPr lang="en-US" dirty="0"/>
+              <a:t>, </a:t>
+            </a:r>
+            <a:r>
+              <a:rPr lang="en-US" dirty="0" err="1"/>
+              <a:t>akkor</a:t>
+            </a:r>
+            <a:r>
+              <a:rPr lang="en-US" dirty="0"/>
+              <a:t> a -0.5 </a:t>
+            </a:r>
+            <a:r>
+              <a:rPr lang="en-US" dirty="0" err="1"/>
+              <a:t>érték</a:t>
+            </a:r>
+            <a:r>
+              <a:rPr lang="en-US" dirty="0"/>
+              <a:t> Z </a:t>
+            </a:r>
+            <a:r>
+              <a:rPr lang="en-US" dirty="0" err="1"/>
+              <a:t>irányban</a:t>
+            </a:r>
+            <a:r>
+              <a:rPr lang="en-US" dirty="0"/>
+              <a:t> </a:t>
+            </a:r>
+            <a:r>
+              <a:rPr lang="en-US" dirty="0" err="1"/>
+              <a:t>biztosan</a:t>
+            </a:r>
+            <a:r>
+              <a:rPr lang="en-US" dirty="0"/>
+              <a:t> a “</a:t>
+            </a:r>
+            <a:r>
+              <a:rPr lang="en-US" dirty="0" err="1"/>
+              <a:t>szemünk</a:t>
+            </a:r>
+            <a:r>
+              <a:rPr lang="en-US" dirty="0"/>
+              <a:t>” </a:t>
+            </a:r>
+            <a:r>
+              <a:rPr lang="en-US" dirty="0" err="1"/>
+              <a:t>mögött</a:t>
+            </a:r>
+            <a:r>
+              <a:rPr lang="en-US" dirty="0"/>
+              <a:t> </a:t>
+            </a:r>
+            <a:r>
+              <a:rPr lang="en-US" dirty="0" err="1"/>
+              <a:t>lesz</a:t>
+            </a:r>
+            <a:r>
+              <a:rPr lang="en-US" dirty="0"/>
+              <a:t>, </a:t>
+            </a:r>
+            <a:r>
+              <a:rPr lang="en-US" dirty="0" err="1"/>
+              <a:t>tehát</a:t>
+            </a:r>
+            <a:r>
+              <a:rPr lang="en-US" dirty="0"/>
+              <a:t> </a:t>
+            </a:r>
+            <a:r>
+              <a:rPr lang="en-US" dirty="0" err="1"/>
+              <a:t>nem</a:t>
+            </a:r>
+            <a:r>
+              <a:rPr lang="en-US" dirty="0"/>
+              <a:t> </a:t>
+            </a:r>
+            <a:r>
+              <a:rPr lang="en-US" dirty="0" err="1"/>
+              <a:t>fogjuk</a:t>
+            </a:r>
+            <a:r>
+              <a:rPr lang="en-US" dirty="0"/>
+              <a:t> </a:t>
+            </a:r>
+            <a:r>
+              <a:rPr lang="en-US" dirty="0" err="1"/>
+              <a:t>látni</a:t>
+            </a:r>
+            <a:r>
+              <a:rPr lang="en-US" dirty="0"/>
+              <a:t>. </a:t>
+            </a:r>
+            <a:r>
+              <a:rPr lang="en-US" dirty="0" err="1"/>
+              <a:t>Ezt</a:t>
+            </a:r>
+            <a:r>
+              <a:rPr lang="en-US" dirty="0"/>
+              <a:t> </a:t>
+            </a:r>
+            <a:r>
+              <a:rPr lang="en-US" dirty="0" err="1"/>
+              <a:t>úgy</a:t>
+            </a:r>
+            <a:r>
+              <a:rPr lang="en-US" dirty="0"/>
+              <a:t> </a:t>
+            </a:r>
+            <a:r>
+              <a:rPr lang="en-US" dirty="0" err="1"/>
+              <a:t>kell</a:t>
+            </a:r>
+            <a:r>
+              <a:rPr lang="en-US" dirty="0"/>
+              <a:t> </a:t>
+            </a:r>
+            <a:r>
+              <a:rPr lang="en-US" dirty="0" err="1"/>
+              <a:t>megoldani</a:t>
+            </a:r>
+            <a:r>
+              <a:rPr lang="en-US" dirty="0"/>
+              <a:t>, </a:t>
+            </a:r>
+            <a:r>
+              <a:rPr lang="en-US" dirty="0" err="1"/>
+              <a:t>hogy</a:t>
+            </a:r>
+            <a:r>
+              <a:rPr lang="en-US" dirty="0"/>
+              <a:t> </a:t>
+            </a:r>
+            <a:r>
+              <a:rPr lang="en-US" dirty="0" err="1"/>
+              <a:t>transzformáljuk</a:t>
+            </a:r>
+            <a:r>
+              <a:rPr lang="en-US" dirty="0"/>
+              <a:t>. </a:t>
+            </a:r>
+            <a:r>
+              <a:rPr lang="en-US" dirty="0" err="1"/>
+              <a:t>Skálázd</a:t>
+            </a:r>
+            <a:r>
+              <a:rPr lang="en-US" dirty="0"/>
+              <a:t> le, </a:t>
+            </a:r>
+            <a:r>
+              <a:rPr lang="en-US" dirty="0" err="1"/>
+              <a:t>illetve</a:t>
+            </a:r>
+            <a:r>
+              <a:rPr lang="en-US" dirty="0"/>
+              <a:t> </a:t>
+            </a:r>
+            <a:r>
+              <a:rPr lang="en-US" dirty="0" err="1"/>
+              <a:t>mozgasd</a:t>
+            </a:r>
+            <a:r>
+              <a:rPr lang="en-US" dirty="0"/>
+              <a:t> </a:t>
+            </a:r>
+            <a:r>
+              <a:rPr lang="en-US" dirty="0" err="1"/>
+              <a:t>előrébb</a:t>
+            </a:r>
+            <a:r>
+              <a:rPr lang="en-US" dirty="0"/>
+              <a:t> Z </a:t>
+            </a:r>
+            <a:r>
+              <a:rPr lang="en-US" dirty="0" err="1"/>
+              <a:t>irányban</a:t>
+            </a:r>
+            <a:r>
+              <a:rPr lang="en-US" dirty="0"/>
+              <a:t>. </a:t>
+            </a:r>
+            <a:r>
+              <a:rPr lang="en-US" dirty="0" err="1"/>
+              <a:t>Segítség</a:t>
+            </a:r>
+            <a:r>
+              <a:rPr lang="en-US" dirty="0"/>
+              <a:t>:</a:t>
+            </a:r>
+          </a:p>
+          <a:p>
+            <a:r>
+              <a:rPr lang="en-US" b="1" dirty="0"/>
+              <a:t>Float4x4::Scaling(Float3{ 0.2f, 0.2f, 0.1f }) * Float4x4::Translation(Float3{ 0.0f, 0.85f, 0.5f }); </a:t>
+            </a:r>
+            <a:r>
+              <a:rPr lang="en-US" dirty="0" err="1"/>
+              <a:t>elegendő</a:t>
+            </a:r>
+            <a:r>
+              <a:rPr lang="en-US" dirty="0"/>
+              <a:t> </a:t>
+            </a:r>
+            <a:r>
+              <a:rPr lang="en-US" dirty="0" err="1"/>
+              <a:t>kell</a:t>
+            </a:r>
+            <a:r>
+              <a:rPr lang="en-US" dirty="0"/>
+              <a:t>, </a:t>
+            </a:r>
+            <a:r>
+              <a:rPr lang="en-US" dirty="0" err="1"/>
+              <a:t>hogy</a:t>
+            </a:r>
+            <a:r>
+              <a:rPr lang="en-US" dirty="0"/>
+              <a:t> </a:t>
+            </a:r>
+            <a:r>
+              <a:rPr lang="en-US" dirty="0" err="1"/>
+              <a:t>legyen</a:t>
+            </a:r>
+            <a:r>
+              <a:rPr lang="en-US" dirty="0"/>
+              <a:t>. </a:t>
+            </a:r>
+            <a:r>
+              <a:rPr lang="en-US" dirty="0" err="1"/>
+              <a:t>Természetesen</a:t>
+            </a:r>
+            <a:r>
+              <a:rPr lang="en-US" dirty="0"/>
+              <a:t> </a:t>
+            </a:r>
+            <a:r>
+              <a:rPr lang="en-US" dirty="0" err="1"/>
+              <a:t>arra</a:t>
+            </a:r>
+            <a:r>
+              <a:rPr lang="en-US" dirty="0"/>
+              <a:t> </a:t>
+            </a:r>
+            <a:r>
+              <a:rPr lang="en-US" dirty="0" err="1"/>
+              <a:t>figyelj</a:t>
+            </a:r>
+            <a:r>
+              <a:rPr lang="en-US" dirty="0"/>
+              <a:t>, </a:t>
+            </a:r>
+            <a:r>
+              <a:rPr lang="en-US" dirty="0" err="1"/>
+              <a:t>hogy</a:t>
+            </a:r>
+            <a:r>
+              <a:rPr lang="en-US" dirty="0"/>
+              <a:t> </a:t>
+            </a:r>
+            <a:r>
+              <a:rPr lang="en-US" dirty="0" err="1"/>
+              <a:t>ennek</a:t>
+            </a:r>
+            <a:r>
+              <a:rPr lang="en-US" dirty="0"/>
+              <a:t> </a:t>
+            </a:r>
+            <a:r>
+              <a:rPr lang="en-US" dirty="0" err="1"/>
+              <a:t>valahogy</a:t>
+            </a:r>
+            <a:r>
+              <a:rPr lang="en-US" dirty="0"/>
+              <a:t> </a:t>
+            </a:r>
+            <a:r>
+              <a:rPr lang="en-US" dirty="0" err="1"/>
+              <a:t>fel</a:t>
+            </a:r>
+            <a:r>
+              <a:rPr lang="en-US" dirty="0"/>
+              <a:t> </a:t>
+            </a:r>
+            <a:r>
+              <a:rPr lang="en-US" dirty="0" err="1"/>
+              <a:t>kell</a:t>
+            </a:r>
+            <a:r>
+              <a:rPr lang="en-US" dirty="0"/>
+              <a:t> </a:t>
+            </a:r>
+            <a:r>
+              <a:rPr lang="en-US" dirty="0" err="1"/>
+              <a:t>kerülnie</a:t>
+            </a:r>
+            <a:r>
+              <a:rPr lang="en-US" dirty="0"/>
+              <a:t> a GPU-ra. </a:t>
+            </a:r>
+            <a:r>
+              <a:rPr lang="en-US" dirty="0" err="1"/>
+              <a:t>Célszer</a:t>
+            </a:r>
+            <a:r>
+              <a:rPr lang="hu-HU" dirty="0"/>
+              <a:t>ű</a:t>
+            </a:r>
+            <a:r>
+              <a:rPr lang="en-US" dirty="0"/>
+              <a:t> </a:t>
+            </a:r>
+            <a:r>
+              <a:rPr lang="en-US" dirty="0" err="1"/>
+              <a:t>lehet</a:t>
+            </a:r>
+            <a:r>
+              <a:rPr lang="en-US" dirty="0"/>
+              <a:t> </a:t>
+            </a:r>
+            <a:r>
+              <a:rPr lang="en-US" dirty="0" err="1"/>
+              <a:t>külön</a:t>
+            </a:r>
+            <a:r>
+              <a:rPr lang="en-US" dirty="0"/>
+              <a:t> </a:t>
+            </a:r>
+            <a:r>
+              <a:rPr lang="en-US" dirty="0" err="1"/>
+              <a:t>adattagokat</a:t>
+            </a:r>
+            <a:r>
+              <a:rPr lang="en-US" dirty="0"/>
+              <a:t> </a:t>
+            </a:r>
+            <a:r>
+              <a:rPr lang="en-US" dirty="0" err="1"/>
+              <a:t>felvenni</a:t>
+            </a:r>
+            <a:r>
+              <a:rPr lang="en-US" dirty="0"/>
+              <a:t> a Box </a:t>
+            </a:r>
+            <a:r>
+              <a:rPr lang="en-US" dirty="0" err="1"/>
+              <a:t>osztálynak</a:t>
+            </a:r>
+            <a:r>
+              <a:rPr lang="en-US" dirty="0"/>
+              <a:t>, </a:t>
+            </a:r>
+            <a:r>
+              <a:rPr lang="en-US" dirty="0" err="1"/>
+              <a:t>amelyeket</a:t>
+            </a:r>
+            <a:r>
+              <a:rPr lang="en-US" dirty="0"/>
+              <a:t> </a:t>
+            </a:r>
+            <a:r>
+              <a:rPr lang="en-US" dirty="0" err="1"/>
+              <a:t>később</a:t>
+            </a:r>
+            <a:r>
+              <a:rPr lang="en-US" dirty="0"/>
+              <a:t> </a:t>
+            </a:r>
+            <a:r>
+              <a:rPr lang="en-US" dirty="0" err="1"/>
+              <a:t>mátrixszorzásokká</a:t>
+            </a:r>
+            <a:r>
+              <a:rPr lang="en-US" dirty="0"/>
+              <a:t> </a:t>
+            </a:r>
+            <a:r>
+              <a:rPr lang="en-US" dirty="0" err="1"/>
+              <a:t>alakítunk</a:t>
+            </a:r>
+            <a:r>
+              <a:rPr lang="en-US" dirty="0"/>
+              <a:t> </a:t>
+            </a:r>
+            <a:r>
+              <a:rPr lang="en-US" dirty="0" err="1"/>
+              <a:t>az</a:t>
+            </a:r>
+            <a:r>
+              <a:rPr lang="en-US" dirty="0"/>
+              <a:t> Update </a:t>
+            </a:r>
+            <a:r>
+              <a:rPr lang="en-US" dirty="0" err="1"/>
+              <a:t>függvényében</a:t>
+            </a:r>
+            <a:r>
+              <a:rPr lang="en-US" dirty="0"/>
+              <a:t>. </a:t>
+            </a:r>
+            <a:r>
+              <a:rPr lang="en-US" dirty="0" err="1"/>
+              <a:t>Így</a:t>
+            </a:r>
+            <a:r>
+              <a:rPr lang="en-US" dirty="0"/>
+              <a:t> </a:t>
+            </a:r>
+            <a:r>
+              <a:rPr lang="en-US" dirty="0" err="1"/>
+              <a:t>ezeket</a:t>
+            </a:r>
+            <a:r>
+              <a:rPr lang="en-US" dirty="0"/>
+              <a:t> </a:t>
+            </a:r>
+            <a:r>
+              <a:rPr lang="en-US" dirty="0" err="1"/>
+              <a:t>elég</a:t>
+            </a:r>
+            <a:r>
+              <a:rPr lang="en-US" dirty="0"/>
+              <a:t> </a:t>
+            </a:r>
+            <a:r>
+              <a:rPr lang="en-US" dirty="0" err="1"/>
+              <a:t>lenne</a:t>
+            </a:r>
+            <a:r>
+              <a:rPr lang="en-US" dirty="0"/>
+              <a:t> </a:t>
+            </a:r>
+            <a:r>
+              <a:rPr lang="en-US" dirty="0" err="1"/>
+              <a:t>beállítani</a:t>
+            </a:r>
+            <a:r>
+              <a:rPr lang="en-US" dirty="0"/>
+              <a:t> </a:t>
+            </a:r>
+            <a:r>
+              <a:rPr lang="en-US" dirty="0" err="1"/>
+              <a:t>inicializálás</a:t>
+            </a:r>
+            <a:r>
+              <a:rPr lang="en-US" dirty="0"/>
+              <a:t> </a:t>
+            </a:r>
+            <a:r>
+              <a:rPr lang="en-US" dirty="0" err="1"/>
+              <a:t>időben</a:t>
+            </a:r>
+            <a:r>
+              <a:rPr lang="en-US" dirty="0"/>
+              <a:t>.</a:t>
+            </a:r>
+          </a:p>
         </p:txBody>
       </p:sp>
       <p:sp>
@@ -4731,20 +5419,48 @@
           <a:lstStyle/>
           <a:p>
             <a:r>
-              <a:rPr lang="en-US" dirty="0"/>
-              <a:t>(4)-es </a:t>
-            </a:r>
-            <a:r>
-              <a:rPr lang="en-US" dirty="0" err="1"/>
-              <a:t>feladatnál</a:t>
-            </a:r>
-            <a:r>
-              <a:rPr lang="en-US" dirty="0"/>
-              <a:t> ha </a:t>
-            </a:r>
-            <a:r>
-              <a:rPr lang="en-US" dirty="0" err="1"/>
-              <a:t>leírtál</a:t>
+              <a:rPr lang="en-US" dirty="0" err="1"/>
+              <a:t>Bár</a:t>
+            </a:r>
+            <a:r>
+              <a:rPr lang="en-US" dirty="0"/>
+              <a:t> </a:t>
+            </a:r>
+            <a:r>
+              <a:rPr lang="en-US" dirty="0" err="1"/>
+              <a:t>nem</a:t>
+            </a:r>
+            <a:r>
+              <a:rPr lang="en-US" dirty="0"/>
+              <a:t> </a:t>
+            </a:r>
+            <a:r>
+              <a:rPr lang="en-US" dirty="0" err="1"/>
+              <a:t>látszik</a:t>
+            </a:r>
+            <a:r>
+              <a:rPr lang="en-US" dirty="0"/>
+              <a:t>, de a </a:t>
+            </a:r>
+            <a:r>
+              <a:rPr lang="en-US" dirty="0" err="1"/>
+              <a:t>doboz</a:t>
+            </a:r>
+            <a:r>
+              <a:rPr lang="en-US" dirty="0"/>
+              <a:t> </a:t>
+            </a:r>
+            <a:r>
+              <a:rPr lang="en-US" dirty="0" err="1"/>
+              <a:t>az</a:t>
+            </a:r>
+            <a:r>
+              <a:rPr lang="en-US" dirty="0"/>
+              <a:t> </a:t>
+            </a:r>
+            <a:r>
+              <a:rPr lang="en-US" dirty="0" err="1"/>
+              <a:t>tényleg</a:t>
             </a:r>
             <a:r>
               <a:rPr lang="en-US" dirty="0"/>
@@ -4760,7 +5476,15 @@
             </a:r>
             <a:r>
               <a:rPr lang="en-US" dirty="0" err="1"/>
-              <a:t>olyat</a:t>
+              <a:t>doboz</a:t>
+            </a:r>
+            <a:r>
+              <a:rPr lang="en-US" dirty="0"/>
+              <a:t> </a:t>
+            </a:r>
+            <a:r>
+              <a:rPr lang="en-US" dirty="0" err="1"/>
+              <a:t>modell</a:t>
             </a:r>
             <a:r>
               <a:rPr lang="en-US" dirty="0"/>
@@ -4768,154 +5492,434 @@
             </a:r>
             <a:r>
               <a:rPr lang="en-US" dirty="0" err="1"/>
+              <a:t>azért</a:t>
+            </a:r>
+            <a:r>
+              <a:rPr lang="en-US" dirty="0"/>
+              <a:t> </a:t>
+            </a:r>
+            <a:r>
+              <a:rPr lang="en-US" dirty="0" err="1"/>
+              <a:t>csak</a:t>
+            </a:r>
+            <a:r>
+              <a:rPr lang="en-US" dirty="0"/>
+              <a:t> </a:t>
+            </a:r>
+            <a:r>
+              <a:rPr lang="en-US" dirty="0" err="1"/>
+              <a:t>egy</a:t>
+            </a:r>
+            <a:r>
+              <a:rPr lang="en-US" dirty="0"/>
+              <a:t> face-t </a:t>
+            </a:r>
+            <a:r>
+              <a:rPr lang="en-US" dirty="0" err="1"/>
+              <a:t>látunk</a:t>
+            </a:r>
+            <a:r>
+              <a:rPr lang="en-US" dirty="0"/>
+              <a:t> </a:t>
+            </a:r>
+            <a:r>
+              <a:rPr lang="en-US" dirty="0" err="1"/>
+              <a:t>belőle</a:t>
+            </a:r>
+            <a:r>
+              <a:rPr lang="en-US" dirty="0"/>
+              <a:t>, </a:t>
+            </a:r>
+            <a:r>
+              <a:rPr lang="en-US" dirty="0" err="1"/>
+              <a:t>mert</a:t>
+            </a:r>
+            <a:r>
+              <a:rPr lang="en-US" dirty="0"/>
+              <a:t> </a:t>
+            </a:r>
+            <a:r>
+              <a:rPr lang="en-US" dirty="0" err="1"/>
+              <a:t>egy</a:t>
+            </a:r>
+            <a:r>
+              <a:rPr lang="en-US" dirty="0"/>
+              <a:t> </a:t>
+            </a:r>
+            <a:r>
+              <a:rPr lang="en-US" dirty="0" err="1"/>
+              <a:t>úgynevezett</a:t>
+            </a:r>
+            <a:r>
+              <a:rPr lang="en-US" dirty="0"/>
+              <a:t> </a:t>
+            </a:r>
+            <a:r>
+              <a:rPr lang="en-US" dirty="0" err="1"/>
+              <a:t>Ortografikus</a:t>
+            </a:r>
+            <a:r>
+              <a:rPr lang="en-US" dirty="0"/>
+              <a:t> </a:t>
+            </a:r>
+            <a:r>
+              <a:rPr lang="en-US" dirty="0" err="1"/>
+              <a:t>vetítésünk</a:t>
+            </a:r>
+            <a:r>
+              <a:rPr lang="en-US" dirty="0"/>
+              <a:t> van </a:t>
+            </a:r>
+            <a:r>
+              <a:rPr lang="en-US" dirty="0" err="1"/>
+              <a:t>alapértelmezetten</a:t>
+            </a:r>
+            <a:r>
+              <a:rPr lang="en-US" dirty="0"/>
+              <a:t>, </a:t>
+            </a:r>
+            <a:r>
+              <a:rPr lang="en-US" dirty="0" err="1"/>
+              <a:t>tehát</a:t>
+            </a:r>
+            <a:r>
+              <a:rPr lang="en-US" dirty="0"/>
+              <a:t> </a:t>
+            </a:r>
+            <a:r>
+              <a:rPr lang="en-US" dirty="0" err="1"/>
+              <a:t>nincs</a:t>
+            </a:r>
+            <a:r>
+              <a:rPr lang="en-US" dirty="0"/>
+              <a:t> </a:t>
+            </a:r>
+            <a:r>
+              <a:rPr lang="en-US" dirty="0" err="1"/>
+              <a:t>egy</a:t>
+            </a:r>
+            <a:r>
+              <a:rPr lang="en-US" dirty="0"/>
+              <a:t> “</a:t>
+            </a:r>
+            <a:r>
+              <a:rPr lang="en-US" dirty="0" err="1"/>
+              <a:t>szem</a:t>
+            </a:r>
+            <a:r>
+              <a:rPr lang="en-US" dirty="0"/>
+              <a:t>” </a:t>
+            </a:r>
+            <a:r>
+              <a:rPr lang="en-US" dirty="0" err="1"/>
+              <a:t>pont</a:t>
+            </a:r>
+            <a:r>
+              <a:rPr lang="en-US" dirty="0"/>
+              <a:t>, </a:t>
+            </a:r>
+            <a:r>
+              <a:rPr lang="en-US" dirty="0" err="1"/>
+              <a:t>ahová</a:t>
+            </a:r>
+            <a:r>
+              <a:rPr lang="en-US" dirty="0"/>
+              <a:t> </a:t>
+            </a:r>
+            <a:r>
+              <a:rPr lang="en-US" dirty="0" err="1"/>
+              <a:t>összefutnak</a:t>
+            </a:r>
+            <a:r>
+              <a:rPr lang="en-US" dirty="0"/>
+              <a:t> a </a:t>
+            </a:r>
+            <a:r>
+              <a:rPr lang="en-US" dirty="0" err="1"/>
+              <a:t>fényutak</a:t>
+            </a:r>
+            <a:r>
+              <a:rPr lang="en-US" dirty="0"/>
+              <a:t>, </a:t>
+            </a:r>
+            <a:r>
+              <a:rPr lang="en-US" dirty="0" err="1"/>
+              <a:t>hanem</a:t>
+            </a:r>
+            <a:r>
+              <a:rPr lang="en-US" dirty="0"/>
+              <a:t> </a:t>
+            </a:r>
+            <a:r>
+              <a:rPr lang="en-US" dirty="0" err="1"/>
+              <a:t>minden</a:t>
+            </a:r>
+            <a:r>
+              <a:rPr lang="en-US" dirty="0"/>
+              <a:t> </a:t>
+            </a:r>
+            <a:r>
+              <a:rPr lang="en-US" dirty="0" err="1"/>
+              <a:t>fényút</a:t>
+            </a:r>
+            <a:r>
+              <a:rPr lang="en-US" dirty="0"/>
+              <a:t> </a:t>
+            </a:r>
+            <a:r>
+              <a:rPr lang="en-US" dirty="0" err="1"/>
+              <a:t>párhuzamos</a:t>
+            </a:r>
+            <a:r>
+              <a:rPr lang="en-US" dirty="0"/>
+              <a:t>, </a:t>
+            </a:r>
+            <a:r>
+              <a:rPr lang="en-US" dirty="0" err="1"/>
+              <a:t>mintha</a:t>
+            </a:r>
+            <a:r>
+              <a:rPr lang="en-US" dirty="0"/>
+              <a:t> a </a:t>
+            </a:r>
+            <a:r>
+              <a:rPr lang="en-US" dirty="0" err="1"/>
+              <a:t>szemünk</a:t>
+            </a:r>
+            <a:r>
+              <a:rPr lang="en-US" dirty="0"/>
+              <a:t> </a:t>
+            </a:r>
+            <a:r>
+              <a:rPr lang="en-US" dirty="0" err="1"/>
+              <a:t>egy</a:t>
+            </a:r>
+            <a:r>
+              <a:rPr lang="en-US" dirty="0"/>
+              <a:t> </a:t>
+            </a:r>
+            <a:r>
+              <a:rPr lang="en-US" dirty="0" err="1"/>
+              <a:t>téglatest</a:t>
+            </a:r>
+            <a:r>
+              <a:rPr lang="en-US" dirty="0"/>
+              <a:t> </a:t>
+            </a:r>
+            <a:r>
+              <a:rPr lang="en-US" dirty="0" err="1"/>
+              <a:t>lenne</a:t>
+            </a:r>
+            <a:r>
+              <a:rPr lang="en-US" dirty="0"/>
+              <a:t>. </a:t>
+            </a:r>
+            <a:r>
+              <a:rPr lang="en-US" dirty="0" err="1"/>
+              <a:t>Ezt</a:t>
+            </a:r>
+            <a:r>
+              <a:rPr lang="en-US" dirty="0"/>
+              <a:t> </a:t>
+            </a:r>
+            <a:r>
+              <a:rPr lang="en-US" dirty="0" err="1"/>
+              <a:t>nagyon</a:t>
+            </a:r>
+            <a:r>
+              <a:rPr lang="en-US" dirty="0"/>
+              <a:t> </a:t>
+            </a:r>
+            <a:r>
+              <a:rPr lang="en-US" dirty="0" err="1"/>
+              <a:t>egyszerűen</a:t>
+            </a:r>
+            <a:r>
+              <a:rPr lang="en-US" dirty="0"/>
+              <a:t> </a:t>
+            </a:r>
+            <a:r>
+              <a:rPr lang="en-US" dirty="0" err="1"/>
+              <a:t>megoldhatjuk</a:t>
+            </a:r>
+            <a:r>
+              <a:rPr lang="en-US" dirty="0"/>
+              <a:t>, </a:t>
+            </a:r>
+            <a:r>
+              <a:rPr lang="en-US" dirty="0" err="1"/>
+              <a:t>elegendő</a:t>
+            </a:r>
+            <a:r>
+              <a:rPr lang="en-US" dirty="0"/>
+              <a:t> </a:t>
+            </a:r>
+            <a:r>
+              <a:rPr lang="en-US" dirty="0" err="1"/>
+              <a:t>rászorozni</a:t>
+            </a:r>
+            <a:r>
+              <a:rPr lang="en-US" dirty="0"/>
+              <a:t> a Box </a:t>
+            </a:r>
+            <a:r>
+              <a:rPr lang="en-US" dirty="0" err="1"/>
+              <a:t>modelTransformjára</a:t>
+            </a:r>
+            <a:r>
+              <a:rPr lang="en-US" dirty="0"/>
+              <a:t> </a:t>
+            </a:r>
+            <a:r>
+              <a:rPr lang="en-US" dirty="0" err="1"/>
+              <a:t>egy</a:t>
+            </a:r>
+            <a:r>
+              <a:rPr lang="en-US" dirty="0"/>
+              <a:t> Float4x4::</a:t>
+            </a:r>
+            <a:r>
+              <a:rPr lang="en-US" dirty="0" err="1"/>
+              <a:t>Proj</a:t>
+            </a:r>
+            <a:r>
+              <a:rPr lang="en-US" dirty="0"/>
+              <a:t>(2.0f, </a:t>
+            </a:r>
+            <a:r>
+              <a:rPr lang="en-US" dirty="0" err="1"/>
+              <a:t>aspectRatio</a:t>
+            </a:r>
+            <a:r>
+              <a:rPr lang="en-US" dirty="0"/>
+              <a:t>, 0.0f, 1.0f) </a:t>
+            </a:r>
+            <a:r>
+              <a:rPr lang="en-US" dirty="0" err="1"/>
+              <a:t>mátrixot</a:t>
+            </a:r>
+            <a:r>
+              <a:rPr lang="en-US" dirty="0"/>
+              <a:t>. (Az </a:t>
+            </a:r>
+            <a:r>
+              <a:rPr lang="en-US" dirty="0" err="1"/>
+              <a:t>aspectRatio</a:t>
+            </a:r>
+            <a:r>
+              <a:rPr lang="en-US" dirty="0"/>
+              <a:t> </a:t>
+            </a:r>
+            <a:r>
+              <a:rPr lang="en-US" dirty="0" err="1"/>
+              <a:t>egy</a:t>
+            </a:r>
+            <a:r>
+              <a:rPr lang="en-US" dirty="0"/>
+              <a:t> </a:t>
+            </a:r>
+            <a:r>
+              <a:rPr lang="en-US" dirty="0" err="1"/>
+              <a:t>adattag</a:t>
+            </a:r>
+            <a:r>
+              <a:rPr lang="en-US" dirty="0"/>
+              <a:t> </a:t>
+            </a:r>
+            <a:r>
+              <a:rPr lang="en-US" dirty="0" err="1"/>
+              <a:t>az</a:t>
+            </a:r>
+            <a:r>
+              <a:rPr lang="en-US" dirty="0"/>
+              <a:t> Egg::App </a:t>
+            </a:r>
+            <a:r>
+              <a:rPr lang="en-US" dirty="0" err="1"/>
+              <a:t>osztályból</a:t>
+            </a:r>
+            <a:r>
+              <a:rPr lang="en-US" dirty="0"/>
+              <a:t>). </a:t>
+            </a:r>
+            <a:r>
+              <a:rPr lang="en-US" dirty="0" err="1"/>
+              <a:t>Ekkor</a:t>
+            </a:r>
+            <a:r>
+              <a:rPr lang="en-US" dirty="0"/>
+              <a:t> </a:t>
+            </a:r>
+            <a:r>
+              <a:rPr lang="en-US" dirty="0" err="1"/>
+              <a:t>már</a:t>
+            </a:r>
+            <a:r>
+              <a:rPr lang="en-US" dirty="0"/>
+              <a:t> </a:t>
+            </a:r>
+            <a:r>
+              <a:rPr lang="en-US" dirty="0" err="1"/>
+              <a:t>összefognak</a:t>
+            </a:r>
+            <a:r>
+              <a:rPr lang="en-US" dirty="0"/>
+              <a:t> </a:t>
+            </a:r>
+            <a:r>
+              <a:rPr lang="en-US" dirty="0" err="1"/>
+              <a:t>futni</a:t>
+            </a:r>
+            <a:r>
+              <a:rPr lang="en-US" dirty="0"/>
+              <a:t> a </a:t>
+            </a:r>
+            <a:r>
+              <a:rPr lang="en-US" dirty="0" err="1"/>
+              <a:t>fény</a:t>
+            </a:r>
+            <a:r>
+              <a:rPr lang="en-US" dirty="0"/>
+              <a:t> </a:t>
+            </a:r>
+            <a:r>
+              <a:rPr lang="en-US" dirty="0" err="1"/>
+              <a:t>vonalak</a:t>
+            </a:r>
+            <a:r>
+              <a:rPr lang="en-US" dirty="0"/>
+              <a:t> </a:t>
+            </a:r>
+            <a:r>
+              <a:rPr lang="en-US" dirty="0" err="1"/>
+              <a:t>az</a:t>
+            </a:r>
+            <a:r>
+              <a:rPr lang="en-US" dirty="0"/>
+              <a:t> </a:t>
+            </a:r>
+            <a:r>
+              <a:rPr lang="en-US" dirty="0" err="1"/>
+              <a:t>origóban</a:t>
+            </a:r>
+            <a:r>
+              <a:rPr lang="en-US" dirty="0"/>
+              <a:t>, </a:t>
+            </a:r>
+            <a:r>
+              <a:rPr lang="en-US" dirty="0" err="1"/>
+              <a:t>látszani</a:t>
+            </a:r>
+            <a:r>
+              <a:rPr lang="en-US" dirty="0"/>
+              <a:t> fog, </a:t>
+            </a:r>
+            <a:r>
+              <a:rPr lang="en-US" dirty="0" err="1"/>
               <a:t>hogy</a:t>
             </a:r>
             <a:r>
               <a:rPr lang="en-US" dirty="0"/>
-              <a:t> if(</a:t>
-            </a:r>
-            <a:r>
-              <a:rPr lang="en-US" dirty="0" err="1"/>
-              <a:t>pos.y</a:t>
-            </a:r>
-            <a:r>
-              <a:rPr lang="en-US" dirty="0"/>
-              <a:t> &lt; -1.0) speed = -speed; </a:t>
-            </a:r>
-            <a:r>
-              <a:rPr lang="en-US" dirty="0" err="1"/>
-              <a:t>akkor</a:t>
-            </a:r>
-            <a:r>
-              <a:rPr lang="en-US" dirty="0"/>
-              <a:t> </a:t>
-            </a:r>
-            <a:r>
-              <a:rPr lang="en-US" dirty="0" err="1"/>
-              <a:t>ez</a:t>
-            </a:r>
-            <a:r>
-              <a:rPr lang="en-US" dirty="0"/>
-              <a:t> </a:t>
-            </a:r>
-            <a:r>
-              <a:rPr lang="en-US" dirty="0" err="1"/>
-              <a:t>simán</a:t>
-            </a:r>
-            <a:r>
-              <a:rPr lang="en-US" dirty="0"/>
-              <a:t> </a:t>
-            </a:r>
-            <a:r>
-              <a:rPr lang="en-US" dirty="0" err="1"/>
-              <a:t>beakadhat</a:t>
-            </a:r>
-            <a:r>
-              <a:rPr lang="en-US" dirty="0"/>
-              <a:t> -1 </a:t>
-            </a:r>
-            <a:r>
-              <a:rPr lang="en-US" dirty="0" err="1"/>
-              <a:t>alá</a:t>
-            </a:r>
-            <a:r>
-              <a:rPr lang="en-US" dirty="0"/>
-              <a:t> </a:t>
-            </a:r>
-            <a:r>
-              <a:rPr lang="en-US" dirty="0" err="1"/>
-              <a:t>és</a:t>
-            </a:r>
-            <a:r>
-              <a:rPr lang="en-US" dirty="0"/>
-              <a:t> </a:t>
-            </a:r>
-            <a:r>
-              <a:rPr lang="en-US" dirty="0" err="1"/>
-              <a:t>minden</a:t>
-            </a:r>
-            <a:r>
-              <a:rPr lang="en-US" dirty="0"/>
-              <a:t> </a:t>
-            </a:r>
-            <a:r>
-              <a:rPr lang="en-US" dirty="0" err="1"/>
-              <a:t>frameben</a:t>
-            </a:r>
-            <a:r>
-              <a:rPr lang="en-US" dirty="0"/>
-              <a:t> </a:t>
-            </a:r>
-            <a:r>
-              <a:rPr lang="en-US" dirty="0" err="1"/>
-              <a:t>cserélgeti</a:t>
-            </a:r>
-            <a:r>
-              <a:rPr lang="en-US" dirty="0"/>
-              <a:t> a speed </a:t>
-            </a:r>
-            <a:r>
-              <a:rPr lang="en-US" dirty="0" err="1"/>
-              <a:t>vektor</a:t>
-            </a:r>
-            <a:r>
-              <a:rPr lang="en-US" dirty="0"/>
-              <a:t> </a:t>
-            </a:r>
-            <a:r>
-              <a:rPr lang="en-US" dirty="0" err="1"/>
-              <a:t>irányát</a:t>
-            </a:r>
-            <a:r>
-              <a:rPr lang="en-US" dirty="0"/>
-              <a:t>. </a:t>
-            </a:r>
-            <a:r>
-              <a:rPr lang="en-US" dirty="0" err="1"/>
-              <a:t>Ezt</a:t>
-            </a:r>
-            <a:r>
-              <a:rPr lang="en-US" dirty="0"/>
-              <a:t> meg </a:t>
-            </a:r>
-            <a:r>
-              <a:rPr lang="en-US" dirty="0" err="1"/>
-              <a:t>lehet</a:t>
-            </a:r>
-            <a:r>
-              <a:rPr lang="en-US" dirty="0"/>
-              <a:t> </a:t>
-            </a:r>
-            <a:r>
-              <a:rPr lang="en-US" dirty="0" err="1"/>
-              <a:t>javítani</a:t>
-            </a:r>
-            <a:r>
-              <a:rPr lang="en-US" dirty="0"/>
-              <a:t> bool </a:t>
-            </a:r>
-            <a:r>
-              <a:rPr lang="en-US" dirty="0" err="1"/>
-              <a:t>változóval</a:t>
-            </a:r>
-            <a:r>
-              <a:rPr lang="en-US" dirty="0"/>
-              <a:t> (</a:t>
-            </a:r>
-            <a:r>
-              <a:rPr lang="en-US" dirty="0" err="1"/>
-              <a:t>ellenőrizni</a:t>
-            </a:r>
-            <a:r>
-              <a:rPr lang="en-US" dirty="0"/>
-              <a:t> </a:t>
-            </a:r>
-            <a:r>
-              <a:rPr lang="en-US" dirty="0" err="1"/>
-              <a:t>hogy</a:t>
-            </a:r>
-            <a:r>
-              <a:rPr lang="en-US" dirty="0"/>
               <a:t> </a:t>
             </a:r>
             <a:r>
@@ -4928,55 +5932,15 @@
             </a:r>
             <a:r>
               <a:rPr lang="en-US" dirty="0" err="1"/>
-              <a:t>elhagyta</a:t>
-            </a:r>
-            <a:r>
-              <a:rPr lang="en-US" dirty="0"/>
-              <a:t> a -1.0 </a:t>
-            </a:r>
-            <a:r>
-              <a:rPr lang="en-US" dirty="0" err="1"/>
-              <a:t>padlót</a:t>
-            </a:r>
-            <a:r>
-              <a:rPr lang="en-US" dirty="0"/>
-              <a:t>) </a:t>
-            </a:r>
-            <a:r>
-              <a:rPr lang="en-US" dirty="0" err="1"/>
-              <a:t>illetve</a:t>
-            </a:r>
-            <a:r>
-              <a:rPr lang="en-US" dirty="0"/>
-              <a:t> </a:t>
-            </a:r>
-            <a:r>
-              <a:rPr lang="en-US" dirty="0" err="1"/>
-              <a:t>ütközésnél</a:t>
-            </a:r>
-            <a:r>
-              <a:rPr lang="en-US" dirty="0"/>
-              <a:t> </a:t>
-            </a:r>
-            <a:r>
-              <a:rPr lang="en-US" dirty="0" err="1"/>
-              <a:t>nem</a:t>
-            </a:r>
-            <a:r>
-              <a:rPr lang="en-US" dirty="0"/>
-              <a:t> </a:t>
-            </a:r>
-            <a:r>
-              <a:rPr lang="en-US" dirty="0" err="1"/>
-              <a:t>csak</a:t>
-            </a:r>
-            <a:r>
-              <a:rPr lang="en-US" dirty="0"/>
-              <a:t> </a:t>
-            </a:r>
-            <a:r>
-              <a:rPr lang="en-US" dirty="0" err="1"/>
-              <a:t>megfordítani</a:t>
+              <a:t>doboz</a:t>
+            </a:r>
+            <a:r>
+              <a:rPr lang="en-US" dirty="0"/>
+              <a:t> </a:t>
+            </a:r>
+            <a:r>
+              <a:rPr lang="en-US" dirty="0" err="1"/>
+              <a:t>az</a:t>
             </a:r>
             <a:r>
               <a:rPr lang="en-US" dirty="0"/>
@@ -4984,208 +5948,7 @@
             </a:r>
             <a:r>
               <a:rPr lang="en-US" dirty="0" err="1"/>
-              <a:t>sebességet</a:t>
-            </a:r>
-            <a:r>
-              <a:rPr lang="en-US" dirty="0"/>
-              <a:t> </a:t>
-            </a:r>
-            <a:r>
-              <a:rPr lang="en-US" dirty="0" err="1"/>
-              <a:t>hanem</a:t>
-            </a:r>
-            <a:r>
-              <a:rPr lang="en-US" dirty="0"/>
-              <a:t> -1.0f-re </a:t>
-            </a:r>
-            <a:r>
-              <a:rPr lang="en-US" dirty="0" err="1"/>
-              <a:t>állítani</a:t>
-            </a:r>
-            <a:r>
-              <a:rPr lang="en-US" dirty="0"/>
-              <a:t>  </a:t>
-            </a:r>
-            <a:r>
-              <a:rPr lang="en-US" dirty="0" err="1"/>
-              <a:t>az</a:t>
-            </a:r>
-            <a:r>
-              <a:rPr lang="en-US" dirty="0"/>
-              <a:t> Y </a:t>
-            </a:r>
-            <a:r>
-              <a:rPr lang="en-US" dirty="0" err="1"/>
-              <a:t>irányú</a:t>
-            </a:r>
-            <a:r>
-              <a:rPr lang="en-US" dirty="0"/>
-              <a:t> </a:t>
-            </a:r>
-            <a:r>
-              <a:rPr lang="en-US" dirty="0" err="1"/>
-              <a:t>pozíciót</a:t>
-            </a:r>
-            <a:r>
-              <a:rPr lang="en-US" dirty="0"/>
-              <a:t>.</a:t>
-            </a:r>
-          </a:p>
-          <a:p>
-            <a:endParaRPr lang="en-US" dirty="0"/>
-          </a:p>
-          <a:p>
-            <a:r>
-              <a:rPr lang="en-US" dirty="0"/>
-              <a:t>(5) A ggl001App </a:t>
-            </a:r>
-            <a:r>
-              <a:rPr lang="en-US" dirty="0" err="1"/>
-              <a:t>osztályban</a:t>
-            </a:r>
-            <a:r>
-              <a:rPr lang="en-US" dirty="0"/>
-              <a:t> </a:t>
-            </a:r>
-            <a:r>
-              <a:rPr lang="en-US" dirty="0" err="1"/>
-              <a:t>mindenhol</a:t>
-            </a:r>
-            <a:r>
-              <a:rPr lang="en-US" dirty="0"/>
-              <a:t> </a:t>
-            </a:r>
-            <a:r>
-              <a:rPr lang="en-US" dirty="0" err="1"/>
-              <a:t>ciklusokat</a:t>
-            </a:r>
-            <a:r>
-              <a:rPr lang="en-US" dirty="0"/>
-              <a:t>, Float3::Random() pseudorandom, ha </a:t>
-            </a:r>
-            <a:r>
-              <a:rPr lang="en-US" dirty="0" err="1"/>
-              <a:t>akarsz</a:t>
-            </a:r>
-            <a:r>
-              <a:rPr lang="en-US" dirty="0"/>
-              <a:t> </a:t>
-            </a:r>
-            <a:r>
-              <a:rPr lang="en-US" dirty="0" err="1"/>
-              <a:t>teljesen</a:t>
-            </a:r>
-            <a:r>
-              <a:rPr lang="en-US" dirty="0"/>
-              <a:t> </a:t>
-            </a:r>
-            <a:r>
-              <a:rPr lang="en-US" dirty="0" err="1"/>
-              <a:t>randomot</a:t>
-            </a:r>
-            <a:r>
-              <a:rPr lang="en-US" dirty="0"/>
-              <a:t> </a:t>
-            </a:r>
-            <a:r>
-              <a:rPr lang="en-US" dirty="0" err="1"/>
-              <a:t>akkor</a:t>
-            </a:r>
-            <a:r>
-              <a:rPr lang="en-US" dirty="0"/>
-              <a:t> </a:t>
-            </a:r>
-            <a:r>
-              <a:rPr lang="en-US" dirty="0" err="1"/>
-              <a:t>valahova</a:t>
-            </a:r>
-            <a:r>
-              <a:rPr lang="en-US" dirty="0"/>
-              <a:t> </a:t>
-            </a:r>
-            <a:r>
-              <a:rPr lang="en-US" dirty="0" err="1"/>
-              <a:t>egy</a:t>
-            </a:r>
-            <a:r>
-              <a:rPr lang="en-US" dirty="0"/>
-              <a:t> </a:t>
-            </a:r>
-            <a:r>
-              <a:rPr lang="en-US" dirty="0" err="1"/>
-              <a:t>srand</a:t>
-            </a:r>
-            <a:r>
-              <a:rPr lang="en-US" dirty="0"/>
-              <a:t>(time(NULL));-t </a:t>
-            </a:r>
-            <a:r>
-              <a:rPr lang="en-US" dirty="0" err="1"/>
-              <a:t>hívj</a:t>
-            </a:r>
-            <a:r>
-              <a:rPr lang="en-US" dirty="0"/>
-              <a:t>, </a:t>
-            </a:r>
-            <a:r>
-              <a:rPr lang="en-US" dirty="0" err="1"/>
-              <a:t>lehet</a:t>
-            </a:r>
-            <a:r>
-              <a:rPr lang="en-US" dirty="0"/>
-              <a:t> </a:t>
-            </a:r>
-            <a:r>
-              <a:rPr lang="en-US" dirty="0" err="1"/>
-              <a:t>kell</a:t>
-            </a:r>
-            <a:r>
-              <a:rPr lang="en-US" dirty="0"/>
-              <a:t> </a:t>
-            </a:r>
-            <a:r>
-              <a:rPr lang="en-US" dirty="0" err="1"/>
-              <a:t>hozzá</a:t>
-            </a:r>
-            <a:r>
-              <a:rPr lang="en-US" dirty="0"/>
-              <a:t> </a:t>
-            </a:r>
-            <a:r>
-              <a:rPr lang="en-US" dirty="0" err="1"/>
-              <a:t>majd</a:t>
-            </a:r>
-            <a:r>
-              <a:rPr lang="en-US" dirty="0"/>
-              <a:t> a &lt;</a:t>
-            </a:r>
-            <a:r>
-              <a:rPr lang="en-US" dirty="0" err="1"/>
-              <a:t>ctime</a:t>
-            </a:r>
-            <a:r>
-              <a:rPr lang="en-US" dirty="0"/>
-              <a:t>&gt; </a:t>
-            </a:r>
-            <a:r>
-              <a:rPr lang="en-US" dirty="0" err="1"/>
-              <a:t>és</a:t>
-            </a:r>
-            <a:r>
-              <a:rPr lang="en-US" dirty="0"/>
-              <a:t> a &lt;</a:t>
-            </a:r>
-            <a:r>
-              <a:rPr lang="en-US" dirty="0" err="1"/>
-              <a:t>cstdlib</a:t>
-            </a:r>
-            <a:r>
-              <a:rPr lang="en-US" dirty="0"/>
-              <a:t>&gt; </a:t>
-            </a:r>
-            <a:r>
-              <a:rPr lang="en-US" dirty="0" err="1"/>
-              <a:t>includeok</a:t>
+              <a:t>doboz</a:t>
             </a:r>
             <a:r>
               <a:rPr lang="en-US" dirty="0"/>
@@ -5221,7 +5984,7 @@
     </p:spTree>
     <p:extLst>
       <p:ext uri="{BB962C8B-B14F-4D97-AF65-F5344CB8AC3E}">
-        <p14:creationId xmlns:p14="http://schemas.microsoft.com/office/powerpoint/2010/main" val="3269887215"/>
+        <p14:creationId xmlns:p14="http://schemas.microsoft.com/office/powerpoint/2010/main" val="4234224311"/>
       </p:ext>
     </p:extLst>
   </p:cSld>
@@ -5277,6 +6040,979 @@
           </a:bodyPr>
           <a:lstStyle/>
           <a:p>
+            <a:r>
+              <a:rPr lang="en-US" dirty="0"/>
+              <a:t>(4)-es </a:t>
+            </a:r>
+            <a:r>
+              <a:rPr lang="en-US" dirty="0" err="1"/>
+              <a:t>feladatnál</a:t>
+            </a:r>
+            <a:r>
+              <a:rPr lang="en-US" dirty="0"/>
+              <a:t> ha </a:t>
+            </a:r>
+            <a:r>
+              <a:rPr lang="en-US" dirty="0" err="1"/>
+              <a:t>leírtál</a:t>
+            </a:r>
+            <a:r>
+              <a:rPr lang="en-US" dirty="0"/>
+              <a:t> </a:t>
+            </a:r>
+            <a:r>
+              <a:rPr lang="en-US" dirty="0" err="1"/>
+              <a:t>egy</a:t>
+            </a:r>
+            <a:r>
+              <a:rPr lang="en-US" dirty="0"/>
+              <a:t> </a:t>
+            </a:r>
+            <a:r>
+              <a:rPr lang="en-US" dirty="0" err="1"/>
+              <a:t>olyat</a:t>
+            </a:r>
+            <a:r>
+              <a:rPr lang="en-US" dirty="0"/>
+              <a:t>, </a:t>
+            </a:r>
+            <a:r>
+              <a:rPr lang="en-US" dirty="0" err="1"/>
+              <a:t>hogy</a:t>
+            </a:r>
+            <a:r>
+              <a:rPr lang="en-US" dirty="0"/>
+              <a:t> if(</a:t>
+            </a:r>
+            <a:r>
+              <a:rPr lang="en-US" dirty="0" err="1"/>
+              <a:t>pos.y</a:t>
+            </a:r>
+            <a:r>
+              <a:rPr lang="en-US" dirty="0"/>
+              <a:t> &lt; -1.0) speed = -speed; </a:t>
+            </a:r>
+            <a:r>
+              <a:rPr lang="en-US" dirty="0" err="1"/>
+              <a:t>akkor</a:t>
+            </a:r>
+            <a:r>
+              <a:rPr lang="en-US" dirty="0"/>
+              <a:t> </a:t>
+            </a:r>
+            <a:r>
+              <a:rPr lang="en-US" dirty="0" err="1"/>
+              <a:t>ez</a:t>
+            </a:r>
+            <a:r>
+              <a:rPr lang="en-US" dirty="0"/>
+              <a:t> </a:t>
+            </a:r>
+            <a:r>
+              <a:rPr lang="en-US" dirty="0" err="1"/>
+              <a:t>simán</a:t>
+            </a:r>
+            <a:r>
+              <a:rPr lang="en-US" dirty="0"/>
+              <a:t> </a:t>
+            </a:r>
+            <a:r>
+              <a:rPr lang="en-US" dirty="0" err="1"/>
+              <a:t>beakadhat</a:t>
+            </a:r>
+            <a:r>
+              <a:rPr lang="en-US" dirty="0"/>
+              <a:t> -1 </a:t>
+            </a:r>
+            <a:r>
+              <a:rPr lang="en-US" dirty="0" err="1"/>
+              <a:t>alá</a:t>
+            </a:r>
+            <a:r>
+              <a:rPr lang="en-US" dirty="0"/>
+              <a:t> </a:t>
+            </a:r>
+            <a:r>
+              <a:rPr lang="en-US" dirty="0" err="1"/>
+              <a:t>és</a:t>
+            </a:r>
+            <a:r>
+              <a:rPr lang="en-US" dirty="0"/>
+              <a:t> </a:t>
+            </a:r>
+            <a:r>
+              <a:rPr lang="en-US" dirty="0" err="1"/>
+              <a:t>minden</a:t>
+            </a:r>
+            <a:r>
+              <a:rPr lang="en-US" dirty="0"/>
+              <a:t> </a:t>
+            </a:r>
+            <a:r>
+              <a:rPr lang="en-US" dirty="0" err="1"/>
+              <a:t>frameben</a:t>
+            </a:r>
+            <a:r>
+              <a:rPr lang="en-US" dirty="0"/>
+              <a:t> </a:t>
+            </a:r>
+            <a:r>
+              <a:rPr lang="en-US" dirty="0" err="1"/>
+              <a:t>cserélgeti</a:t>
+            </a:r>
+            <a:r>
+              <a:rPr lang="en-US" dirty="0"/>
+              <a:t> a speed </a:t>
+            </a:r>
+            <a:r>
+              <a:rPr lang="en-US" dirty="0" err="1"/>
+              <a:t>vektor</a:t>
+            </a:r>
+            <a:r>
+              <a:rPr lang="en-US" dirty="0"/>
+              <a:t> </a:t>
+            </a:r>
+            <a:r>
+              <a:rPr lang="en-US" dirty="0" err="1"/>
+              <a:t>irányát</a:t>
+            </a:r>
+            <a:r>
+              <a:rPr lang="en-US" dirty="0"/>
+              <a:t>. </a:t>
+            </a:r>
+            <a:r>
+              <a:rPr lang="en-US" dirty="0" err="1"/>
+              <a:t>Ezt</a:t>
+            </a:r>
+            <a:r>
+              <a:rPr lang="en-US" dirty="0"/>
+              <a:t> meg </a:t>
+            </a:r>
+            <a:r>
+              <a:rPr lang="en-US" dirty="0" err="1"/>
+              <a:t>lehet</a:t>
+            </a:r>
+            <a:r>
+              <a:rPr lang="en-US" dirty="0"/>
+              <a:t> </a:t>
+            </a:r>
+            <a:r>
+              <a:rPr lang="en-US" dirty="0" err="1"/>
+              <a:t>javítani</a:t>
+            </a:r>
+            <a:r>
+              <a:rPr lang="en-US" dirty="0"/>
+              <a:t> bool </a:t>
+            </a:r>
+            <a:r>
+              <a:rPr lang="en-US" dirty="0" err="1"/>
+              <a:t>változóval</a:t>
+            </a:r>
+            <a:r>
+              <a:rPr lang="en-US" dirty="0"/>
+              <a:t> (</a:t>
+            </a:r>
+            <a:r>
+              <a:rPr lang="en-US" dirty="0" err="1"/>
+              <a:t>ellenőrizni</a:t>
+            </a:r>
+            <a:r>
+              <a:rPr lang="en-US" dirty="0"/>
+              <a:t> </a:t>
+            </a:r>
+            <a:r>
+              <a:rPr lang="en-US" dirty="0" err="1"/>
+              <a:t>hogy</a:t>
+            </a:r>
+            <a:r>
+              <a:rPr lang="en-US" dirty="0"/>
+              <a:t> </a:t>
+            </a:r>
+            <a:r>
+              <a:rPr lang="en-US" dirty="0" err="1"/>
+              <a:t>tényleg</a:t>
+            </a:r>
+            <a:r>
+              <a:rPr lang="en-US" dirty="0"/>
+              <a:t> </a:t>
+            </a:r>
+            <a:r>
+              <a:rPr lang="en-US" dirty="0" err="1"/>
+              <a:t>elhagyta</a:t>
+            </a:r>
+            <a:r>
+              <a:rPr lang="en-US" dirty="0"/>
+              <a:t> a -1.0 </a:t>
+            </a:r>
+            <a:r>
+              <a:rPr lang="en-US" dirty="0" err="1"/>
+              <a:t>padlót</a:t>
+            </a:r>
+            <a:r>
+              <a:rPr lang="en-US" dirty="0"/>
+              <a:t>) </a:t>
+            </a:r>
+            <a:r>
+              <a:rPr lang="en-US" dirty="0" err="1"/>
+              <a:t>illetve</a:t>
+            </a:r>
+            <a:r>
+              <a:rPr lang="en-US" dirty="0"/>
+              <a:t> </a:t>
+            </a:r>
+            <a:r>
+              <a:rPr lang="en-US" dirty="0" err="1"/>
+              <a:t>ütközésnél</a:t>
+            </a:r>
+            <a:r>
+              <a:rPr lang="en-US" dirty="0"/>
+              <a:t> </a:t>
+            </a:r>
+            <a:r>
+              <a:rPr lang="en-US" dirty="0" err="1"/>
+              <a:t>nem</a:t>
+            </a:r>
+            <a:r>
+              <a:rPr lang="en-US" dirty="0"/>
+              <a:t> </a:t>
+            </a:r>
+            <a:r>
+              <a:rPr lang="en-US" dirty="0" err="1"/>
+              <a:t>csak</a:t>
+            </a:r>
+            <a:r>
+              <a:rPr lang="en-US" dirty="0"/>
+              <a:t> </a:t>
+            </a:r>
+            <a:r>
+              <a:rPr lang="en-US" dirty="0" err="1"/>
+              <a:t>megfordítani</a:t>
+            </a:r>
+            <a:r>
+              <a:rPr lang="en-US" dirty="0"/>
+              <a:t> a </a:t>
+            </a:r>
+            <a:r>
+              <a:rPr lang="en-US" dirty="0" err="1"/>
+              <a:t>sebességet</a:t>
+            </a:r>
+            <a:r>
+              <a:rPr lang="en-US" dirty="0"/>
+              <a:t> </a:t>
+            </a:r>
+            <a:r>
+              <a:rPr lang="en-US" dirty="0" err="1"/>
+              <a:t>hanem</a:t>
+            </a:r>
+            <a:r>
+              <a:rPr lang="en-US" dirty="0"/>
+              <a:t> -1.0f-re </a:t>
+            </a:r>
+            <a:r>
+              <a:rPr lang="en-US" dirty="0" err="1"/>
+              <a:t>állítani</a:t>
+            </a:r>
+            <a:r>
+              <a:rPr lang="en-US" dirty="0"/>
+              <a:t>  </a:t>
+            </a:r>
+            <a:r>
+              <a:rPr lang="en-US" dirty="0" err="1"/>
+              <a:t>az</a:t>
+            </a:r>
+            <a:r>
+              <a:rPr lang="en-US" dirty="0"/>
+              <a:t> Y </a:t>
+            </a:r>
+            <a:r>
+              <a:rPr lang="en-US" dirty="0" err="1"/>
+              <a:t>irányú</a:t>
+            </a:r>
+            <a:r>
+              <a:rPr lang="en-US" dirty="0"/>
+              <a:t> </a:t>
+            </a:r>
+            <a:r>
+              <a:rPr lang="en-US" dirty="0" err="1"/>
+              <a:t>pozíciót</a:t>
+            </a:r>
+            <a:r>
+              <a:rPr lang="en-US" dirty="0"/>
+              <a:t>.</a:t>
+            </a:r>
+          </a:p>
+          <a:p>
+            <a:endParaRPr lang="en-US" dirty="0"/>
+          </a:p>
+          <a:p>
+            <a:r>
+              <a:rPr lang="en-US" dirty="0"/>
+              <a:t>(5) A ggl001App </a:t>
+            </a:r>
+            <a:r>
+              <a:rPr lang="en-US" dirty="0" err="1"/>
+              <a:t>osztályban</a:t>
+            </a:r>
+            <a:r>
+              <a:rPr lang="en-US" dirty="0"/>
+              <a:t> </a:t>
+            </a:r>
+            <a:r>
+              <a:rPr lang="en-US" dirty="0" err="1"/>
+              <a:t>mindenhol</a:t>
+            </a:r>
+            <a:r>
+              <a:rPr lang="en-US" dirty="0"/>
+              <a:t> </a:t>
+            </a:r>
+            <a:r>
+              <a:rPr lang="en-US" dirty="0" err="1"/>
+              <a:t>ciklusokat</a:t>
+            </a:r>
+            <a:r>
+              <a:rPr lang="en-US" dirty="0"/>
+              <a:t>, Float3::Random() pseudorandom, ha </a:t>
+            </a:r>
+            <a:r>
+              <a:rPr lang="en-US" dirty="0" err="1"/>
+              <a:t>akarsz</a:t>
+            </a:r>
+            <a:r>
+              <a:rPr lang="en-US" dirty="0"/>
+              <a:t> “</a:t>
+            </a:r>
+            <a:r>
+              <a:rPr lang="en-US" dirty="0" err="1"/>
+              <a:t>teljesen</a:t>
+            </a:r>
+            <a:r>
+              <a:rPr lang="en-US" dirty="0"/>
+              <a:t>” </a:t>
+            </a:r>
+            <a:r>
+              <a:rPr lang="en-US" dirty="0" err="1"/>
+              <a:t>randomot</a:t>
+            </a:r>
+            <a:r>
+              <a:rPr lang="en-US" dirty="0"/>
+              <a:t> </a:t>
+            </a:r>
+            <a:r>
+              <a:rPr lang="en-US" dirty="0" err="1"/>
+              <a:t>akkor</a:t>
+            </a:r>
+            <a:r>
+              <a:rPr lang="en-US" dirty="0"/>
+              <a:t> </a:t>
+            </a:r>
+            <a:r>
+              <a:rPr lang="en-US" dirty="0" err="1"/>
+              <a:t>valahol</a:t>
+            </a:r>
+            <a:r>
+              <a:rPr lang="en-US" dirty="0"/>
+              <a:t> </a:t>
+            </a:r>
+            <a:r>
+              <a:rPr lang="en-US" dirty="0" err="1"/>
+              <a:t>egy</a:t>
+            </a:r>
+            <a:r>
+              <a:rPr lang="en-US" dirty="0"/>
+              <a:t> </a:t>
+            </a:r>
+            <a:r>
+              <a:rPr lang="en-US" dirty="0" err="1"/>
+              <a:t>srand</a:t>
+            </a:r>
+            <a:r>
+              <a:rPr lang="en-US" dirty="0"/>
+              <a:t>(time(NULL));-t </a:t>
+            </a:r>
+            <a:r>
+              <a:rPr lang="en-US" dirty="0" err="1"/>
+              <a:t>hívj</a:t>
+            </a:r>
+            <a:r>
+              <a:rPr lang="en-US" dirty="0"/>
+              <a:t>, </a:t>
+            </a:r>
+            <a:r>
+              <a:rPr lang="en-US" dirty="0" err="1"/>
+              <a:t>lehet</a:t>
+            </a:r>
+            <a:r>
+              <a:rPr lang="en-US" dirty="0"/>
+              <a:t> </a:t>
+            </a:r>
+            <a:r>
+              <a:rPr lang="en-US" dirty="0" err="1"/>
+              <a:t>kell</a:t>
+            </a:r>
+            <a:r>
+              <a:rPr lang="en-US" dirty="0"/>
+              <a:t> </a:t>
+            </a:r>
+            <a:r>
+              <a:rPr lang="en-US" dirty="0" err="1"/>
+              <a:t>hozzá</a:t>
+            </a:r>
+            <a:r>
+              <a:rPr lang="en-US" dirty="0"/>
+              <a:t> </a:t>
+            </a:r>
+            <a:r>
+              <a:rPr lang="en-US" dirty="0" err="1"/>
+              <a:t>majd</a:t>
+            </a:r>
+            <a:r>
+              <a:rPr lang="en-US" dirty="0"/>
+              <a:t> a &lt;</a:t>
+            </a:r>
+            <a:r>
+              <a:rPr lang="en-US" dirty="0" err="1"/>
+              <a:t>ctime</a:t>
+            </a:r>
+            <a:r>
+              <a:rPr lang="en-US" dirty="0"/>
+              <a:t>&gt; </a:t>
+            </a:r>
+            <a:r>
+              <a:rPr lang="en-US" dirty="0" err="1"/>
+              <a:t>és</a:t>
+            </a:r>
+            <a:r>
+              <a:rPr lang="en-US" dirty="0"/>
+              <a:t> a &lt;</a:t>
+            </a:r>
+            <a:r>
+              <a:rPr lang="en-US" dirty="0" err="1"/>
+              <a:t>cstdlib</a:t>
+            </a:r>
+            <a:r>
+              <a:rPr lang="en-US" dirty="0"/>
+              <a:t>&gt; </a:t>
+            </a:r>
+            <a:r>
+              <a:rPr lang="en-US" dirty="0" err="1"/>
+              <a:t>includeok</a:t>
+            </a:r>
+            <a:r>
+              <a:rPr lang="en-US" dirty="0"/>
+              <a:t>.</a:t>
+            </a:r>
+          </a:p>
+          <a:p>
+            <a:endParaRPr lang="en-US" dirty="0"/>
+          </a:p>
+          <a:p>
+            <a:r>
+              <a:rPr lang="en-US" dirty="0" err="1"/>
+              <a:t>Kitérő</a:t>
+            </a:r>
+            <a:r>
+              <a:rPr lang="en-US" dirty="0"/>
+              <a:t> (4)-es </a:t>
+            </a:r>
+            <a:r>
+              <a:rPr lang="en-US" dirty="0" err="1"/>
+              <a:t>feladathoz</a:t>
+            </a:r>
+            <a:r>
+              <a:rPr lang="en-US" dirty="0"/>
+              <a:t>:</a:t>
+            </a:r>
+          </a:p>
+          <a:p>
+            <a:r>
+              <a:rPr lang="en-US" dirty="0" err="1"/>
+              <a:t>Nézd</a:t>
+            </a:r>
+            <a:r>
+              <a:rPr lang="en-US" dirty="0"/>
+              <a:t> meg mi </a:t>
+            </a:r>
+            <a:r>
+              <a:rPr lang="en-US" dirty="0" err="1"/>
+              <a:t>történik</a:t>
+            </a:r>
+            <a:r>
+              <a:rPr lang="en-US" dirty="0"/>
+              <a:t>, ha </a:t>
+            </a:r>
+            <a:r>
+              <a:rPr lang="en-US" dirty="0" err="1"/>
+              <a:t>mondjuk</a:t>
+            </a:r>
+            <a:r>
+              <a:rPr lang="en-US" dirty="0"/>
+              <a:t> 2-3 </a:t>
+            </a:r>
+            <a:r>
+              <a:rPr lang="en-US" dirty="0" err="1"/>
+              <a:t>másodpercig</a:t>
+            </a:r>
+            <a:r>
+              <a:rPr lang="en-US" dirty="0"/>
+              <a:t> </a:t>
+            </a:r>
+            <a:r>
+              <a:rPr lang="en-US" dirty="0" err="1"/>
+              <a:t>mozgatod</a:t>
+            </a:r>
+            <a:r>
+              <a:rPr lang="en-US" dirty="0"/>
+              <a:t> </a:t>
+            </a:r>
+            <a:r>
+              <a:rPr lang="en-US" dirty="0" err="1"/>
+              <a:t>az</a:t>
+            </a:r>
+            <a:r>
+              <a:rPr lang="en-US" dirty="0"/>
+              <a:t> </a:t>
+            </a:r>
+            <a:r>
+              <a:rPr lang="en-US" dirty="0" err="1"/>
+              <a:t>ablakot</a:t>
+            </a:r>
+            <a:r>
+              <a:rPr lang="en-US" dirty="0"/>
+              <a:t> a </a:t>
+            </a:r>
+            <a:r>
+              <a:rPr lang="en-US" dirty="0" err="1"/>
+              <a:t>fejlécénél</a:t>
+            </a:r>
+            <a:r>
+              <a:rPr lang="en-US" dirty="0"/>
+              <a:t> </a:t>
+            </a:r>
+            <a:r>
+              <a:rPr lang="en-US" dirty="0" err="1"/>
+              <a:t>fogva</a:t>
+            </a:r>
+            <a:r>
+              <a:rPr lang="en-US" dirty="0"/>
+              <a:t> (</a:t>
+            </a:r>
+            <a:r>
+              <a:rPr lang="en-US" dirty="0" err="1"/>
+              <a:t>vagy</a:t>
+            </a:r>
+            <a:r>
+              <a:rPr lang="en-US" dirty="0"/>
+              <a:t> </a:t>
+            </a:r>
+            <a:r>
+              <a:rPr lang="en-US" dirty="0" err="1"/>
+              <a:t>pedig</a:t>
+            </a:r>
+            <a:r>
+              <a:rPr lang="en-US" dirty="0"/>
+              <a:t> </a:t>
+            </a:r>
+            <a:r>
+              <a:rPr lang="en-US" dirty="0" err="1"/>
+              <a:t>sok</a:t>
+            </a:r>
+            <a:r>
+              <a:rPr lang="en-US" dirty="0"/>
+              <a:t> </a:t>
+            </a:r>
+            <a:r>
+              <a:rPr lang="en-US" dirty="0" err="1"/>
+              <a:t>ideig</a:t>
+            </a:r>
+            <a:r>
+              <a:rPr lang="en-US" dirty="0"/>
+              <a:t> </a:t>
+            </a:r>
+            <a:r>
+              <a:rPr lang="en-US" dirty="0" err="1"/>
+              <a:t>méretezed</a:t>
+            </a:r>
+            <a:r>
+              <a:rPr lang="en-US" dirty="0"/>
+              <a:t>, </a:t>
+            </a:r>
+            <a:r>
+              <a:rPr lang="en-US" dirty="0" err="1"/>
+              <a:t>anélkül</a:t>
+            </a:r>
+            <a:r>
+              <a:rPr lang="en-US" dirty="0"/>
+              <a:t> </a:t>
+            </a:r>
+            <a:r>
+              <a:rPr lang="en-US" dirty="0" err="1"/>
+              <a:t>hogy</a:t>
+            </a:r>
+            <a:r>
+              <a:rPr lang="en-US" dirty="0"/>
+              <a:t> </a:t>
+            </a:r>
+            <a:r>
+              <a:rPr lang="en-US" dirty="0" err="1"/>
+              <a:t>elengednéd</a:t>
+            </a:r>
+            <a:r>
+              <a:rPr lang="en-US" dirty="0"/>
+              <a:t> a </a:t>
+            </a:r>
+            <a:r>
+              <a:rPr lang="en-US" dirty="0" err="1"/>
+              <a:t>bal</a:t>
+            </a:r>
+            <a:r>
+              <a:rPr lang="en-US" dirty="0"/>
+              <a:t> </a:t>
+            </a:r>
+            <a:r>
+              <a:rPr lang="en-US" dirty="0" err="1"/>
+              <a:t>egérgombot</a:t>
+            </a:r>
+            <a:r>
+              <a:rPr lang="en-US" dirty="0"/>
+              <a:t>).</a:t>
+            </a:r>
+          </a:p>
+          <a:p>
+            <a:endParaRPr lang="en-US" dirty="0"/>
+          </a:p>
+          <a:p>
+            <a:r>
+              <a:rPr lang="en-US" dirty="0"/>
+              <a:t>Az </a:t>
+            </a:r>
+            <a:r>
+              <a:rPr lang="en-US" dirty="0" err="1"/>
+              <a:t>ablakunk</a:t>
+            </a:r>
+            <a:r>
+              <a:rPr lang="en-US" dirty="0"/>
+              <a:t> </a:t>
+            </a:r>
+            <a:r>
+              <a:rPr lang="en-US" dirty="0" err="1"/>
+              <a:t>ekkor</a:t>
+            </a:r>
+            <a:r>
+              <a:rPr lang="en-US" dirty="0"/>
+              <a:t> </a:t>
+            </a:r>
+            <a:r>
+              <a:rPr lang="en-US" dirty="0" err="1"/>
+              <a:t>folyamatosan</a:t>
+            </a:r>
+            <a:r>
+              <a:rPr lang="en-US" dirty="0"/>
+              <a:t> </a:t>
+            </a:r>
+            <a:r>
+              <a:rPr lang="en-US" dirty="0" err="1"/>
+              <a:t>kapja</a:t>
+            </a:r>
+            <a:r>
+              <a:rPr lang="en-US" dirty="0"/>
+              <a:t> a WM_MOVE (</a:t>
+            </a:r>
+            <a:r>
+              <a:rPr lang="en-US" dirty="0" err="1"/>
+              <a:t>vagy</a:t>
+            </a:r>
+            <a:r>
+              <a:rPr lang="en-US" dirty="0"/>
+              <a:t> WM_SIZING, WM_SIZE) </a:t>
+            </a:r>
+            <a:r>
+              <a:rPr lang="en-US" dirty="0" err="1"/>
+              <a:t>üzeneteket</a:t>
+            </a:r>
+            <a:r>
+              <a:rPr lang="en-US" dirty="0"/>
+              <a:t> </a:t>
+            </a:r>
+            <a:r>
+              <a:rPr lang="en-US" dirty="0" err="1"/>
+              <a:t>és</a:t>
+            </a:r>
+            <a:r>
+              <a:rPr lang="en-US" dirty="0"/>
+              <a:t> </a:t>
+            </a:r>
+            <a:r>
+              <a:rPr lang="en-US" dirty="0" err="1"/>
+              <a:t>nem</a:t>
+            </a:r>
+            <a:r>
+              <a:rPr lang="en-US" dirty="0"/>
+              <a:t> </a:t>
+            </a:r>
+            <a:r>
+              <a:rPr lang="en-US" dirty="0" err="1"/>
+              <a:t>kerül</a:t>
+            </a:r>
+            <a:r>
+              <a:rPr lang="en-US" dirty="0"/>
+              <a:t> frame </a:t>
+            </a:r>
+            <a:r>
+              <a:rPr lang="en-US" dirty="0" err="1"/>
+              <a:t>kirajzolásra</a:t>
+            </a:r>
+            <a:r>
+              <a:rPr lang="en-US" dirty="0"/>
+              <a:t>, </a:t>
+            </a:r>
+            <a:r>
+              <a:rPr lang="en-US" dirty="0" err="1"/>
+              <a:t>viszont</a:t>
+            </a:r>
+            <a:r>
+              <a:rPr lang="en-US" dirty="0"/>
+              <a:t> </a:t>
+            </a:r>
+            <a:r>
+              <a:rPr lang="en-US" dirty="0" err="1"/>
+              <a:t>az</a:t>
+            </a:r>
+            <a:r>
+              <a:rPr lang="en-US" dirty="0"/>
+              <a:t> </a:t>
+            </a:r>
+            <a:r>
+              <a:rPr lang="en-US" dirty="0" err="1"/>
+              <a:t>idő</a:t>
+            </a:r>
+            <a:r>
+              <a:rPr lang="en-US" dirty="0"/>
+              <a:t> </a:t>
+            </a:r>
+            <a:r>
+              <a:rPr lang="en-US" dirty="0" err="1"/>
+              <a:t>telik</a:t>
+            </a:r>
+            <a:r>
+              <a:rPr lang="en-US" dirty="0"/>
+              <a:t>, </a:t>
+            </a:r>
+            <a:r>
+              <a:rPr lang="en-US" dirty="0" err="1"/>
+              <a:t>lesz</a:t>
+            </a:r>
+            <a:r>
+              <a:rPr lang="en-US" dirty="0"/>
+              <a:t> </a:t>
+            </a:r>
+            <a:r>
+              <a:rPr lang="en-US" dirty="0" err="1"/>
+              <a:t>egy</a:t>
+            </a:r>
+            <a:r>
+              <a:rPr lang="en-US" dirty="0"/>
+              <a:t> </a:t>
+            </a:r>
+            <a:r>
+              <a:rPr lang="en-US" dirty="0" err="1"/>
+              <a:t>nagy</a:t>
+            </a:r>
+            <a:r>
+              <a:rPr lang="en-US" dirty="0"/>
+              <a:t> DT </a:t>
+            </a:r>
+            <a:r>
+              <a:rPr lang="en-US" dirty="0" err="1"/>
+              <a:t>értékünk</a:t>
+            </a:r>
+            <a:r>
+              <a:rPr lang="en-US" dirty="0"/>
+              <a:t>, </a:t>
+            </a:r>
+            <a:r>
+              <a:rPr lang="en-US" dirty="0" err="1"/>
+              <a:t>ami</a:t>
+            </a:r>
+            <a:r>
+              <a:rPr lang="en-US" dirty="0"/>
+              <a:t> </a:t>
+            </a:r>
+            <a:r>
+              <a:rPr lang="en-US" dirty="0" err="1"/>
+              <a:t>miatt</a:t>
+            </a:r>
+            <a:r>
+              <a:rPr lang="en-US" dirty="0"/>
+              <a:t> a </a:t>
+            </a:r>
+            <a:r>
+              <a:rPr lang="en-US" dirty="0" err="1"/>
+              <a:t>sebesség</a:t>
+            </a:r>
+            <a:r>
+              <a:rPr lang="en-US" dirty="0"/>
+              <a:t> </a:t>
+            </a:r>
+            <a:r>
+              <a:rPr lang="en-US" dirty="0" err="1"/>
+              <a:t>túl</a:t>
+            </a:r>
+            <a:r>
+              <a:rPr lang="en-US" dirty="0"/>
+              <a:t> </a:t>
+            </a:r>
+            <a:r>
+              <a:rPr lang="en-US" dirty="0" err="1"/>
+              <a:t>nagyot</a:t>
+            </a:r>
+            <a:r>
+              <a:rPr lang="en-US" dirty="0"/>
+              <a:t> </a:t>
+            </a:r>
+            <a:r>
+              <a:rPr lang="en-US" dirty="0" err="1"/>
+              <a:t>változik</a:t>
+            </a:r>
+            <a:r>
+              <a:rPr lang="en-US" dirty="0"/>
+              <a:t>. </a:t>
+            </a:r>
+            <a:r>
+              <a:rPr lang="en-US" dirty="0" err="1"/>
+              <a:t>Ezeket</a:t>
+            </a:r>
+            <a:r>
+              <a:rPr lang="en-US" dirty="0"/>
+              <a:t> a </a:t>
+            </a:r>
+            <a:r>
+              <a:rPr lang="en-US" dirty="0" err="1"/>
+              <a:t>hibákat</a:t>
+            </a:r>
+            <a:r>
+              <a:rPr lang="en-US" dirty="0"/>
+              <a:t> </a:t>
+            </a:r>
+            <a:r>
+              <a:rPr lang="en-US" dirty="0" err="1"/>
+              <a:t>nem</a:t>
+            </a:r>
+            <a:r>
+              <a:rPr lang="en-US" dirty="0"/>
+              <a:t> </a:t>
+            </a:r>
+            <a:r>
+              <a:rPr lang="en-US" dirty="0" err="1"/>
+              <a:t>kell</a:t>
+            </a:r>
+            <a:r>
+              <a:rPr lang="en-US" dirty="0"/>
+              <a:t> </a:t>
+            </a:r>
+            <a:r>
+              <a:rPr lang="en-US" dirty="0" err="1"/>
+              <a:t>javítanod</a:t>
+            </a:r>
+            <a:r>
+              <a:rPr lang="en-US" dirty="0"/>
+              <a:t>, </a:t>
+            </a:r>
+            <a:r>
+              <a:rPr lang="en-US" dirty="0" err="1"/>
+              <a:t>ugyanis</a:t>
+            </a:r>
+            <a:r>
+              <a:rPr lang="en-US" dirty="0"/>
+              <a:t> </a:t>
+            </a:r>
+            <a:r>
+              <a:rPr lang="en-US" dirty="0" err="1"/>
+              <a:t>ez</a:t>
+            </a:r>
+            <a:r>
+              <a:rPr lang="en-US" dirty="0"/>
+              <a:t> a </a:t>
+            </a:r>
+            <a:r>
+              <a:rPr lang="en-US" dirty="0" err="1"/>
+              <a:t>WinAPI</a:t>
+            </a:r>
+            <a:r>
+              <a:rPr lang="en-US" dirty="0"/>
+              <a:t> </a:t>
+            </a:r>
+            <a:r>
+              <a:rPr lang="en-US" dirty="0" err="1"/>
+              <a:t>kezelésünk</a:t>
+            </a:r>
+            <a:r>
+              <a:rPr lang="en-US" dirty="0"/>
+              <a:t> </a:t>
+            </a:r>
+            <a:r>
+              <a:rPr lang="en-US" dirty="0" err="1"/>
+              <a:t>hibája</a:t>
+            </a:r>
+            <a:r>
+              <a:rPr lang="en-US" dirty="0"/>
+              <a:t>. A </a:t>
+            </a:r>
+            <a:r>
+              <a:rPr lang="en-US" dirty="0" err="1"/>
+              <a:t>következő</a:t>
+            </a:r>
+            <a:r>
+              <a:rPr lang="en-US" dirty="0"/>
+              <a:t> </a:t>
+            </a:r>
+            <a:r>
+              <a:rPr lang="en-US" dirty="0" err="1"/>
+              <a:t>laboron</a:t>
+            </a:r>
+            <a:r>
+              <a:rPr lang="en-US" dirty="0"/>
+              <a:t> </a:t>
+            </a:r>
+            <a:r>
+              <a:rPr lang="en-US" dirty="0" err="1"/>
+              <a:t>kiadott</a:t>
+            </a:r>
+            <a:r>
+              <a:rPr lang="en-US" dirty="0"/>
+              <a:t> </a:t>
+            </a:r>
+            <a:r>
+              <a:rPr lang="en-US" dirty="0" err="1"/>
+              <a:t>projekt</a:t>
+            </a:r>
+            <a:r>
+              <a:rPr lang="en-US" dirty="0"/>
+              <a:t> </a:t>
+            </a:r>
+            <a:r>
+              <a:rPr lang="en-US" dirty="0" err="1"/>
+              <a:t>már</a:t>
+            </a:r>
+            <a:r>
+              <a:rPr lang="en-US" dirty="0"/>
+              <a:t> fog </a:t>
+            </a:r>
+            <a:r>
+              <a:rPr lang="en-US" dirty="0" err="1"/>
+              <a:t>erre</a:t>
+            </a:r>
+            <a:r>
+              <a:rPr lang="en-US" dirty="0"/>
+              <a:t> </a:t>
+            </a:r>
+            <a:r>
+              <a:rPr lang="en-US" dirty="0" err="1"/>
+              <a:t>figyelni</a:t>
+            </a:r>
+            <a:r>
+              <a:rPr lang="en-US"/>
+              <a:t>.</a:t>
+            </a:r>
             <a:endParaRPr lang="en-US" dirty="0"/>
           </a:p>
         </p:txBody>
@@ -5308,7 +7044,7 @@
     </p:spTree>
     <p:extLst>
       <p:ext uri="{BB962C8B-B14F-4D97-AF65-F5344CB8AC3E}">
-        <p14:creationId xmlns:p14="http://schemas.microsoft.com/office/powerpoint/2010/main" val="1618415315"/>
+        <p14:creationId xmlns:p14="http://schemas.microsoft.com/office/powerpoint/2010/main" val="3269887215"/>
       </p:ext>
     </p:extLst>
   </p:cSld>
@@ -6153,51 +7889,6 @@
           </a:bodyPr>
           <a:lstStyle/>
           <a:p>
-            <a:r>
-              <a:rPr lang="en-US" dirty="0" err="1"/>
-              <a:t>Pirossal</a:t>
-            </a:r>
-            <a:r>
-              <a:rPr lang="en-US" dirty="0"/>
-              <a:t> </a:t>
-            </a:r>
-            <a:r>
-              <a:rPr lang="en-US" dirty="0" err="1"/>
-              <a:t>szedett</a:t>
-            </a:r>
-            <a:r>
-              <a:rPr lang="en-US" dirty="0"/>
-              <a:t> </a:t>
-            </a:r>
-            <a:r>
-              <a:rPr lang="en-US" dirty="0" err="1"/>
-              <a:t>kód</a:t>
-            </a:r>
-            <a:r>
-              <a:rPr lang="en-US" dirty="0"/>
-              <a:t> </a:t>
-            </a:r>
-            <a:r>
-              <a:rPr lang="en-US" dirty="0" err="1"/>
-              <a:t>mehet</a:t>
-            </a:r>
-            <a:r>
-              <a:rPr lang="en-US" dirty="0"/>
-              <a:t> a </a:t>
-            </a:r>
-            <a:r>
-              <a:rPr lang="en-US" dirty="0" err="1"/>
-              <a:t>kukába</a:t>
-            </a:r>
-            <a:r>
-              <a:rPr lang="en-US" dirty="0"/>
-              <a:t>.</a:t>
-            </a:r>
-          </a:p>
-          <a:p>
-            <a:endParaRPr lang="en-US" dirty="0"/>
-          </a:p>
-          <a:p>
             <a:endParaRPr lang="en-US" dirty="0"/>
           </a:p>
         </p:txBody>
@@ -6229,7 +7920,7 @@
     </p:spTree>
     <p:extLst>
       <p:ext uri="{BB962C8B-B14F-4D97-AF65-F5344CB8AC3E}">
-        <p14:creationId xmlns:p14="http://schemas.microsoft.com/office/powerpoint/2010/main" val="3363435510"/>
+        <p14:creationId xmlns:p14="http://schemas.microsoft.com/office/powerpoint/2010/main" val="1618415315"/>
       </p:ext>
     </p:extLst>
   </p:cSld>
@@ -6287,48 +7978,46 @@
           <a:p>
             <a:r>
               <a:rPr lang="en-US" dirty="0" err="1"/>
-              <a:t>Itt</a:t>
-            </a:r>
-            <a:r>
-              <a:rPr lang="en-US" dirty="0"/>
-              <a:t> </a:t>
-            </a:r>
-            <a:r>
-              <a:rPr lang="en-US" dirty="0" err="1"/>
-              <a:t>az</a:t>
-            </a:r>
-            <a:r>
-              <a:rPr lang="en-US" dirty="0"/>
-              <a:t> </a:t>
-            </a:r>
-            <a:r>
-              <a:rPr lang="en-US" dirty="0" err="1"/>
-              <a:t>egész</a:t>
-            </a:r>
-            <a:r>
-              <a:rPr lang="en-US" dirty="0"/>
-              <a:t> </a:t>
-            </a:r>
-            <a:r>
-              <a:rPr lang="en-US" dirty="0" err="1"/>
-              <a:t>függvény</a:t>
-            </a:r>
-            <a:r>
-              <a:rPr lang="en-US" dirty="0"/>
-              <a:t> </a:t>
-            </a:r>
-            <a:r>
-              <a:rPr lang="en-US" dirty="0" err="1"/>
-              <a:t>ennyire</a:t>
-            </a:r>
-            <a:r>
-              <a:rPr lang="en-US" dirty="0"/>
-              <a:t> </a:t>
-            </a:r>
-            <a:r>
-              <a:rPr lang="en-US" dirty="0" err="1"/>
-              <a:t>redukálódik</a:t>
-            </a:r>
+              <a:t>Pirossal</a:t>
+            </a:r>
+            <a:r>
+              <a:rPr lang="en-US" dirty="0"/>
+              <a:t> </a:t>
+            </a:r>
+            <a:r>
+              <a:rPr lang="en-US" dirty="0" err="1"/>
+              <a:t>szedett</a:t>
+            </a:r>
+            <a:r>
+              <a:rPr lang="en-US" dirty="0"/>
+              <a:t> </a:t>
+            </a:r>
+            <a:r>
+              <a:rPr lang="en-US" dirty="0" err="1"/>
+              <a:t>kód</a:t>
+            </a:r>
+            <a:r>
+              <a:rPr lang="en-US" dirty="0"/>
+              <a:t> </a:t>
+            </a:r>
+            <a:r>
+              <a:rPr lang="en-US" dirty="0" err="1"/>
+              <a:t>mehet</a:t>
+            </a:r>
+            <a:r>
+              <a:rPr lang="en-US" dirty="0"/>
+              <a:t> a </a:t>
+            </a:r>
+            <a:r>
+              <a:rPr lang="en-US" dirty="0" err="1"/>
+              <a:t>kukába</a:t>
+            </a:r>
+            <a:r>
+              <a:rPr lang="en-US" dirty="0"/>
+              <a:t>.</a:t>
+            </a:r>
+          </a:p>
+          <a:p>
             <a:endParaRPr lang="en-US" dirty="0"/>
           </a:p>
           <a:p>
@@ -6363,7 +8052,7 @@
     </p:spTree>
     <p:extLst>
       <p:ext uri="{BB962C8B-B14F-4D97-AF65-F5344CB8AC3E}">
-        <p14:creationId xmlns:p14="http://schemas.microsoft.com/office/powerpoint/2010/main" val="2722215036"/>
+        <p14:creationId xmlns:p14="http://schemas.microsoft.com/office/powerpoint/2010/main" val="3363435510"/>
       </p:ext>
     </p:extLst>
   </p:cSld>
@@ -6421,55 +8110,7 @@
           <a:p>
             <a:r>
               <a:rPr lang="en-US" dirty="0" err="1"/>
-              <a:t>Így</a:t>
-            </a:r>
-            <a:r>
-              <a:rPr lang="en-US" dirty="0"/>
-              <a:t> </a:t>
-            </a:r>
-            <a:r>
-              <a:rPr lang="en-US" dirty="0" err="1"/>
-              <a:t>lehet</a:t>
-            </a:r>
-            <a:r>
-              <a:rPr lang="en-US" dirty="0"/>
-              <a:t> </a:t>
-            </a:r>
-            <a:r>
-              <a:rPr lang="en-US" dirty="0" err="1"/>
-              <a:t>elérni</a:t>
-            </a:r>
-            <a:r>
-              <a:rPr lang="en-US" dirty="0"/>
-              <a:t> a </a:t>
-            </a:r>
-            <a:r>
-              <a:rPr lang="en-US" dirty="0" err="1"/>
-              <a:t>PerObjectCb</a:t>
-            </a:r>
-            <a:r>
-              <a:rPr lang="en-US" dirty="0"/>
-              <a:t> </a:t>
-            </a:r>
-            <a:r>
-              <a:rPr lang="en-US" dirty="0" err="1"/>
-              <a:t>vagy</a:t>
-            </a:r>
-            <a:r>
-              <a:rPr lang="en-US" dirty="0"/>
-              <a:t> a </a:t>
-            </a:r>
-            <a:r>
-              <a:rPr lang="en-US" dirty="0" err="1"/>
-              <a:t>magábafoglalt</a:t>
-            </a:r>
-            <a:r>
-              <a:rPr lang="en-US" dirty="0"/>
-              <a:t> T </a:t>
-            </a:r>
-            <a:r>
-              <a:rPr lang="en-US" dirty="0" err="1"/>
-              <a:t>osztálynak</a:t>
+              <a:t>Itt</a:t>
             </a:r>
             <a:r>
               <a:rPr lang="en-US" dirty="0"/>
@@ -6485,760 +8126,36 @@
             </a:r>
             <a:r>
               <a:rPr lang="en-US" dirty="0" err="1"/>
-              <a:t>adattagjait</a:t>
-            </a:r>
-            <a:r>
-              <a:rPr lang="en-US" dirty="0"/>
-              <a:t>. (operator-&gt;() van </a:t>
-            </a:r>
-            <a:r>
-              <a:rPr lang="en-US" dirty="0" err="1"/>
-              <a:t>felülcsapva</a:t>
-            </a:r>
-            <a:r>
-              <a:rPr lang="en-US" dirty="0"/>
-              <a:t>)</a:t>
-            </a:r>
-          </a:p>
-          <a:p>
-            <a:r>
-              <a:rPr lang="en-US" b="1" dirty="0"/>
-              <a:t>Upload() </a:t>
-            </a:r>
-            <a:r>
-              <a:rPr lang="en-US" b="1" dirty="0" err="1"/>
+              <a:t>egész</a:t>
+            </a:r>
+            <a:r>
+              <a:rPr lang="en-US" dirty="0"/>
+              <a:t> </a:t>
+            </a:r>
+            <a:r>
+              <a:rPr lang="en-US" dirty="0" err="1"/>
               <a:t>függvény</a:t>
             </a:r>
             <a:r>
-              <a:rPr lang="en-US" b="1" dirty="0"/>
-              <a:t> </a:t>
-            </a:r>
-            <a:r>
-              <a:rPr lang="en-US" b="1" dirty="0" err="1"/>
-              <a:t>hívás</a:t>
-            </a:r>
-            <a:r>
-              <a:rPr lang="en-US" b="1" dirty="0"/>
-              <a:t> </a:t>
-            </a:r>
-            <a:r>
-              <a:rPr lang="en-US" b="1" dirty="0" err="1"/>
-              <a:t>csinálja</a:t>
-            </a:r>
-            <a:r>
-              <a:rPr lang="en-US" b="1" dirty="0"/>
-              <a:t> meg </a:t>
-            </a:r>
-            <a:r>
-              <a:rPr lang="en-US" b="1" dirty="0" err="1"/>
-              <a:t>nekünk</a:t>
-            </a:r>
-            <a:r>
-              <a:rPr lang="en-US" b="1" dirty="0"/>
-              <a:t> a </a:t>
-            </a:r>
-            <a:r>
-              <a:rPr lang="en-US" b="1" dirty="0" err="1"/>
-              <a:t>memcpy</a:t>
-            </a:r>
-            <a:r>
-              <a:rPr lang="en-US" b="1" dirty="0"/>
-              <a:t>-t, ne </a:t>
-            </a:r>
-            <a:r>
-              <a:rPr lang="en-US" b="1" dirty="0" err="1"/>
-              <a:t>felejtsd</a:t>
-            </a:r>
-            <a:r>
-              <a:rPr lang="en-US" b="1" dirty="0"/>
-              <a:t> el </a:t>
-            </a:r>
-            <a:r>
-              <a:rPr lang="en-US" b="1" dirty="0" err="1"/>
-              <a:t>hívni</a:t>
-            </a:r>
-            <a:r>
-              <a:rPr lang="en-US" b="1" dirty="0"/>
-              <a:t>.</a:t>
-            </a:r>
-          </a:p>
-          <a:p>
-            <a:endParaRPr lang="en-US" b="1" dirty="0"/>
-          </a:p>
-          <a:p>
-            <a:r>
-              <a:rPr lang="en-US" b="0" dirty="0"/>
-              <a:t>A Draw </a:t>
-            </a:r>
-            <a:r>
-              <a:rPr lang="en-US" b="0" dirty="0" err="1"/>
-              <a:t>függvény</a:t>
-            </a:r>
-            <a:r>
-              <a:rPr lang="en-US" b="0" dirty="0"/>
-              <a:t> is </a:t>
-            </a:r>
-            <a:r>
-              <a:rPr lang="en-US" b="0" dirty="0" err="1"/>
-              <a:t>egyszer</a:t>
-            </a:r>
-            <a:r>
-              <a:rPr lang="hu-HU" b="0" dirty="0"/>
-              <a:t>ű</a:t>
-            </a:r>
-            <a:r>
-              <a:rPr lang="en-US" b="0" dirty="0" err="1"/>
-              <a:t>södik</a:t>
-            </a:r>
-            <a:r>
-              <a:rPr lang="en-US" b="0" dirty="0"/>
-              <a:t>. A </a:t>
-            </a:r>
-            <a:r>
-              <a:rPr lang="en-US" b="0" dirty="0" err="1"/>
-              <a:t>Trükk</a:t>
-            </a:r>
-            <a:r>
-              <a:rPr lang="en-US" b="0" dirty="0"/>
-              <a:t> </a:t>
-            </a:r>
-            <a:r>
-              <a:rPr lang="en-US" b="0" dirty="0" err="1"/>
-              <a:t>ami</a:t>
-            </a:r>
-            <a:r>
-              <a:rPr lang="en-US" b="0" dirty="0"/>
-              <a:t> </a:t>
-            </a:r>
-            <a:r>
-              <a:rPr lang="en-US" b="0" dirty="0" err="1"/>
-              <a:t>könnyítésnek</a:t>
-            </a:r>
-            <a:r>
-              <a:rPr lang="en-US" b="0" dirty="0"/>
-              <a:t> el van </a:t>
-            </a:r>
-            <a:r>
-              <a:rPr lang="en-US" b="0" dirty="0" err="1"/>
-              <a:t>rejtve</a:t>
-            </a:r>
-            <a:r>
-              <a:rPr lang="en-US" b="0" dirty="0"/>
-              <a:t>, </a:t>
-            </a:r>
-            <a:r>
-              <a:rPr lang="en-US" b="0" dirty="0" err="1"/>
-              <a:t>az</a:t>
-            </a:r>
-            <a:r>
-              <a:rPr lang="en-US" b="0" dirty="0"/>
-              <a:t> </a:t>
-            </a:r>
-            <a:r>
-              <a:rPr lang="en-US" b="0" dirty="0" err="1"/>
-              <a:t>egy</a:t>
-            </a:r>
-            <a:r>
-              <a:rPr lang="en-US" b="0" dirty="0"/>
-              <a:t> </a:t>
-            </a:r>
-            <a:r>
-              <a:rPr lang="en-US" b="0" dirty="0" err="1"/>
-              <a:t>kis</a:t>
-            </a:r>
-            <a:r>
-              <a:rPr lang="en-US" b="0" dirty="0"/>
-              <a:t> shader </a:t>
-            </a:r>
-            <a:r>
-              <a:rPr lang="en-US" b="0" dirty="0" err="1"/>
-              <a:t>reflexió</a:t>
-            </a:r>
-            <a:r>
-              <a:rPr lang="en-US" b="0" dirty="0"/>
-              <a:t>, a </a:t>
-            </a:r>
-            <a:r>
-              <a:rPr lang="en-US" b="0" dirty="0" err="1"/>
-              <a:t>cb-től</a:t>
-            </a:r>
-            <a:r>
-              <a:rPr lang="en-US" b="0" dirty="0"/>
-              <a:t> </a:t>
-            </a:r>
-            <a:r>
-              <a:rPr lang="en-US" b="0" dirty="0" err="1"/>
-              <a:t>elkérjük</a:t>
-            </a:r>
-            <a:r>
-              <a:rPr lang="en-US" b="0" dirty="0"/>
-              <a:t> </a:t>
-            </a:r>
-            <a:r>
-              <a:rPr lang="en-US" b="0" dirty="0" err="1"/>
-              <a:t>az</a:t>
-            </a:r>
-            <a:r>
-              <a:rPr lang="en-US" b="0" dirty="0"/>
-              <a:t> </a:t>
-            </a:r>
-            <a:r>
-              <a:rPr lang="en-US" b="0" dirty="0" err="1"/>
-              <a:t>osztály</a:t>
-            </a:r>
-            <a:r>
-              <a:rPr lang="en-US" b="0" dirty="0"/>
-              <a:t> </a:t>
-            </a:r>
-            <a:r>
-              <a:rPr lang="en-US" b="0" dirty="0" err="1"/>
-              <a:t>nevét</a:t>
-            </a:r>
-            <a:r>
-              <a:rPr lang="en-US" b="0" dirty="0"/>
-              <a:t> (</a:t>
-            </a:r>
-            <a:r>
-              <a:rPr lang="en-US" b="0" dirty="0" err="1"/>
-              <a:t>PerObjectCb</a:t>
-            </a:r>
-            <a:r>
-              <a:rPr lang="en-US" b="0" dirty="0"/>
-              <a:t>) most, </a:t>
-            </a:r>
-            <a:r>
-              <a:rPr lang="en-US" b="0" dirty="0" err="1"/>
-              <a:t>amit</a:t>
-            </a:r>
-            <a:r>
-              <a:rPr lang="en-US" b="0" dirty="0"/>
-              <a:t> </a:t>
-            </a:r>
-            <a:r>
-              <a:rPr lang="en-US" b="0" dirty="0" err="1"/>
-              <a:t>direkt</a:t>
-            </a:r>
-            <a:r>
-              <a:rPr lang="en-US" b="0" dirty="0"/>
-              <a:t> </a:t>
-            </a:r>
-            <a:r>
-              <a:rPr lang="en-US" b="0" dirty="0" err="1"/>
-              <a:t>így</a:t>
-            </a:r>
-            <a:r>
-              <a:rPr lang="en-US" b="0" dirty="0"/>
-              <a:t> </a:t>
-            </a:r>
-            <a:r>
-              <a:rPr lang="en-US" b="0" dirty="0" err="1"/>
-              <a:t>neveztünk</a:t>
-            </a:r>
-            <a:r>
-              <a:rPr lang="en-US" b="0" dirty="0"/>
-              <a:t> el a HLSL </a:t>
-            </a:r>
-            <a:r>
-              <a:rPr lang="en-US" b="0" dirty="0" err="1"/>
-              <a:t>oldalon</a:t>
-            </a:r>
-            <a:r>
-              <a:rPr lang="en-US" b="0" dirty="0"/>
-              <a:t>. </a:t>
-            </a:r>
-            <a:r>
-              <a:rPr lang="en-US" b="0" dirty="0" err="1"/>
-              <a:t>Név</a:t>
-            </a:r>
-            <a:r>
-              <a:rPr lang="en-US" b="0" dirty="0"/>
-              <a:t> </a:t>
-            </a:r>
-            <a:r>
-              <a:rPr lang="en-US" b="0" dirty="0" err="1"/>
-              <a:t>szerint</a:t>
-            </a:r>
-            <a:r>
-              <a:rPr lang="en-US" b="0" dirty="0"/>
-              <a:t> </a:t>
-            </a:r>
-            <a:r>
-              <a:rPr lang="en-US" b="0" dirty="0" err="1"/>
-              <a:t>megpróbáljuk</a:t>
-            </a:r>
-            <a:r>
-              <a:rPr lang="en-US" b="0" dirty="0"/>
-              <a:t> </a:t>
-            </a:r>
-            <a:r>
-              <a:rPr lang="en-US" b="0" dirty="0" err="1"/>
-              <a:t>elkérni</a:t>
-            </a:r>
-            <a:r>
-              <a:rPr lang="en-US" b="0" dirty="0"/>
-              <a:t>, </a:t>
-            </a:r>
-            <a:r>
-              <a:rPr lang="en-US" b="0" dirty="0" err="1"/>
-              <a:t>hogy</a:t>
-            </a:r>
-            <a:r>
-              <a:rPr lang="en-US" b="0" dirty="0"/>
-              <a:t> </a:t>
-            </a:r>
-            <a:r>
-              <a:rPr lang="en-US" b="0" dirty="0" err="1"/>
-              <a:t>hova</a:t>
-            </a:r>
-            <a:r>
-              <a:rPr lang="en-US" b="0" dirty="0"/>
-              <a:t> </a:t>
-            </a:r>
-            <a:r>
-              <a:rPr lang="en-US" b="0" dirty="0" err="1"/>
-              <a:t>kellene</a:t>
-            </a:r>
-            <a:r>
-              <a:rPr lang="en-US" b="0" dirty="0"/>
-              <a:t> </a:t>
-            </a:r>
-            <a:r>
-              <a:rPr lang="en-US" b="0" dirty="0" err="1"/>
-              <a:t>bindolni</a:t>
-            </a:r>
-            <a:r>
-              <a:rPr lang="en-US" b="0" dirty="0"/>
-              <a:t>, </a:t>
-            </a:r>
-            <a:r>
-              <a:rPr lang="en-US" b="0" dirty="0" err="1"/>
-              <a:t>majd</a:t>
-            </a:r>
-            <a:r>
-              <a:rPr lang="en-US" b="0" dirty="0"/>
-              <a:t> </a:t>
-            </a:r>
-            <a:r>
-              <a:rPr lang="en-US" b="0" dirty="0" err="1"/>
-              <a:t>azt</a:t>
-            </a:r>
-            <a:r>
-              <a:rPr lang="en-US" b="0" dirty="0"/>
-              <a:t> </a:t>
-            </a:r>
-            <a:r>
-              <a:rPr lang="en-US" b="0" dirty="0" err="1"/>
-              <a:t>tovább</a:t>
-            </a:r>
-            <a:r>
-              <a:rPr lang="en-US" b="0" dirty="0"/>
-              <a:t> </a:t>
-            </a:r>
-            <a:r>
-              <a:rPr lang="en-US" b="0" dirty="0" err="1"/>
-              <a:t>keressük</a:t>
-            </a:r>
-            <a:r>
-              <a:rPr lang="en-US" b="0" dirty="0"/>
-              <a:t> a root signature-ben, </a:t>
-            </a:r>
-            <a:r>
-              <a:rPr lang="en-US" b="0" dirty="0" err="1"/>
-              <a:t>hogy</a:t>
-            </a:r>
-            <a:r>
-              <a:rPr lang="en-US" b="0" dirty="0"/>
-              <a:t> </a:t>
-            </a:r>
-            <a:r>
-              <a:rPr lang="en-US" b="0" dirty="0" err="1"/>
-              <a:t>hanyadik</a:t>
-            </a:r>
-            <a:r>
-              <a:rPr lang="en-US" b="0" dirty="0"/>
-              <a:t> parameter </a:t>
-            </a:r>
-            <a:r>
-              <a:rPr lang="en-US" b="0" dirty="0" err="1"/>
-              <a:t>lenne</a:t>
-            </a:r>
-            <a:r>
-              <a:rPr lang="en-US" b="0" dirty="0"/>
-              <a:t> az. </a:t>
-            </a:r>
-            <a:r>
-              <a:rPr lang="en-US" b="0" dirty="0" err="1"/>
-              <a:t>Végül</a:t>
-            </a:r>
-            <a:r>
-              <a:rPr lang="en-US" b="0" dirty="0"/>
-              <a:t> </a:t>
-            </a:r>
-            <a:r>
-              <a:rPr lang="en-US" b="0" dirty="0" err="1"/>
-              <a:t>bebindoljuk</a:t>
-            </a:r>
-            <a:r>
-              <a:rPr lang="en-US" b="0" dirty="0"/>
-              <a:t>. </a:t>
-            </a:r>
-            <a:r>
-              <a:rPr lang="en-US" b="0" dirty="0" err="1"/>
-              <a:t>Egy</a:t>
-            </a:r>
-            <a:r>
-              <a:rPr lang="en-US" b="0" dirty="0"/>
-              <a:t> </a:t>
-            </a:r>
-            <a:r>
-              <a:rPr lang="en-US" b="0" dirty="0" err="1"/>
-              <a:t>kis</a:t>
-            </a:r>
-            <a:r>
-              <a:rPr lang="en-US" b="0" dirty="0"/>
-              <a:t> overhead, </a:t>
-            </a:r>
-            <a:r>
-              <a:rPr lang="en-US" b="0" dirty="0" err="1"/>
-              <a:t>rengeteg</a:t>
-            </a:r>
-            <a:r>
-              <a:rPr lang="en-US" b="0" dirty="0"/>
-              <a:t> </a:t>
-            </a:r>
-            <a:r>
-              <a:rPr lang="en-US" b="0" dirty="0" err="1"/>
-              <a:t>kényelemért</a:t>
-            </a:r>
-            <a:r>
-              <a:rPr lang="en-US" b="0" dirty="0"/>
-              <a:t>. </a:t>
-            </a:r>
-            <a:r>
-              <a:rPr lang="en-US" b="0" dirty="0" err="1"/>
-              <a:t>Bőven</a:t>
-            </a:r>
-            <a:r>
-              <a:rPr lang="en-US" b="0" dirty="0"/>
-              <a:t> </a:t>
-            </a:r>
-            <a:r>
-              <a:rPr lang="en-US" b="0" dirty="0" err="1"/>
-              <a:t>megéri</a:t>
-            </a:r>
-            <a:r>
-              <a:rPr lang="en-US" b="0" dirty="0"/>
-              <a:t> </a:t>
-            </a:r>
-            <a:r>
-              <a:rPr lang="en-US" b="0" dirty="0" err="1"/>
-              <a:t>használni</a:t>
-            </a:r>
-            <a:r>
-              <a:rPr lang="en-US" b="0" dirty="0"/>
-              <a:t>, </a:t>
-            </a:r>
-            <a:r>
-              <a:rPr lang="en-US" b="0" dirty="0" err="1"/>
-              <a:t>nem</a:t>
-            </a:r>
-            <a:r>
-              <a:rPr lang="en-US" b="0" dirty="0"/>
-              <a:t> </a:t>
-            </a:r>
-            <a:r>
-              <a:rPr lang="en-US" b="0" dirty="0" err="1"/>
-              <a:t>érdemes</a:t>
-            </a:r>
-            <a:r>
-              <a:rPr lang="en-US" b="0" dirty="0"/>
-              <a:t> </a:t>
-            </a:r>
-            <a:r>
-              <a:rPr lang="en-US" b="0" dirty="0" err="1"/>
-              <a:t>sebességre</a:t>
-            </a:r>
-            <a:r>
-              <a:rPr lang="en-US" b="0" dirty="0"/>
-              <a:t> </a:t>
-            </a:r>
-            <a:r>
-              <a:rPr lang="en-US" b="0" dirty="0" err="1"/>
-              <a:t>törekedni</a:t>
-            </a:r>
-            <a:r>
-              <a:rPr lang="en-US" b="0" dirty="0"/>
-              <a:t> </a:t>
-            </a:r>
-            <a:r>
-              <a:rPr lang="en-US" b="0" dirty="0" err="1"/>
-              <a:t>itt</a:t>
-            </a:r>
-            <a:r>
-              <a:rPr lang="en-US" b="0" dirty="0"/>
-              <a:t>.</a:t>
-            </a:r>
-          </a:p>
-          <a:p>
-            <a:endParaRPr lang="en-US" b="0" dirty="0"/>
-          </a:p>
-          <a:p>
-            <a:r>
-              <a:rPr lang="en-US" b="0" dirty="0" err="1"/>
-              <a:t>Vegyük</a:t>
-            </a:r>
-            <a:r>
-              <a:rPr lang="en-US" b="0" dirty="0"/>
-              <a:t> </a:t>
-            </a:r>
-            <a:r>
-              <a:rPr lang="en-US" b="0" dirty="0" err="1"/>
-              <a:t>észre</a:t>
-            </a:r>
-            <a:r>
-              <a:rPr lang="en-US" b="0" dirty="0"/>
-              <a:t>, </a:t>
-            </a:r>
-            <a:r>
-              <a:rPr lang="en-US" b="0" dirty="0" err="1"/>
-              <a:t>hogy</a:t>
-            </a:r>
-            <a:r>
-              <a:rPr lang="en-US" b="0" dirty="0"/>
-              <a:t> a Box </a:t>
-            </a:r>
-            <a:r>
-              <a:rPr lang="en-US" b="0" dirty="0" err="1"/>
-              <a:t>osztályunk</a:t>
-            </a:r>
-            <a:r>
-              <a:rPr lang="en-US" b="0" dirty="0"/>
-              <a:t> </a:t>
-            </a:r>
-            <a:r>
-              <a:rPr lang="en-US" b="0" dirty="0" err="1"/>
-              <a:t>mennyire</a:t>
-            </a:r>
-            <a:r>
-              <a:rPr lang="en-US" b="0" dirty="0"/>
-              <a:t> </a:t>
-            </a:r>
-            <a:r>
-              <a:rPr lang="en-US" b="0" dirty="0" err="1"/>
-              <a:t>letisztult</a:t>
-            </a:r>
-            <a:r>
-              <a:rPr lang="en-US" b="0" dirty="0"/>
-              <a:t>, </a:t>
-            </a:r>
-            <a:r>
-              <a:rPr lang="en-US" b="0" dirty="0" err="1"/>
-              <a:t>alig</a:t>
-            </a:r>
-            <a:r>
-              <a:rPr lang="en-US" b="0" dirty="0"/>
-              <a:t> van </a:t>
-            </a:r>
-            <a:r>
-              <a:rPr lang="en-US" b="0" dirty="0" err="1"/>
-              <a:t>bármi</a:t>
-            </a:r>
-            <a:r>
-              <a:rPr lang="en-US" b="0" dirty="0"/>
-              <a:t> D3D-ra </a:t>
-            </a:r>
-            <a:r>
-              <a:rPr lang="en-US" b="0" dirty="0" err="1"/>
-              <a:t>vonatkozó</a:t>
-            </a:r>
-            <a:r>
-              <a:rPr lang="en-US" b="0" dirty="0"/>
-              <a:t> </a:t>
-            </a:r>
-            <a:r>
-              <a:rPr lang="en-US" b="0" dirty="0" err="1"/>
-              <a:t>dolog</a:t>
-            </a:r>
-            <a:r>
-              <a:rPr lang="en-US" b="0" dirty="0"/>
-              <a:t> benne, a </a:t>
-            </a:r>
-            <a:r>
-              <a:rPr lang="en-US" b="0" dirty="0" err="1"/>
-              <a:t>legtöbb</a:t>
-            </a:r>
-            <a:r>
-              <a:rPr lang="en-US" b="0" dirty="0"/>
-              <a:t> </a:t>
-            </a:r>
-            <a:r>
-              <a:rPr lang="en-US" b="0" dirty="0" err="1"/>
-              <a:t>kód</a:t>
-            </a:r>
-            <a:r>
-              <a:rPr lang="en-US" b="0" dirty="0"/>
-              <a:t>, </a:t>
-            </a:r>
-            <a:r>
-              <a:rPr lang="en-US" b="0" dirty="0" err="1"/>
-              <a:t>az</a:t>
-            </a:r>
-            <a:r>
-              <a:rPr lang="en-US" b="0" dirty="0"/>
-              <a:t> </a:t>
-            </a:r>
-            <a:r>
-              <a:rPr lang="en-US" b="0" dirty="0" err="1"/>
-              <a:t>az</a:t>
-            </a:r>
-            <a:r>
-              <a:rPr lang="en-US" b="0" dirty="0"/>
-              <a:t> </a:t>
-            </a:r>
-            <a:r>
-              <a:rPr lang="en-US" b="0" dirty="0" err="1"/>
-              <a:t>objektum</a:t>
-            </a:r>
-            <a:r>
-              <a:rPr lang="en-US" b="0" dirty="0"/>
-              <a:t> </a:t>
-            </a:r>
-            <a:r>
-              <a:rPr lang="en-US" b="0" dirty="0" err="1"/>
-              <a:t>mozgásának</a:t>
-            </a:r>
-            <a:r>
-              <a:rPr lang="en-US" b="0" dirty="0"/>
-              <a:t> a </a:t>
-            </a:r>
-            <a:r>
-              <a:rPr lang="en-US" b="0" dirty="0" err="1"/>
-              <a:t>leírása</a:t>
-            </a:r>
-            <a:r>
-              <a:rPr lang="en-US" b="0" dirty="0"/>
-              <a:t>. </a:t>
-            </a:r>
-            <a:r>
-              <a:rPr lang="en-US" b="0" dirty="0" err="1"/>
-              <a:t>Ez</a:t>
-            </a:r>
-            <a:r>
-              <a:rPr lang="en-US" b="0" dirty="0"/>
-              <a:t> a </a:t>
-            </a:r>
-            <a:r>
-              <a:rPr lang="en-US" b="0" dirty="0" err="1"/>
-              <a:t>célunk</a:t>
-            </a:r>
-            <a:r>
-              <a:rPr lang="en-US" b="0" dirty="0"/>
-              <a:t>, </a:t>
-            </a:r>
-            <a:r>
-              <a:rPr lang="en-US" b="0" dirty="0" err="1"/>
-              <a:t>hogy</a:t>
-            </a:r>
-            <a:r>
-              <a:rPr lang="en-US" b="0" dirty="0"/>
-              <a:t> a </a:t>
-            </a:r>
-            <a:r>
-              <a:rPr lang="en-US" b="0" dirty="0" err="1"/>
-              <a:t>lehető</a:t>
-            </a:r>
-            <a:r>
-              <a:rPr lang="en-US" b="0" dirty="0"/>
-              <a:t> </a:t>
-            </a:r>
-            <a:r>
-              <a:rPr lang="en-US" b="0" dirty="0" err="1"/>
-              <a:t>legkevesebb</a:t>
-            </a:r>
-            <a:r>
-              <a:rPr lang="en-US" b="0" dirty="0"/>
-              <a:t> </a:t>
-            </a:r>
-            <a:r>
-              <a:rPr lang="en-US" b="0" dirty="0" err="1"/>
-              <a:t>szutyok</a:t>
-            </a:r>
-            <a:r>
-              <a:rPr lang="en-US" b="0" dirty="0"/>
-              <a:t> </a:t>
-            </a:r>
-            <a:r>
-              <a:rPr lang="en-US" b="0" dirty="0" err="1"/>
-              <a:t>legyen</a:t>
-            </a:r>
-            <a:r>
-              <a:rPr lang="en-US" b="0" dirty="0"/>
-              <a:t> a </a:t>
-            </a:r>
-            <a:r>
-              <a:rPr lang="en-US" b="0" dirty="0" err="1"/>
-              <a:t>modellünkbe</a:t>
-            </a:r>
-            <a:r>
-              <a:rPr lang="en-US" b="0" dirty="0"/>
-              <a:t> </a:t>
-            </a:r>
-            <a:r>
-              <a:rPr lang="en-US" b="0" dirty="0" err="1"/>
-              <a:t>és</a:t>
-            </a:r>
-            <a:r>
-              <a:rPr lang="en-US" b="0" dirty="0"/>
-              <a:t> </a:t>
-            </a:r>
-            <a:r>
-              <a:rPr lang="en-US" b="0" dirty="0" err="1"/>
-              <a:t>váljon</a:t>
-            </a:r>
-            <a:r>
-              <a:rPr lang="en-US" b="0" dirty="0"/>
-              <a:t> le a </a:t>
-            </a:r>
-            <a:r>
-              <a:rPr lang="en-US" b="0" dirty="0" err="1"/>
-              <a:t>rajzolástól</a:t>
-            </a:r>
-            <a:r>
-              <a:rPr lang="en-US" b="0" dirty="0"/>
-              <a:t> </a:t>
-            </a:r>
-            <a:r>
-              <a:rPr lang="en-US" b="0" dirty="0" err="1"/>
-              <a:t>annyira</a:t>
-            </a:r>
-            <a:r>
-              <a:rPr lang="en-US" b="0" dirty="0"/>
-              <a:t>, </a:t>
-            </a:r>
-            <a:r>
-              <a:rPr lang="en-US" b="0" dirty="0" err="1"/>
-              <a:t>amennyire</a:t>
-            </a:r>
-            <a:r>
-              <a:rPr lang="en-US" b="0" dirty="0"/>
-              <a:t> </a:t>
-            </a:r>
-            <a:r>
-              <a:rPr lang="en-US" b="0" dirty="0" err="1"/>
-              <a:t>csak</a:t>
-            </a:r>
-            <a:r>
-              <a:rPr lang="en-US" b="0" dirty="0"/>
-              <a:t> </a:t>
-            </a:r>
-            <a:r>
-              <a:rPr lang="en-US" b="0" dirty="0" err="1"/>
-              <a:t>lehet</a:t>
-            </a:r>
-            <a:r>
-              <a:rPr lang="en-US" b="0" dirty="0"/>
-              <a:t>.</a:t>
-            </a:r>
+              <a:rPr lang="en-US" dirty="0"/>
+              <a:t> </a:t>
+            </a:r>
+            <a:r>
+              <a:rPr lang="en-US" dirty="0" err="1"/>
+              <a:t>ennyire</a:t>
+            </a:r>
+            <a:r>
+              <a:rPr lang="en-US" dirty="0"/>
+              <a:t> </a:t>
+            </a:r>
+            <a:r>
+              <a:rPr lang="en-US" dirty="0" err="1"/>
+              <a:t>redukálódik</a:t>
+            </a:r>
+            <a:endParaRPr lang="en-US" dirty="0"/>
+          </a:p>
+          <a:p>
+            <a:endParaRPr lang="en-US" dirty="0"/>
           </a:p>
         </p:txBody>
       </p:sp>
@@ -7269,7 +8186,7 @@
     </p:spTree>
     <p:extLst>
       <p:ext uri="{BB962C8B-B14F-4D97-AF65-F5344CB8AC3E}">
-        <p14:creationId xmlns:p14="http://schemas.microsoft.com/office/powerpoint/2010/main" val="2796968168"/>
+        <p14:creationId xmlns:p14="http://schemas.microsoft.com/office/powerpoint/2010/main" val="2722215036"/>
       </p:ext>
     </p:extLst>
   </p:cSld>
@@ -7327,7 +8244,23 @@
           <a:p>
             <a:r>
               <a:rPr lang="en-US" dirty="0" err="1"/>
-              <a:t>Ezek</a:t>
+              <a:t>Így</a:t>
+            </a:r>
+            <a:r>
+              <a:rPr lang="en-US" dirty="0"/>
+              <a:t> </a:t>
+            </a:r>
+            <a:r>
+              <a:rPr lang="en-US" dirty="0" err="1"/>
+              <a:t>lehet</a:t>
+            </a:r>
+            <a:r>
+              <a:rPr lang="en-US" dirty="0"/>
+              <a:t> </a:t>
+            </a:r>
+            <a:r>
+              <a:rPr lang="en-US" dirty="0" err="1"/>
+              <a:t>elérni</a:t>
             </a:r>
             <a:r>
               <a:rPr lang="en-US" dirty="0"/>
@@ -7335,7 +8268,15 @@
             </a:r>
             <a:r>
               <a:rPr lang="en-US" dirty="0" err="1"/>
-              <a:t>feladatoknak</a:t>
+              <a:t>PerObjectCb</a:t>
+            </a:r>
+            <a:r>
+              <a:rPr lang="en-US" dirty="0"/>
+              <a:t> </a:t>
+            </a:r>
+            <a:r>
+              <a:rPr lang="en-US" dirty="0" err="1"/>
+              <a:t>vagy</a:t>
             </a:r>
             <a:r>
               <a:rPr lang="en-US" dirty="0"/>
@@ -7343,7 +8284,15 @@
             </a:r>
             <a:r>
               <a:rPr lang="en-US" dirty="0" err="1"/>
-              <a:t>célja</a:t>
+              <a:t>magábafoglalt</a:t>
+            </a:r>
+            <a:r>
+              <a:rPr lang="en-US" dirty="0"/>
+              <a:t> T </a:t>
+            </a:r>
+            <a:r>
+              <a:rPr lang="en-US" dirty="0" err="1"/>
+              <a:t>osztálynak</a:t>
             </a:r>
             <a:r>
               <a:rPr lang="en-US" dirty="0"/>
@@ -7355,77 +8304,764 @@
             </a:r>
             <a:r>
               <a:rPr lang="en-US" dirty="0"/>
+              <a:t> </a:t>
+            </a:r>
+            <a:r>
+              <a:rPr lang="en-US" dirty="0" err="1"/>
+              <a:t>adattagjait</a:t>
+            </a:r>
+            <a:r>
+              <a:rPr lang="en-US" dirty="0"/>
+              <a:t>. (operator-&gt;() van </a:t>
+            </a:r>
+            <a:r>
+              <a:rPr lang="en-US" dirty="0" err="1"/>
+              <a:t>felülcsapva</a:t>
+            </a:r>
+            <a:r>
+              <a:rPr lang="en-US" dirty="0"/>
+              <a:t>)</a:t>
+            </a:r>
+          </a:p>
+          <a:p>
+            <a:r>
+              <a:rPr lang="en-US" b="1" dirty="0"/>
+              <a:t>Upload() </a:t>
+            </a:r>
+            <a:r>
+              <a:rPr lang="en-US" b="1" dirty="0" err="1"/>
+              <a:t>függvény</a:t>
+            </a:r>
+            <a:r>
+              <a:rPr lang="en-US" b="1" dirty="0"/>
+              <a:t> </a:t>
+            </a:r>
+            <a:r>
+              <a:rPr lang="en-US" b="1" dirty="0" err="1"/>
+              <a:t>hívás</a:t>
+            </a:r>
+            <a:r>
+              <a:rPr lang="en-US" b="1" dirty="0"/>
+              <a:t> </a:t>
+            </a:r>
+            <a:r>
+              <a:rPr lang="en-US" b="1" dirty="0" err="1"/>
+              <a:t>csinálja</a:t>
+            </a:r>
+            <a:r>
+              <a:rPr lang="en-US" b="1" dirty="0"/>
+              <a:t> meg </a:t>
+            </a:r>
+            <a:r>
+              <a:rPr lang="en-US" b="1" dirty="0" err="1"/>
+              <a:t>nekünk</a:t>
+            </a:r>
+            <a:r>
+              <a:rPr lang="en-US" b="1" dirty="0"/>
+              <a:t> a </a:t>
+            </a:r>
+            <a:r>
+              <a:rPr lang="en-US" b="1" dirty="0" err="1"/>
+              <a:t>memcpy</a:t>
+            </a:r>
+            <a:r>
+              <a:rPr lang="en-US" b="1" dirty="0"/>
+              <a:t>-t, ne </a:t>
+            </a:r>
+            <a:r>
+              <a:rPr lang="en-US" b="1" dirty="0" err="1"/>
+              <a:t>felejtsd</a:t>
+            </a:r>
+            <a:r>
+              <a:rPr lang="en-US" b="1" dirty="0"/>
+              <a:t> el </a:t>
+            </a:r>
+            <a:r>
+              <a:rPr lang="en-US" b="1" dirty="0" err="1"/>
+              <a:t>hívni</a:t>
+            </a:r>
+            <a:r>
+              <a:rPr lang="en-US" b="1" dirty="0"/>
+              <a:t>.</a:t>
+            </a:r>
+          </a:p>
+          <a:p>
+            <a:endParaRPr lang="en-US" b="1" dirty="0"/>
+          </a:p>
+          <a:p>
+            <a:r>
+              <a:rPr lang="en-US" b="0" dirty="0"/>
+              <a:t>A Draw </a:t>
+            </a:r>
+            <a:r>
+              <a:rPr lang="en-US" b="0" dirty="0" err="1"/>
+              <a:t>függvény</a:t>
+            </a:r>
+            <a:r>
+              <a:rPr lang="en-US" b="0" dirty="0"/>
+              <a:t> is </a:t>
+            </a:r>
+            <a:r>
+              <a:rPr lang="en-US" b="0" dirty="0" err="1"/>
+              <a:t>egyszer</a:t>
+            </a:r>
+            <a:r>
+              <a:rPr lang="hu-HU" b="0" dirty="0"/>
+              <a:t>ű</a:t>
+            </a:r>
+            <a:r>
+              <a:rPr lang="en-US" b="0" dirty="0" err="1"/>
+              <a:t>södik</a:t>
+            </a:r>
+            <a:r>
+              <a:rPr lang="en-US" b="0" dirty="0"/>
+              <a:t>. A </a:t>
+            </a:r>
+            <a:r>
+              <a:rPr lang="en-US" b="0" dirty="0" err="1"/>
+              <a:t>Trükk</a:t>
+            </a:r>
+            <a:r>
+              <a:rPr lang="en-US" b="0" dirty="0"/>
+              <a:t> </a:t>
+            </a:r>
+            <a:r>
+              <a:rPr lang="en-US" b="0" dirty="0" err="1"/>
+              <a:t>ami</a:t>
+            </a:r>
+            <a:r>
+              <a:rPr lang="en-US" b="0" dirty="0"/>
+              <a:t> </a:t>
+            </a:r>
+            <a:r>
+              <a:rPr lang="en-US" b="0" dirty="0" err="1"/>
+              <a:t>könnyítésnek</a:t>
+            </a:r>
+            <a:r>
+              <a:rPr lang="en-US" b="0" dirty="0"/>
+              <a:t> el van </a:t>
+            </a:r>
+            <a:r>
+              <a:rPr lang="en-US" b="0" dirty="0" err="1"/>
+              <a:t>rejtve</a:t>
+            </a:r>
+            <a:r>
+              <a:rPr lang="en-US" b="0" dirty="0"/>
               <a:t>, </a:t>
             </a:r>
             <a:r>
-              <a:rPr lang="en-US" dirty="0" err="1"/>
+              <a:rPr lang="en-US" b="0" dirty="0" err="1"/>
+              <a:t>az</a:t>
+            </a:r>
+            <a:r>
+              <a:rPr lang="en-US" b="0" dirty="0"/>
+              <a:t> </a:t>
+            </a:r>
+            <a:r>
+              <a:rPr lang="en-US" b="0" dirty="0" err="1"/>
+              <a:t>egy</a:t>
+            </a:r>
+            <a:r>
+              <a:rPr lang="en-US" b="0" dirty="0"/>
+              <a:t> </a:t>
+            </a:r>
+            <a:r>
+              <a:rPr lang="en-US" b="0" dirty="0" err="1"/>
+              <a:t>kis</a:t>
+            </a:r>
+            <a:r>
+              <a:rPr lang="en-US" b="0" dirty="0"/>
+              <a:t> shader </a:t>
+            </a:r>
+            <a:r>
+              <a:rPr lang="en-US" b="0" dirty="0" err="1"/>
+              <a:t>reflexió</a:t>
+            </a:r>
+            <a:r>
+              <a:rPr lang="en-US" b="0" dirty="0"/>
+              <a:t>, a </a:t>
+            </a:r>
+            <a:r>
+              <a:rPr lang="en-US" b="0" dirty="0" err="1"/>
+              <a:t>cb-től</a:t>
+            </a:r>
+            <a:r>
+              <a:rPr lang="en-US" b="0" dirty="0"/>
+              <a:t> </a:t>
+            </a:r>
+            <a:r>
+              <a:rPr lang="en-US" b="0" dirty="0" err="1"/>
+              <a:t>elkérjük</a:t>
+            </a:r>
+            <a:r>
+              <a:rPr lang="en-US" b="0" dirty="0"/>
+              <a:t> </a:t>
+            </a:r>
+            <a:r>
+              <a:rPr lang="en-US" b="0" dirty="0" err="1"/>
+              <a:t>az</a:t>
+            </a:r>
+            <a:r>
+              <a:rPr lang="en-US" b="0" dirty="0"/>
+              <a:t> </a:t>
+            </a:r>
+            <a:r>
+              <a:rPr lang="en-US" b="0" dirty="0" err="1"/>
+              <a:t>osztály</a:t>
+            </a:r>
+            <a:r>
+              <a:rPr lang="en-US" b="0" dirty="0"/>
+              <a:t> </a:t>
+            </a:r>
+            <a:r>
+              <a:rPr lang="en-US" b="0" dirty="0" err="1"/>
+              <a:t>nevét</a:t>
+            </a:r>
+            <a:r>
+              <a:rPr lang="en-US" b="0" dirty="0"/>
+              <a:t> (</a:t>
+            </a:r>
+            <a:r>
+              <a:rPr lang="en-US" b="0" dirty="0" err="1"/>
+              <a:t>PerObjectCb</a:t>
+            </a:r>
+            <a:r>
+              <a:rPr lang="en-US" b="0" dirty="0"/>
+              <a:t>) most, </a:t>
+            </a:r>
+            <a:r>
+              <a:rPr lang="en-US" b="0" dirty="0" err="1"/>
+              <a:t>amit</a:t>
+            </a:r>
+            <a:r>
+              <a:rPr lang="en-US" b="0" dirty="0"/>
+              <a:t> </a:t>
+            </a:r>
+            <a:r>
+              <a:rPr lang="en-US" b="0" dirty="0" err="1"/>
+              <a:t>direkt</a:t>
+            </a:r>
+            <a:r>
+              <a:rPr lang="en-US" b="0" dirty="0"/>
+              <a:t> </a:t>
+            </a:r>
+            <a:r>
+              <a:rPr lang="en-US" b="0" dirty="0" err="1"/>
+              <a:t>így</a:t>
+            </a:r>
+            <a:r>
+              <a:rPr lang="en-US" b="0" dirty="0"/>
+              <a:t> </a:t>
+            </a:r>
+            <a:r>
+              <a:rPr lang="en-US" b="0" dirty="0" err="1"/>
+              <a:t>neveztünk</a:t>
+            </a:r>
+            <a:r>
+              <a:rPr lang="en-US" b="0" dirty="0"/>
+              <a:t> el a HLSL </a:t>
+            </a:r>
+            <a:r>
+              <a:rPr lang="en-US" b="0" dirty="0" err="1"/>
+              <a:t>oldalon</a:t>
+            </a:r>
+            <a:r>
+              <a:rPr lang="en-US" b="0" dirty="0"/>
+              <a:t>. </a:t>
+            </a:r>
+            <a:r>
+              <a:rPr lang="en-US" b="0" dirty="0" err="1"/>
+              <a:t>Név</a:t>
+            </a:r>
+            <a:r>
+              <a:rPr lang="en-US" b="0" dirty="0"/>
+              <a:t> </a:t>
+            </a:r>
+            <a:r>
+              <a:rPr lang="en-US" b="0" dirty="0" err="1"/>
+              <a:t>szerint</a:t>
+            </a:r>
+            <a:r>
+              <a:rPr lang="en-US" b="0" dirty="0"/>
+              <a:t> </a:t>
+            </a:r>
+            <a:r>
+              <a:rPr lang="en-US" b="0" dirty="0" err="1"/>
+              <a:t>megpróbáljuk</a:t>
+            </a:r>
+            <a:r>
+              <a:rPr lang="en-US" b="0" dirty="0"/>
+              <a:t> </a:t>
+            </a:r>
+            <a:r>
+              <a:rPr lang="en-US" b="0" dirty="0" err="1"/>
+              <a:t>elkérni</a:t>
+            </a:r>
+            <a:r>
+              <a:rPr lang="en-US" b="0" dirty="0"/>
+              <a:t>, </a:t>
+            </a:r>
+            <a:r>
+              <a:rPr lang="en-US" b="0" dirty="0" err="1"/>
               <a:t>hogy</a:t>
             </a:r>
             <a:r>
-              <a:rPr lang="en-US" dirty="0"/>
-              <a:t> </a:t>
-            </a:r>
-            <a:r>
-              <a:rPr lang="en-US" dirty="0" err="1"/>
-              <a:t>elgondolkodj</a:t>
-            </a:r>
-            <a:r>
-              <a:rPr lang="en-US" dirty="0"/>
-              <a:t> </a:t>
-            </a:r>
-            <a:r>
-              <a:rPr lang="en-US" dirty="0" err="1"/>
-              <a:t>azon</a:t>
-            </a:r>
-            <a:r>
-              <a:rPr lang="en-US" dirty="0"/>
+              <a:rPr lang="en-US" b="0" dirty="0"/>
+              <a:t> </a:t>
+            </a:r>
+            <a:r>
+              <a:rPr lang="en-US" b="0" dirty="0" err="1"/>
+              <a:t>hova</a:t>
+            </a:r>
+            <a:r>
+              <a:rPr lang="en-US" b="0" dirty="0"/>
+              <a:t> </a:t>
+            </a:r>
+            <a:r>
+              <a:rPr lang="en-US" b="0" dirty="0" err="1"/>
+              <a:t>kellene</a:t>
+            </a:r>
+            <a:r>
+              <a:rPr lang="en-US" b="0" dirty="0"/>
+              <a:t> </a:t>
+            </a:r>
+            <a:r>
+              <a:rPr lang="en-US" b="0" dirty="0" err="1"/>
+              <a:t>bindolni</a:t>
+            </a:r>
+            <a:r>
+              <a:rPr lang="en-US" b="0" dirty="0"/>
               <a:t>, </a:t>
             </a:r>
             <a:r>
-              <a:rPr lang="en-US" dirty="0" err="1"/>
+              <a:rPr lang="en-US" b="0" dirty="0" err="1"/>
+              <a:t>majd</a:t>
+            </a:r>
+            <a:r>
+              <a:rPr lang="en-US" b="0" dirty="0"/>
+              <a:t> </a:t>
+            </a:r>
+            <a:r>
+              <a:rPr lang="en-US" b="0" dirty="0" err="1"/>
+              <a:t>azt</a:t>
+            </a:r>
+            <a:r>
+              <a:rPr lang="en-US" b="0" dirty="0"/>
+              <a:t> </a:t>
+            </a:r>
+            <a:r>
+              <a:rPr lang="en-US" b="0" dirty="0" err="1"/>
+              <a:t>tovább</a:t>
+            </a:r>
+            <a:r>
+              <a:rPr lang="en-US" b="0" dirty="0"/>
+              <a:t> </a:t>
+            </a:r>
+            <a:r>
+              <a:rPr lang="en-US" b="0" dirty="0" err="1"/>
+              <a:t>keressük</a:t>
+            </a:r>
+            <a:r>
+              <a:rPr lang="en-US" b="0" dirty="0"/>
+              <a:t> a root signature-ben, </a:t>
+            </a:r>
+            <a:r>
+              <a:rPr lang="en-US" b="0" dirty="0" err="1"/>
               <a:t>hogy</a:t>
             </a:r>
             <a:r>
-              <a:rPr lang="en-US" dirty="0"/>
+              <a:rPr lang="en-US" b="0" dirty="0"/>
+              <a:t> </a:t>
+            </a:r>
+            <a:r>
+              <a:rPr lang="en-US" b="0" dirty="0" err="1"/>
+              <a:t>hanyadik</a:t>
+            </a:r>
+            <a:r>
+              <a:rPr lang="en-US" b="0" dirty="0"/>
+              <a:t> parameter </a:t>
+            </a:r>
+            <a:r>
+              <a:rPr lang="en-US" b="0" dirty="0" err="1"/>
+              <a:t>lenne</a:t>
+            </a:r>
+            <a:r>
+              <a:rPr lang="en-US" b="0" dirty="0"/>
+              <a:t> az. </a:t>
+            </a:r>
+            <a:r>
+              <a:rPr lang="en-US" b="0" dirty="0" err="1"/>
+              <a:t>Végül</a:t>
+            </a:r>
+            <a:r>
+              <a:rPr lang="en-US" b="0" dirty="0"/>
+              <a:t> </a:t>
+            </a:r>
+            <a:r>
+              <a:rPr lang="en-US" b="0" dirty="0" err="1"/>
+              <a:t>bebindoljuk</a:t>
+            </a:r>
+            <a:r>
+              <a:rPr lang="en-US" b="0" dirty="0"/>
+              <a:t>. </a:t>
+            </a:r>
+            <a:r>
+              <a:rPr lang="en-US" b="0" dirty="0" err="1"/>
+              <a:t>Egy</a:t>
+            </a:r>
+            <a:r>
+              <a:rPr lang="en-US" b="0" dirty="0"/>
+              <a:t> </a:t>
+            </a:r>
+            <a:r>
+              <a:rPr lang="en-US" b="0" dirty="0" err="1"/>
+              <a:t>kis</a:t>
+            </a:r>
+            <a:r>
+              <a:rPr lang="en-US" b="0" dirty="0"/>
+              <a:t> overhead, </a:t>
+            </a:r>
+            <a:r>
+              <a:rPr lang="en-US" b="0" dirty="0" err="1"/>
+              <a:t>rengeteg</a:t>
+            </a:r>
+            <a:r>
+              <a:rPr lang="en-US" b="0" dirty="0"/>
+              <a:t> </a:t>
+            </a:r>
+            <a:r>
+              <a:rPr lang="en-US" b="0" dirty="0" err="1"/>
+              <a:t>kényelemért</a:t>
+            </a:r>
+            <a:r>
+              <a:rPr lang="en-US" b="0" dirty="0"/>
+              <a:t>. </a:t>
+            </a:r>
+            <a:r>
+              <a:rPr lang="en-US" b="0" dirty="0" err="1"/>
+              <a:t>Bőven</a:t>
+            </a:r>
+            <a:r>
+              <a:rPr lang="en-US" b="0" dirty="0"/>
+              <a:t> </a:t>
+            </a:r>
+            <a:r>
+              <a:rPr lang="en-US" b="0" dirty="0" err="1"/>
+              <a:t>megéri</a:t>
+            </a:r>
+            <a:r>
+              <a:rPr lang="en-US" b="0" dirty="0"/>
+              <a:t> </a:t>
+            </a:r>
+            <a:r>
+              <a:rPr lang="en-US" b="0" dirty="0" err="1"/>
+              <a:t>használni</a:t>
+            </a:r>
+            <a:r>
+              <a:rPr lang="en-US" b="0" dirty="0"/>
+              <a:t>, </a:t>
+            </a:r>
+            <a:r>
+              <a:rPr lang="en-US" b="0" dirty="0" err="1"/>
+              <a:t>nem</a:t>
+            </a:r>
+            <a:r>
+              <a:rPr lang="en-US" b="0" dirty="0"/>
+              <a:t> </a:t>
+            </a:r>
+            <a:r>
+              <a:rPr lang="en-US" b="0" dirty="0" err="1"/>
+              <a:t>érdemes</a:t>
+            </a:r>
+            <a:r>
+              <a:rPr lang="en-US" b="0" dirty="0"/>
+              <a:t> </a:t>
+            </a:r>
+            <a:r>
+              <a:rPr lang="en-US" b="0" dirty="0" err="1"/>
+              <a:t>sebességre</a:t>
+            </a:r>
+            <a:r>
+              <a:rPr lang="en-US" b="0" dirty="0"/>
+              <a:t> </a:t>
+            </a:r>
+            <a:r>
+              <a:rPr lang="en-US" b="0" dirty="0" err="1"/>
+              <a:t>törekedni</a:t>
+            </a:r>
+            <a:r>
+              <a:rPr lang="en-US" b="0" dirty="0"/>
+              <a:t> </a:t>
+            </a:r>
+            <a:r>
+              <a:rPr lang="en-US" b="0" dirty="0" err="1"/>
+              <a:t>itt</a:t>
+            </a:r>
+            <a:r>
+              <a:rPr lang="en-US" b="0" dirty="0"/>
+              <a:t>.</a:t>
+            </a:r>
+          </a:p>
+          <a:p>
+            <a:endParaRPr lang="en-US" b="0" dirty="0"/>
+          </a:p>
+          <a:p>
+            <a:r>
+              <a:rPr lang="en-US" b="0" dirty="0" err="1"/>
+              <a:t>Vegyük</a:t>
+            </a:r>
+            <a:r>
+              <a:rPr lang="en-US" b="0" dirty="0"/>
+              <a:t> </a:t>
+            </a:r>
+            <a:r>
+              <a:rPr lang="en-US" b="0" dirty="0" err="1"/>
+              <a:t>észre</a:t>
+            </a:r>
+            <a:r>
+              <a:rPr lang="en-US" b="0" dirty="0"/>
+              <a:t>, </a:t>
+            </a:r>
+            <a:r>
+              <a:rPr lang="en-US" b="0" dirty="0" err="1"/>
+              <a:t>hogy</a:t>
+            </a:r>
+            <a:r>
+              <a:rPr lang="en-US" b="0" dirty="0"/>
+              <a:t> a Box </a:t>
+            </a:r>
+            <a:r>
+              <a:rPr lang="en-US" b="0" dirty="0" err="1"/>
+              <a:t>osztályunk</a:t>
+            </a:r>
+            <a:r>
+              <a:rPr lang="en-US" b="0" dirty="0"/>
+              <a:t> </a:t>
+            </a:r>
+            <a:r>
+              <a:rPr lang="en-US" b="0" dirty="0" err="1"/>
+              <a:t>mennyire</a:t>
+            </a:r>
+            <a:r>
+              <a:rPr lang="en-US" b="0" dirty="0"/>
+              <a:t> </a:t>
+            </a:r>
+            <a:r>
+              <a:rPr lang="en-US" b="0" dirty="0" err="1"/>
+              <a:t>letisztult</a:t>
+            </a:r>
+            <a:r>
+              <a:rPr lang="en-US" b="0" dirty="0"/>
+              <a:t>, </a:t>
+            </a:r>
+            <a:r>
+              <a:rPr lang="en-US" b="0" dirty="0" err="1"/>
+              <a:t>alig</a:t>
+            </a:r>
+            <a:r>
+              <a:rPr lang="en-US" b="0" dirty="0"/>
+              <a:t> van </a:t>
+            </a:r>
+            <a:r>
+              <a:rPr lang="en-US" b="0" dirty="0" err="1"/>
+              <a:t>bármi</a:t>
+            </a:r>
+            <a:r>
+              <a:rPr lang="en-US" b="0" dirty="0"/>
+              <a:t> D3D-ra </a:t>
+            </a:r>
+            <a:r>
+              <a:rPr lang="en-US" b="0" dirty="0" err="1"/>
+              <a:t>vonatkozó</a:t>
+            </a:r>
+            <a:r>
+              <a:rPr lang="en-US" b="0" dirty="0"/>
+              <a:t> </a:t>
+            </a:r>
+            <a:r>
+              <a:rPr lang="en-US" b="0" dirty="0" err="1"/>
+              <a:t>dolog</a:t>
+            </a:r>
+            <a:r>
+              <a:rPr lang="en-US" b="0" dirty="0"/>
+              <a:t> benne, a </a:t>
+            </a:r>
+            <a:r>
+              <a:rPr lang="en-US" b="0" dirty="0" err="1"/>
+              <a:t>legtöbb</a:t>
+            </a:r>
+            <a:r>
+              <a:rPr lang="en-US" b="0" dirty="0"/>
+              <a:t> </a:t>
+            </a:r>
+            <a:r>
+              <a:rPr lang="en-US" b="0" dirty="0" err="1"/>
+              <a:t>kód</a:t>
+            </a:r>
+            <a:r>
+              <a:rPr lang="en-US" b="0" dirty="0"/>
+              <a:t>, </a:t>
+            </a:r>
+            <a:r>
+              <a:rPr lang="en-US" b="0" dirty="0" err="1"/>
+              <a:t>az</a:t>
+            </a:r>
+            <a:r>
+              <a:rPr lang="en-US" b="0" dirty="0"/>
+              <a:t> </a:t>
+            </a:r>
+            <a:r>
+              <a:rPr lang="en-US" b="0" dirty="0" err="1"/>
+              <a:t>az</a:t>
+            </a:r>
+            <a:r>
+              <a:rPr lang="en-US" b="0" dirty="0"/>
+              <a:t> </a:t>
+            </a:r>
+            <a:r>
+              <a:rPr lang="en-US" b="0" dirty="0" err="1"/>
+              <a:t>objektum</a:t>
+            </a:r>
+            <a:r>
+              <a:rPr lang="en-US" b="0" dirty="0"/>
+              <a:t> </a:t>
+            </a:r>
+            <a:r>
+              <a:rPr lang="en-US" b="0" dirty="0" err="1"/>
+              <a:t>mozgásának</a:t>
+            </a:r>
+            <a:r>
+              <a:rPr lang="en-US" b="0" dirty="0"/>
               <a:t> a </a:t>
             </a:r>
             <a:r>
-              <a:rPr lang="en-US" dirty="0" err="1"/>
-              <a:t>játékobjektumok</a:t>
-            </a:r>
-            <a:r>
-              <a:rPr lang="en-US" dirty="0"/>
-              <a:t> “</a:t>
-            </a:r>
-            <a:r>
-              <a:rPr lang="en-US" dirty="0" err="1"/>
-              <a:t>halálának</a:t>
-            </a:r>
-            <a:r>
-              <a:rPr lang="en-US" dirty="0"/>
-              <a:t>” a </a:t>
-            </a:r>
-            <a:r>
-              <a:rPr lang="en-US" dirty="0" err="1"/>
-              <a:t>kezelése</a:t>
-            </a:r>
-            <a:r>
-              <a:rPr lang="en-US" dirty="0"/>
-              <a:t> </a:t>
-            </a:r>
-            <a:r>
-              <a:rPr lang="en-US" dirty="0" err="1"/>
-              <a:t>kinek</a:t>
-            </a:r>
-            <a:r>
-              <a:rPr lang="en-US" dirty="0"/>
+              <a:rPr lang="en-US" b="0" dirty="0" err="1"/>
+              <a:t>leírása</a:t>
+            </a:r>
+            <a:r>
+              <a:rPr lang="en-US" b="0" dirty="0"/>
+              <a:t>. </a:t>
+            </a:r>
+            <a:r>
+              <a:rPr lang="en-US" b="0" dirty="0" err="1"/>
+              <a:t>Ez</a:t>
+            </a:r>
+            <a:r>
+              <a:rPr lang="en-US" b="0" dirty="0"/>
               <a:t> a </a:t>
             </a:r>
             <a:r>
-              <a:rPr lang="en-US" dirty="0" err="1"/>
-              <a:t>feladata</a:t>
-            </a:r>
-            <a:endParaRPr lang="en-US" dirty="0"/>
+              <a:rPr lang="en-US" b="0" dirty="0" err="1"/>
+              <a:t>célunk</a:t>
+            </a:r>
+            <a:r>
+              <a:rPr lang="en-US" b="0" dirty="0"/>
+              <a:t>, </a:t>
+            </a:r>
+            <a:r>
+              <a:rPr lang="en-US" b="0" dirty="0" err="1"/>
+              <a:t>hogy</a:t>
+            </a:r>
+            <a:r>
+              <a:rPr lang="en-US" b="0" dirty="0"/>
+              <a:t> a </a:t>
+            </a:r>
+            <a:r>
+              <a:rPr lang="en-US" b="0" dirty="0" err="1"/>
+              <a:t>lehető</a:t>
+            </a:r>
+            <a:r>
+              <a:rPr lang="en-US" b="0" dirty="0"/>
+              <a:t> </a:t>
+            </a:r>
+            <a:r>
+              <a:rPr lang="en-US" b="0" dirty="0" err="1"/>
+              <a:t>legkevesebb</a:t>
+            </a:r>
+            <a:r>
+              <a:rPr lang="en-US" b="0" dirty="0"/>
+              <a:t> </a:t>
+            </a:r>
+            <a:r>
+              <a:rPr lang="en-US" b="0" dirty="0" err="1"/>
+              <a:t>szutyok</a:t>
+            </a:r>
+            <a:r>
+              <a:rPr lang="en-US" b="0" dirty="0"/>
+              <a:t> </a:t>
+            </a:r>
+            <a:r>
+              <a:rPr lang="en-US" b="0" dirty="0" err="1"/>
+              <a:t>legyen</a:t>
+            </a:r>
+            <a:r>
+              <a:rPr lang="en-US" b="0" dirty="0"/>
+              <a:t> a </a:t>
+            </a:r>
+            <a:r>
+              <a:rPr lang="en-US" b="0" dirty="0" err="1"/>
+              <a:t>modellünkbe</a:t>
+            </a:r>
+            <a:r>
+              <a:rPr lang="en-US" b="0" dirty="0"/>
+              <a:t> </a:t>
+            </a:r>
+            <a:r>
+              <a:rPr lang="en-US" b="0" dirty="0" err="1"/>
+              <a:t>és</a:t>
+            </a:r>
+            <a:r>
+              <a:rPr lang="en-US" b="0" dirty="0"/>
+              <a:t> </a:t>
+            </a:r>
+            <a:r>
+              <a:rPr lang="en-US" b="0" dirty="0" err="1"/>
+              <a:t>váljon</a:t>
+            </a:r>
+            <a:r>
+              <a:rPr lang="en-US" b="0" dirty="0"/>
+              <a:t> le a </a:t>
+            </a:r>
+            <a:r>
+              <a:rPr lang="en-US" b="0" dirty="0" err="1"/>
+              <a:t>rajzolástól</a:t>
+            </a:r>
+            <a:r>
+              <a:rPr lang="en-US" b="0" dirty="0"/>
+              <a:t> </a:t>
+            </a:r>
+            <a:r>
+              <a:rPr lang="en-US" b="0" dirty="0" err="1"/>
+              <a:t>annyira</a:t>
+            </a:r>
+            <a:r>
+              <a:rPr lang="en-US" b="0" dirty="0"/>
+              <a:t>, </a:t>
+            </a:r>
+            <a:r>
+              <a:rPr lang="en-US" b="0" dirty="0" err="1"/>
+              <a:t>amennyire</a:t>
+            </a:r>
+            <a:r>
+              <a:rPr lang="en-US" b="0" dirty="0"/>
+              <a:t> </a:t>
+            </a:r>
+            <a:r>
+              <a:rPr lang="en-US" b="0" dirty="0" err="1"/>
+              <a:t>csak</a:t>
+            </a:r>
+            <a:r>
+              <a:rPr lang="en-US" b="0" dirty="0"/>
+              <a:t> </a:t>
+            </a:r>
+            <a:r>
+              <a:rPr lang="en-US" b="0" dirty="0" err="1"/>
+              <a:t>lehet</a:t>
+            </a:r>
+            <a:r>
+              <a:rPr lang="en-US" b="0" dirty="0"/>
+              <a:t>.</a:t>
+            </a:r>
           </a:p>
         </p:txBody>
       </p:sp>
@@ -7448,6 +9084,252 @@
               <a:rPr lang="en-US" smtClean="0"/>
               <a:pPr/>
               <a:t>26</a:t>
+            </a:fld>
+            <a:endParaRPr lang="en-US"/>
+          </a:p>
+        </p:txBody>
+      </p:sp>
+    </p:spTree>
+    <p:extLst>
+      <p:ext uri="{BB962C8B-B14F-4D97-AF65-F5344CB8AC3E}">
+        <p14:creationId xmlns:p14="http://schemas.microsoft.com/office/powerpoint/2010/main" val="2796968168"/>
+      </p:ext>
+    </p:extLst>
+  </p:cSld>
+  <p:clrMapOvr>
+    <a:masterClrMapping/>
+  </p:clrMapOvr>
+</p:notes>
+</file>
+
+<file path=ppt/notesSlides/notesSlide24.xml><?xml version="1.0" encoding="utf-8"?>
+<p:notes xmlns:a="http://schemas.openxmlformats.org/drawingml/2006/main" xmlns:r="http://schemas.openxmlformats.org/officeDocument/2006/relationships" xmlns:p="http://schemas.openxmlformats.org/presentationml/2006/main">
+  <p:cSld>
+    <p:spTree>
+      <p:nvGrpSpPr>
+        <p:cNvPr id="1" name=""/>
+        <p:cNvGrpSpPr/>
+        <p:nvPr/>
+      </p:nvGrpSpPr>
+      <p:grpSpPr>
+        <a:xfrm>
+          <a:off x="0" y="0"/>
+          <a:ext cx="0" cy="0"/>
+          <a:chOff x="0" y="0"/>
+          <a:chExt cx="0" cy="0"/>
+        </a:xfrm>
+      </p:grpSpPr>
+      <p:sp>
+        <p:nvSpPr>
+          <p:cNvPr id="2" name="Slide Image Placeholder 1"/>
+          <p:cNvSpPr>
+            <a:spLocks noGrp="1" noRot="1" noChangeAspect="1"/>
+          </p:cNvSpPr>
+          <p:nvPr>
+            <p:ph type="sldImg"/>
+          </p:nvPr>
+        </p:nvSpPr>
+        <p:spPr/>
+      </p:sp>
+      <p:sp>
+        <p:nvSpPr>
+          <p:cNvPr id="3" name="Notes Placeholder 2"/>
+          <p:cNvSpPr>
+            <a:spLocks noGrp="1"/>
+          </p:cNvSpPr>
+          <p:nvPr>
+            <p:ph type="body" idx="1"/>
+          </p:nvPr>
+        </p:nvSpPr>
+        <p:spPr/>
+        <p:txBody>
+          <a:bodyPr>
+            <a:normAutofit/>
+          </a:bodyPr>
+          <a:lstStyle/>
+          <a:p>
+            <a:r>
+              <a:rPr lang="en-US" dirty="0" err="1"/>
+              <a:t>Ezek</a:t>
+            </a:r>
+            <a:r>
+              <a:rPr lang="en-US" dirty="0"/>
+              <a:t> a </a:t>
+            </a:r>
+            <a:r>
+              <a:rPr lang="en-US" dirty="0" err="1"/>
+              <a:t>feladatoknak</a:t>
+            </a:r>
+            <a:r>
+              <a:rPr lang="en-US" dirty="0"/>
+              <a:t> a </a:t>
+            </a:r>
+            <a:r>
+              <a:rPr lang="en-US" dirty="0" err="1"/>
+              <a:t>célja</a:t>
+            </a:r>
+            <a:r>
+              <a:rPr lang="en-US" dirty="0"/>
+              <a:t> </a:t>
+            </a:r>
+            <a:r>
+              <a:rPr lang="en-US" dirty="0" err="1"/>
+              <a:t>az</a:t>
+            </a:r>
+            <a:r>
+              <a:rPr lang="en-US" dirty="0"/>
+              <a:t>, </a:t>
+            </a:r>
+            <a:r>
+              <a:rPr lang="en-US" dirty="0" err="1"/>
+              <a:t>hogy</a:t>
+            </a:r>
+            <a:r>
+              <a:rPr lang="en-US" dirty="0"/>
+              <a:t> </a:t>
+            </a:r>
+            <a:r>
+              <a:rPr lang="en-US" dirty="0" err="1"/>
+              <a:t>elgondolkodj</a:t>
+            </a:r>
+            <a:r>
+              <a:rPr lang="en-US" dirty="0"/>
+              <a:t> </a:t>
+            </a:r>
+            <a:r>
+              <a:rPr lang="en-US" dirty="0" err="1"/>
+              <a:t>azon</a:t>
+            </a:r>
+            <a:r>
+              <a:rPr lang="en-US" dirty="0"/>
+              <a:t>, </a:t>
+            </a:r>
+            <a:r>
+              <a:rPr lang="en-US" dirty="0" err="1"/>
+              <a:t>hogy</a:t>
+            </a:r>
+            <a:r>
+              <a:rPr lang="en-US" dirty="0"/>
+              <a:t> ha a </a:t>
+            </a:r>
+            <a:r>
+              <a:rPr lang="en-US" dirty="0" err="1"/>
+              <a:t>játékobjektumokba</a:t>
+            </a:r>
+            <a:r>
+              <a:rPr lang="en-US" dirty="0"/>
+              <a:t> </a:t>
+            </a:r>
+            <a:r>
+              <a:rPr lang="en-US" dirty="0" err="1"/>
+              <a:t>szeretnénk</a:t>
+            </a:r>
+            <a:r>
+              <a:rPr lang="en-US" dirty="0"/>
+              <a:t> </a:t>
+            </a:r>
+            <a:r>
+              <a:rPr lang="en-US" dirty="0" err="1"/>
+              <a:t>kódolni</a:t>
+            </a:r>
+            <a:r>
+              <a:rPr lang="en-US" dirty="0"/>
+              <a:t> </a:t>
+            </a:r>
+            <a:r>
+              <a:rPr lang="en-US" dirty="0" err="1"/>
+              <a:t>azok</a:t>
+            </a:r>
+            <a:r>
+              <a:rPr lang="en-US" dirty="0"/>
+              <a:t> </a:t>
+            </a:r>
+            <a:r>
+              <a:rPr lang="en-US" dirty="0" err="1"/>
+              <a:t>viselkedését</a:t>
+            </a:r>
+            <a:r>
+              <a:rPr lang="en-US" dirty="0"/>
+              <a:t>, </a:t>
+            </a:r>
+            <a:r>
+              <a:rPr lang="en-US" dirty="0" err="1"/>
+              <a:t>akkor</a:t>
+            </a:r>
+            <a:r>
+              <a:rPr lang="en-US" dirty="0"/>
+              <a:t> </a:t>
+            </a:r>
+            <a:r>
+              <a:rPr lang="en-US" dirty="0" err="1"/>
+              <a:t>az</a:t>
+            </a:r>
+            <a:r>
+              <a:rPr lang="en-US" dirty="0"/>
+              <a:t> </a:t>
+            </a:r>
+            <a:r>
+              <a:rPr lang="en-US" dirty="0" err="1"/>
+              <a:t>objektumok</a:t>
+            </a:r>
+            <a:r>
+              <a:rPr lang="en-US" dirty="0"/>
+              <a:t> “</a:t>
+            </a:r>
+            <a:r>
+              <a:rPr lang="en-US" dirty="0" err="1"/>
+              <a:t>halála</a:t>
+            </a:r>
+            <a:r>
+              <a:rPr lang="en-US" dirty="0"/>
+              <a:t>” </a:t>
+            </a:r>
+            <a:r>
+              <a:rPr lang="en-US" dirty="0" err="1"/>
+              <a:t>az</a:t>
+            </a:r>
+            <a:r>
+              <a:rPr lang="en-US" dirty="0"/>
+              <a:t> </a:t>
+            </a:r>
+            <a:r>
+              <a:rPr lang="en-US" dirty="0" err="1"/>
+              <a:t>hozzátartozik</a:t>
+            </a:r>
+            <a:r>
+              <a:rPr lang="en-US" dirty="0"/>
+              <a:t>-e a </a:t>
+            </a:r>
+            <a:r>
+              <a:rPr lang="en-US" dirty="0" err="1"/>
+              <a:t>viselkedéshez</a:t>
+            </a:r>
+            <a:r>
+              <a:rPr lang="en-US" dirty="0"/>
+              <a:t>.</a:t>
+            </a:r>
+          </a:p>
+        </p:txBody>
+      </p:sp>
+      <p:sp>
+        <p:nvSpPr>
+          <p:cNvPr id="4" name="Slide Number Placeholder 3"/>
+          <p:cNvSpPr>
+            <a:spLocks noGrp="1"/>
+          </p:cNvSpPr>
+          <p:nvPr>
+            <p:ph type="sldNum" sz="quarter" idx="5"/>
+          </p:nvPr>
+        </p:nvSpPr>
+        <p:spPr/>
+        <p:txBody>
+          <a:bodyPr/>
+          <a:lstStyle/>
+          <a:p>
+            <a:fld id="{EE1CB54F-71BB-491D-A98F-DF04FDAAD72D}" type="slidenum">
+              <a:rPr lang="en-US" smtClean="0"/>
+              <a:pPr/>
+              <a:t>27</a:t>
             </a:fld>
             <a:endParaRPr lang="en-US"/>
           </a:p>
@@ -12607,7 +14489,7 @@
             <a:fld id="{77DAEA1A-6276-4434-840E-9C81C04BC3C1}" type="datetimeFigureOut">
               <a:rPr lang="en-US" smtClean="0"/>
               <a:pPr/>
-              <a:t>8/6/2019</a:t>
+              <a:t>8/8/2019</a:t>
             </a:fld>
             <a:endParaRPr lang="en-US"/>
           </a:p>
@@ -16731,6 +18613,107 @@
           <a:p>
             <a:r>
               <a:rPr lang="en-US" dirty="0" err="1"/>
+              <a:t>Itt</a:t>
+            </a:r>
+            <a:r>
+              <a:rPr lang="en-US" dirty="0"/>
+              <a:t> </a:t>
+            </a:r>
+            <a:r>
+              <a:rPr lang="en-US" dirty="0" err="1"/>
+              <a:t>tartunk</a:t>
+            </a:r>
+            <a:r>
+              <a:rPr lang="en-US" dirty="0"/>
+              <a:t> most</a:t>
+            </a:r>
+            <a:endParaRPr lang="hu-HU" dirty="0"/>
+          </a:p>
+        </p:txBody>
+      </p:sp>
+      <p:pic>
+        <p:nvPicPr>
+          <p:cNvPr id="3" name="Picture 2">
+            <a:extLst>
+              <a:ext uri="{FF2B5EF4-FFF2-40B4-BE49-F238E27FC236}">
+                <a16:creationId xmlns:a16="http://schemas.microsoft.com/office/drawing/2014/main" id="{4FD19D92-8344-4F9F-B89E-64010EF6902B}"/>
+              </a:ext>
+            </a:extLst>
+          </p:cNvPr>
+          <p:cNvPicPr>
+            <a:picLocks noChangeAspect="1"/>
+          </p:cNvPicPr>
+          <p:nvPr/>
+        </p:nvPicPr>
+        <p:blipFill>
+          <a:blip r:embed="rId3"/>
+          <a:stretch>
+            <a:fillRect/>
+          </a:stretch>
+        </p:blipFill>
+        <p:spPr>
+          <a:xfrm>
+            <a:off x="804234" y="1417638"/>
+            <a:ext cx="7535532" cy="4853064"/>
+          </a:xfrm>
+          <a:prstGeom prst="rect">
+            <a:avLst/>
+          </a:prstGeom>
+        </p:spPr>
+      </p:pic>
+    </p:spTree>
+    <p:extLst>
+      <p:ext uri="{BB962C8B-B14F-4D97-AF65-F5344CB8AC3E}">
+        <p14:creationId xmlns:p14="http://schemas.microsoft.com/office/powerpoint/2010/main" val="37970996"/>
+      </p:ext>
+    </p:extLst>
+  </p:cSld>
+  <p:clrMapOvr>
+    <a:masterClrMapping/>
+  </p:clrMapOvr>
+</p:sld>
+</file>
+
+<file path=ppt/slides/slide22.xml><?xml version="1.0" encoding="utf-8"?>
+<p:sld xmlns:a="http://schemas.openxmlformats.org/drawingml/2006/main" xmlns:r="http://schemas.openxmlformats.org/officeDocument/2006/relationships" xmlns:p="http://schemas.openxmlformats.org/presentationml/2006/main">
+  <p:cSld>
+    <p:spTree>
+      <p:nvGrpSpPr>
+        <p:cNvPr id="1" name=""/>
+        <p:cNvGrpSpPr/>
+        <p:nvPr/>
+      </p:nvGrpSpPr>
+      <p:grpSpPr>
+        <a:xfrm>
+          <a:off x="0" y="0"/>
+          <a:ext cx="0" cy="0"/>
+          <a:chOff x="0" y="0"/>
+          <a:chExt cx="0" cy="0"/>
+        </a:xfrm>
+      </p:grpSpPr>
+      <p:sp>
+        <p:nvSpPr>
+          <p:cNvPr id="2" name="Title 1">
+            <a:extLst>
+              <a:ext uri="{FF2B5EF4-FFF2-40B4-BE49-F238E27FC236}">
+                <a16:creationId xmlns:a16="http://schemas.microsoft.com/office/drawing/2014/main" id="{BA1CFB0B-3752-4BC2-90F4-141AB8C9BE78}"/>
+              </a:ext>
+            </a:extLst>
+          </p:cNvPr>
+          <p:cNvSpPr>
+            <a:spLocks noGrp="1"/>
+          </p:cNvSpPr>
+          <p:nvPr>
+            <p:ph type="title"/>
+          </p:nvPr>
+        </p:nvSpPr>
+        <p:spPr/>
+        <p:txBody>
+          <a:bodyPr/>
+          <a:lstStyle/>
+          <a:p>
+            <a:r>
+              <a:rPr lang="en-US" dirty="0" err="1"/>
               <a:t>Feladatok</a:t>
             </a:r>
             <a:endParaRPr lang="hu-HU" dirty="0"/>
@@ -16978,7 +18961,10 @@
               <a:rPr lang="en-US" dirty="0" err="1"/>
               <a:t>ködjön</a:t>
             </a:r>
-            <a:endParaRPr lang="en-US" dirty="0"/>
+            <a:r>
+              <a:rPr lang="en-US" dirty="0"/>
+              <a:t> (note)</a:t>
+            </a:r>
           </a:p>
           <a:p>
             <a:pPr marL="514350" indent="-514350">
@@ -17102,7 +19088,7 @@
 </p:sld>
 </file>
 
-<file path=ppt/slides/slide22.xml><?xml version="1.0" encoding="utf-8"?>
+<file path=ppt/slides/slide23.xml><?xml version="1.0" encoding="utf-8"?>
 <p:sld xmlns:a="http://schemas.openxmlformats.org/drawingml/2006/main" xmlns:r="http://schemas.openxmlformats.org/officeDocument/2006/relationships" xmlns:p="http://schemas.openxmlformats.org/presentationml/2006/main">
   <p:cSld>
     <p:spTree>
@@ -17491,248 +19477,6 @@
 </p:sld>
 </file>
 
-<file path=ppt/slides/slide23.xml><?xml version="1.0" encoding="utf-8"?>
-<p:sld xmlns:a="http://schemas.openxmlformats.org/drawingml/2006/main" xmlns:r="http://schemas.openxmlformats.org/officeDocument/2006/relationships" xmlns:p="http://schemas.openxmlformats.org/presentationml/2006/main">
-  <p:cSld>
-    <p:spTree>
-      <p:nvGrpSpPr>
-        <p:cNvPr id="1" name=""/>
-        <p:cNvGrpSpPr/>
-        <p:nvPr/>
-      </p:nvGrpSpPr>
-      <p:grpSpPr>
-        <a:xfrm>
-          <a:off x="0" y="0"/>
-          <a:ext cx="0" cy="0"/>
-          <a:chOff x="0" y="0"/>
-          <a:chExt cx="0" cy="0"/>
-        </a:xfrm>
-      </p:grpSpPr>
-      <p:sp>
-        <p:nvSpPr>
-          <p:cNvPr id="3" name="Szöveg helye 2"/>
-          <p:cNvSpPr>
-            <a:spLocks noGrp="1"/>
-          </p:cNvSpPr>
-          <p:nvPr>
-            <p:ph type="body" sz="quarter" idx="13"/>
-          </p:nvPr>
-        </p:nvSpPr>
-        <p:spPr/>
-        <p:txBody>
-          <a:bodyPr>
-            <a:normAutofit/>
-          </a:bodyPr>
-          <a:lstStyle/>
-          <a:p>
-            <a:endParaRPr lang="en-US" sz="2000" dirty="0"/>
-          </a:p>
-          <a:p>
-            <a:r>
-              <a:rPr lang="en-US" sz="2000" dirty="0">
-                <a:solidFill>
-                  <a:srgbClr val="FF0000"/>
-                </a:solidFill>
-              </a:rPr>
-              <a:t>	</a:t>
-            </a:r>
-            <a:r>
-              <a:rPr lang="en-US" sz="2000" dirty="0" err="1">
-                <a:solidFill>
-                  <a:srgbClr val="FF0000"/>
-                </a:solidFill>
-              </a:rPr>
-              <a:t>PerObjectCb</a:t>
-            </a:r>
-            <a:r>
-              <a:rPr lang="en-US" sz="2000" dirty="0">
-                <a:solidFill>
-                  <a:srgbClr val="FF0000"/>
-                </a:solidFill>
-              </a:rPr>
-              <a:t> </a:t>
-            </a:r>
-            <a:r>
-              <a:rPr lang="en-US" sz="2000" dirty="0" err="1">
-                <a:solidFill>
-                  <a:srgbClr val="FF0000"/>
-                </a:solidFill>
-              </a:rPr>
-              <a:t>cb</a:t>
-            </a:r>
-            <a:r>
-              <a:rPr lang="en-US" sz="2000" dirty="0">
-                <a:solidFill>
-                  <a:srgbClr val="FF0000"/>
-                </a:solidFill>
-              </a:rPr>
-              <a:t>;</a:t>
-            </a:r>
-          </a:p>
-          <a:p>
-            <a:r>
-              <a:rPr lang="en-US" sz="2000" dirty="0">
-                <a:solidFill>
-                  <a:srgbClr val="FF0000"/>
-                </a:solidFill>
-              </a:rPr>
-              <a:t>	</a:t>
-            </a:r>
-            <a:r>
-              <a:rPr lang="en-US" sz="2000" dirty="0" err="1">
-                <a:solidFill>
-                  <a:srgbClr val="FF0000"/>
-                </a:solidFill>
-              </a:rPr>
-              <a:t>com_ptr</a:t>
-            </a:r>
-            <a:r>
-              <a:rPr lang="en-US" sz="2000" dirty="0">
-                <a:solidFill>
-                  <a:srgbClr val="FF0000"/>
-                </a:solidFill>
-              </a:rPr>
-              <a:t>&lt;ID3D12Resource&gt; </a:t>
-            </a:r>
-            <a:r>
-              <a:rPr lang="en-US" sz="2000" dirty="0" err="1">
-                <a:solidFill>
-                  <a:srgbClr val="FF0000"/>
-                </a:solidFill>
-              </a:rPr>
-              <a:t>constantBuffer</a:t>
-            </a:r>
-            <a:r>
-              <a:rPr lang="en-US" sz="2000" dirty="0">
-                <a:solidFill>
-                  <a:srgbClr val="FF0000"/>
-                </a:solidFill>
-              </a:rPr>
-              <a:t>;</a:t>
-            </a:r>
-          </a:p>
-          <a:p>
-            <a:r>
-              <a:rPr lang="en-US" sz="2000" dirty="0">
-                <a:solidFill>
-                  <a:srgbClr val="FF0000"/>
-                </a:solidFill>
-              </a:rPr>
-              <a:t>	UINT8 * </a:t>
-            </a:r>
-            <a:r>
-              <a:rPr lang="en-US" sz="2000" dirty="0" err="1">
-                <a:solidFill>
-                  <a:srgbClr val="FF0000"/>
-                </a:solidFill>
-              </a:rPr>
-              <a:t>mappedPtr</a:t>
-            </a:r>
-            <a:r>
-              <a:rPr lang="en-US" sz="2000" dirty="0">
-                <a:solidFill>
-                  <a:srgbClr val="FF0000"/>
-                </a:solidFill>
-              </a:rPr>
-              <a:t>;</a:t>
-            </a:r>
-          </a:p>
-          <a:p>
-            <a:r>
-              <a:rPr lang="en-US" sz="2000" dirty="0"/>
-              <a:t>	</a:t>
-            </a:r>
-            <a:r>
-              <a:rPr lang="en-US" sz="2000" dirty="0" err="1"/>
-              <a:t>ConstantBuffer</a:t>
-            </a:r>
-            <a:r>
-              <a:rPr lang="en-US" sz="2000" dirty="0"/>
-              <a:t>&lt;</a:t>
-            </a:r>
-            <a:r>
-              <a:rPr lang="en-US" sz="2000" dirty="0" err="1"/>
-              <a:t>PerObjectCb</a:t>
-            </a:r>
-            <a:r>
-              <a:rPr lang="en-US" sz="2000" dirty="0"/>
-              <a:t>&gt; </a:t>
-            </a:r>
-            <a:r>
-              <a:rPr lang="en-US" sz="2000" dirty="0" err="1"/>
-              <a:t>cb</a:t>
-            </a:r>
-            <a:r>
-              <a:rPr lang="en-US" sz="2000" dirty="0"/>
-              <a:t>;</a:t>
-            </a:r>
-            <a:endParaRPr lang="en-US" sz="1600" dirty="0"/>
-          </a:p>
-        </p:txBody>
-      </p:sp>
-      <p:sp>
-        <p:nvSpPr>
-          <p:cNvPr id="6" name="Title 5">
-            <a:extLst>
-              <a:ext uri="{FF2B5EF4-FFF2-40B4-BE49-F238E27FC236}">
-                <a16:creationId xmlns:a16="http://schemas.microsoft.com/office/drawing/2014/main" id="{13397F04-F22D-49B7-9111-3E764FC17708}"/>
-              </a:ext>
-            </a:extLst>
-          </p:cNvPr>
-          <p:cNvSpPr>
-            <a:spLocks noGrp="1"/>
-          </p:cNvSpPr>
-          <p:nvPr>
-            <p:ph type="title"/>
-          </p:nvPr>
-        </p:nvSpPr>
-        <p:spPr>
-          <a:xfrm>
-            <a:off x="152400" y="76200"/>
-            <a:ext cx="8839200" cy="685800"/>
-          </a:xfrm>
-        </p:spPr>
-        <p:txBody>
-          <a:bodyPr/>
-          <a:lstStyle/>
-          <a:p>
-            <a:r>
-              <a:rPr lang="en-US" sz="4000" dirty="0" err="1"/>
-              <a:t>Box.h</a:t>
-            </a:r>
-            <a:r>
-              <a:rPr lang="en-US" sz="4000" dirty="0"/>
-              <a:t> - </a:t>
-            </a:r>
-            <a:r>
-              <a:rPr lang="en-US" sz="4000" dirty="0" err="1"/>
-              <a:t>Adattagok</a:t>
-            </a:r>
-            <a:r>
-              <a:rPr lang="en-US" sz="4000" dirty="0"/>
-              <a:t> </a:t>
-            </a:r>
-            <a:r>
-              <a:rPr lang="en-US" sz="4000" dirty="0" err="1"/>
-              <a:t>újra</a:t>
-            </a:r>
-            <a:endParaRPr lang="hu-HU" sz="4000" dirty="0"/>
-          </a:p>
-        </p:txBody>
-      </p:sp>
-    </p:spTree>
-    <p:extLst>
-      <p:ext uri="{BB962C8B-B14F-4D97-AF65-F5344CB8AC3E}">
-        <p14:creationId xmlns:p14="http://schemas.microsoft.com/office/powerpoint/2010/main" val="1954870959"/>
-      </p:ext>
-    </p:extLst>
-  </p:cSld>
-  <p:clrMapOvr>
-    <a:masterClrMapping/>
-  </p:clrMapOvr>
-</p:sld>
-</file>
-
 <file path=ppt/slides/slide24.xml><?xml version="1.0" encoding="utf-8"?>
 <p:sld xmlns:a="http://schemas.openxmlformats.org/drawingml/2006/main" xmlns:r="http://schemas.openxmlformats.org/officeDocument/2006/relationships" xmlns:p="http://schemas.openxmlformats.org/presentationml/2006/main">
   <p:cSld>
@@ -17767,39 +19511,148 @@
           </a:bodyPr>
           <a:lstStyle/>
           <a:p>
-            <a:r>
-              <a:rPr lang="en-US" sz="2400" dirty="0"/>
-              <a:t>void </a:t>
-            </a:r>
-            <a:r>
-              <a:rPr lang="en-US" sz="2400" dirty="0" err="1"/>
-              <a:t>CreateResources</a:t>
-            </a:r>
-            <a:r>
-              <a:rPr lang="en-US" sz="2400" dirty="0"/>
-              <a:t>(ID3D12Device * device) {</a:t>
-            </a:r>
-          </a:p>
-          <a:p>
-            <a:r>
-              <a:rPr lang="en-US" sz="2400" dirty="0"/>
+            <a:endParaRPr lang="en-US" sz="2000" dirty="0"/>
+          </a:p>
+          <a:p>
+            <a:r>
+              <a:rPr lang="en-US" sz="2000" dirty="0">
+                <a:solidFill>
+                  <a:srgbClr val="FF0000"/>
+                </a:solidFill>
+              </a:rPr>
               <a:t>	</a:t>
             </a:r>
             <a:r>
-              <a:rPr lang="en-US" sz="2400" dirty="0" err="1"/>
-              <a:t>cb.CreateResources</a:t>
-            </a:r>
-            <a:r>
-              <a:rPr lang="en-US" sz="2400" dirty="0"/>
-              <a:t>(device);</a:t>
-            </a:r>
-          </a:p>
-          <a:p>
-            <a:r>
-              <a:rPr lang="en-US" sz="2400" dirty="0"/>
-              <a:t>}</a:t>
-            </a:r>
-            <a:endParaRPr lang="en-US" sz="1200" dirty="0"/>
+              <a:rPr lang="en-US" sz="2000" dirty="0" err="1">
+                <a:solidFill>
+                  <a:srgbClr val="FF0000"/>
+                </a:solidFill>
+              </a:rPr>
+              <a:t>PerObjectCb</a:t>
+            </a:r>
+            <a:r>
+              <a:rPr lang="en-US" sz="2000" dirty="0">
+                <a:solidFill>
+                  <a:srgbClr val="FF0000"/>
+                </a:solidFill>
+              </a:rPr>
+              <a:t> </a:t>
+            </a:r>
+            <a:r>
+              <a:rPr lang="en-US" sz="2000" dirty="0" err="1">
+                <a:solidFill>
+                  <a:srgbClr val="FF0000"/>
+                </a:solidFill>
+              </a:rPr>
+              <a:t>cb</a:t>
+            </a:r>
+            <a:r>
+              <a:rPr lang="en-US" sz="2000" dirty="0">
+                <a:solidFill>
+                  <a:srgbClr val="FF0000"/>
+                </a:solidFill>
+              </a:rPr>
+              <a:t>;</a:t>
+            </a:r>
+          </a:p>
+          <a:p>
+            <a:r>
+              <a:rPr lang="en-US" sz="2000" dirty="0">
+                <a:solidFill>
+                  <a:srgbClr val="FF0000"/>
+                </a:solidFill>
+              </a:rPr>
+              <a:t>	</a:t>
+            </a:r>
+            <a:r>
+              <a:rPr lang="en-US" sz="2000" dirty="0" err="1">
+                <a:solidFill>
+                  <a:srgbClr val="FF0000"/>
+                </a:solidFill>
+              </a:rPr>
+              <a:t>com_ptr</a:t>
+            </a:r>
+            <a:r>
+              <a:rPr lang="en-US" sz="2000" dirty="0">
+                <a:solidFill>
+                  <a:srgbClr val="FF0000"/>
+                </a:solidFill>
+              </a:rPr>
+              <a:t>&lt;ID3D12Resource&gt; </a:t>
+            </a:r>
+            <a:r>
+              <a:rPr lang="en-US" sz="2000" dirty="0" err="1">
+                <a:solidFill>
+                  <a:srgbClr val="FF0000"/>
+                </a:solidFill>
+              </a:rPr>
+              <a:t>constantBuffer</a:t>
+            </a:r>
+            <a:r>
+              <a:rPr lang="en-US" sz="2000" dirty="0">
+                <a:solidFill>
+                  <a:srgbClr val="FF0000"/>
+                </a:solidFill>
+              </a:rPr>
+              <a:t>;</a:t>
+            </a:r>
+          </a:p>
+          <a:p>
+            <a:r>
+              <a:rPr lang="en-US" sz="2000" dirty="0">
+                <a:solidFill>
+                  <a:srgbClr val="FF0000"/>
+                </a:solidFill>
+              </a:rPr>
+              <a:t>	UINT8 * </a:t>
+            </a:r>
+            <a:r>
+              <a:rPr lang="en-US" sz="2000" dirty="0" err="1">
+                <a:solidFill>
+                  <a:srgbClr val="FF0000"/>
+                </a:solidFill>
+              </a:rPr>
+              <a:t>mappedPtr</a:t>
+            </a:r>
+            <a:r>
+              <a:rPr lang="en-US" sz="2000" dirty="0">
+                <a:solidFill>
+                  <a:srgbClr val="FF0000"/>
+                </a:solidFill>
+              </a:rPr>
+              <a:t>;</a:t>
+            </a:r>
+          </a:p>
+          <a:p>
+            <a:r>
+              <a:rPr lang="en-US" sz="2000" dirty="0"/>
+              <a:t>	</a:t>
+            </a:r>
+            <a:r>
+              <a:rPr lang="en-US" sz="2000" dirty="0" err="1"/>
+              <a:t>ConstantBuffer</a:t>
+            </a:r>
+            <a:r>
+              <a:rPr lang="en-US" sz="2000" dirty="0"/>
+              <a:t>&lt;</a:t>
+            </a:r>
+            <a:r>
+              <a:rPr lang="en-US" sz="2000" dirty="0" err="1"/>
+              <a:t>PerObjectCb</a:t>
+            </a:r>
+            <a:r>
+              <a:rPr lang="en-US" sz="2000" dirty="0"/>
+              <a:t>&gt; </a:t>
+            </a:r>
+            <a:r>
+              <a:rPr lang="en-US" sz="2000" dirty="0" err="1"/>
+              <a:t>cb</a:t>
+            </a:r>
+            <a:r>
+              <a:rPr lang="en-US" sz="2000" dirty="0"/>
+              <a:t>;</a:t>
+            </a:r>
+            <a:endParaRPr lang="en-US" sz="1600" dirty="0"/>
           </a:p>
         </p:txBody>
       </p:sp>
@@ -17839,7 +19692,15 @@
             </a:r>
             <a:r>
               <a:rPr lang="en-US" sz="4000" dirty="0" err="1"/>
-              <a:t>CreateResources</a:t>
+              <a:t>Adattagok</a:t>
+            </a:r>
+            <a:r>
+              <a:rPr lang="en-US" sz="4000" dirty="0"/>
+              <a:t> </a:t>
+            </a:r>
+            <a:r>
+              <a:rPr lang="en-US" sz="4000" dirty="0" err="1"/>
+              <a:t>újra</a:t>
             </a:r>
             <a:endParaRPr lang="hu-HU" sz="4000" dirty="0"/>
           </a:p>
@@ -17848,7 +19709,7 @@
     </p:spTree>
     <p:extLst>
       <p:ext uri="{BB962C8B-B14F-4D97-AF65-F5344CB8AC3E}">
-        <p14:creationId xmlns:p14="http://schemas.microsoft.com/office/powerpoint/2010/main" val="4095722055"/>
+        <p14:creationId xmlns:p14="http://schemas.microsoft.com/office/powerpoint/2010/main" val="1954870959"/>
       </p:ext>
     </p:extLst>
   </p:cSld>
@@ -17888,73 +19749,21 @@
         <p:spPr/>
         <p:txBody>
           <a:bodyPr>
-            <a:normAutofit lnSpcReduction="10000"/>
+            <a:normAutofit/>
           </a:bodyPr>
           <a:lstStyle/>
           <a:p>
             <a:r>
-              <a:rPr lang="fr-FR" sz="2400" dirty="0" err="1"/>
-              <a:t>void</a:t>
-            </a:r>
-            <a:r>
-              <a:rPr lang="fr-FR" sz="2400" dirty="0"/>
-              <a:t> Update(double </a:t>
-            </a:r>
-            <a:r>
-              <a:rPr lang="fr-FR" sz="2400" dirty="0" err="1"/>
-              <a:t>dt</a:t>
-            </a:r>
-            <a:r>
-              <a:rPr lang="fr-FR" sz="2400" dirty="0"/>
-              <a:t>, double T) {</a:t>
-            </a:r>
-            <a:endParaRPr lang="en-US" sz="2400" dirty="0"/>
-          </a:p>
-          <a:p>
-            <a:r>
               <a:rPr lang="en-US" sz="2400" dirty="0"/>
-              <a:t>	position = …// </a:t>
+              <a:t>void </a:t>
             </a:r>
             <a:r>
               <a:rPr lang="en-US" sz="2400" dirty="0" err="1"/>
-              <a:t>kiszámolod</a:t>
+              <a:t>CreateResources</a:t>
             </a:r>
             <a:r>
               <a:rPr lang="en-US" sz="2400" dirty="0"/>
-              <a:t> a </a:t>
-            </a:r>
-            <a:r>
-              <a:rPr lang="en-US" sz="2400" dirty="0" err="1"/>
-              <a:t>fizikát</a:t>
-            </a:r>
-            <a:endParaRPr lang="en-US" sz="2400" dirty="0"/>
-          </a:p>
-          <a:p>
-            <a:r>
-              <a:rPr lang="en-US" sz="2800" dirty="0"/>
-              <a:t>	</a:t>
-            </a:r>
-            <a:r>
-              <a:rPr lang="en-US" sz="2400" dirty="0" err="1"/>
-              <a:t>cb</a:t>
-            </a:r>
-            <a:r>
-              <a:rPr lang="en-US" sz="2400" dirty="0"/>
-              <a:t>-&gt;</a:t>
-            </a:r>
-            <a:r>
-              <a:rPr lang="en-US" sz="2400" dirty="0" err="1"/>
-              <a:t>modelTransform</a:t>
-            </a:r>
-            <a:r>
-              <a:rPr lang="en-US" sz="2400" dirty="0"/>
-              <a:t> =</a:t>
-            </a:r>
-          </a:p>
-          <a:p>
-            <a:r>
-              <a:rPr lang="en-US" sz="2400" dirty="0"/>
-              <a:t>		Float4x4::Translation(position);</a:t>
+              <a:t>(ID3D12Device * device) {</a:t>
             </a:r>
           </a:p>
           <a:p>
@@ -17964,11 +19773,11 @@
             </a:r>
             <a:r>
               <a:rPr lang="en-US" sz="2400" dirty="0" err="1"/>
-              <a:t>cb.Upload</a:t>
+              <a:t>cb.CreateResources</a:t>
             </a:r>
             <a:r>
               <a:rPr lang="en-US" sz="2400" dirty="0"/>
-              <a:t>();</a:t>
+              <a:t>(device);</a:t>
             </a:r>
           </a:p>
           <a:p>
@@ -17976,119 +19785,7 @@
               <a:rPr lang="en-US" sz="2400" dirty="0"/>
               <a:t>}</a:t>
             </a:r>
-          </a:p>
-          <a:p>
-            <a:endParaRPr lang="en-US" sz="2400" dirty="0"/>
-          </a:p>
-          <a:p>
-            <a:r>
-              <a:rPr lang="en-US" sz="2400" dirty="0"/>
-              <a:t>void Draw(ID3D12GraphicsCommandList * </a:t>
-            </a:r>
-            <a:r>
-              <a:rPr lang="en-US" sz="2400" dirty="0" err="1"/>
-              <a:t>commandList</a:t>
-            </a:r>
-            <a:r>
-              <a:rPr lang="en-US" sz="2400" dirty="0"/>
-              <a:t>) {</a:t>
-            </a:r>
-          </a:p>
-          <a:p>
-            <a:r>
-              <a:rPr lang="en-US" sz="2400" dirty="0"/>
-              <a:t>	</a:t>
-            </a:r>
-            <a:r>
-              <a:rPr lang="en-US" sz="2400" dirty="0" err="1"/>
-              <a:t>shadedMesh</a:t>
-            </a:r>
-            <a:r>
-              <a:rPr lang="en-US" sz="2400" dirty="0"/>
-              <a:t>-&gt;</a:t>
-            </a:r>
-            <a:r>
-              <a:rPr lang="en-US" sz="2400" dirty="0" err="1"/>
-              <a:t>SetPipelineState</a:t>
-            </a:r>
-            <a:r>
-              <a:rPr lang="en-US" sz="2400" dirty="0"/>
-              <a:t>(</a:t>
-            </a:r>
-            <a:r>
-              <a:rPr lang="en-US" sz="2400" dirty="0" err="1"/>
-              <a:t>commandList</a:t>
-            </a:r>
-            <a:r>
-              <a:rPr lang="en-US" sz="2400" dirty="0"/>
-              <a:t>);</a:t>
-            </a:r>
-          </a:p>
-          <a:p>
-            <a:r>
-              <a:rPr lang="en-US" sz="2400" dirty="0"/>
-              <a:t>	</a:t>
-            </a:r>
-            <a:r>
-              <a:rPr lang="en-US" sz="2400" dirty="0" err="1"/>
-              <a:t>shadedMesh</a:t>
-            </a:r>
-            <a:r>
-              <a:rPr lang="en-US" sz="2400" dirty="0"/>
-              <a:t>-&gt;</a:t>
-            </a:r>
-            <a:r>
-              <a:rPr lang="en-US" sz="2400" dirty="0" err="1"/>
-              <a:t>BindConstantBuffer</a:t>
-            </a:r>
-            <a:r>
-              <a:rPr lang="en-US" sz="2400" dirty="0"/>
-              <a:t>(</a:t>
-            </a:r>
-            <a:r>
-              <a:rPr lang="en-US" sz="2400" dirty="0" err="1"/>
-              <a:t>commandList</a:t>
-            </a:r>
-            <a:r>
-              <a:rPr lang="en-US" sz="2400" dirty="0"/>
-              <a:t>, </a:t>
-            </a:r>
-            <a:r>
-              <a:rPr lang="en-US" sz="2400" dirty="0" err="1"/>
-              <a:t>cb</a:t>
-            </a:r>
-            <a:r>
-              <a:rPr lang="en-US" sz="2400" dirty="0"/>
-              <a:t>);</a:t>
-            </a:r>
-          </a:p>
-          <a:p>
-            <a:r>
-              <a:rPr lang="en-US" sz="2400" dirty="0"/>
-              <a:t>	</a:t>
-            </a:r>
-            <a:r>
-              <a:rPr lang="en-US" sz="2400" dirty="0" err="1"/>
-              <a:t>shadedMesh</a:t>
-            </a:r>
-            <a:r>
-              <a:rPr lang="en-US" sz="2400" dirty="0"/>
-              <a:t>-&gt;Draw(</a:t>
-            </a:r>
-            <a:r>
-              <a:rPr lang="en-US" sz="2400" dirty="0" err="1"/>
-              <a:t>commandList</a:t>
-            </a:r>
-            <a:r>
-              <a:rPr lang="en-US" sz="2400" dirty="0"/>
-              <a:t>);</a:t>
-            </a:r>
-          </a:p>
-          <a:p>
-            <a:r>
-              <a:rPr lang="en-US" sz="2400" dirty="0"/>
-              <a:t>}</a:t>
-            </a:r>
+            <a:endParaRPr lang="en-US" sz="1200" dirty="0"/>
           </a:p>
         </p:txBody>
       </p:sp>
@@ -18124,6 +19821,295 @@
             </a:r>
             <a:r>
               <a:rPr lang="en-US" sz="4000" dirty="0"/>
+              <a:t> - </a:t>
+            </a:r>
+            <a:r>
+              <a:rPr lang="en-US" sz="4000" dirty="0" err="1"/>
+              <a:t>CreateResources</a:t>
+            </a:r>
+            <a:endParaRPr lang="hu-HU" sz="4000" dirty="0"/>
+          </a:p>
+        </p:txBody>
+      </p:sp>
+    </p:spTree>
+    <p:extLst>
+      <p:ext uri="{BB962C8B-B14F-4D97-AF65-F5344CB8AC3E}">
+        <p14:creationId xmlns:p14="http://schemas.microsoft.com/office/powerpoint/2010/main" val="4095722055"/>
+      </p:ext>
+    </p:extLst>
+  </p:cSld>
+  <p:clrMapOvr>
+    <a:masterClrMapping/>
+  </p:clrMapOvr>
+</p:sld>
+</file>
+
+<file path=ppt/slides/slide26.xml><?xml version="1.0" encoding="utf-8"?>
+<p:sld xmlns:a="http://schemas.openxmlformats.org/drawingml/2006/main" xmlns:r="http://schemas.openxmlformats.org/officeDocument/2006/relationships" xmlns:p="http://schemas.openxmlformats.org/presentationml/2006/main">
+  <p:cSld>
+    <p:spTree>
+      <p:nvGrpSpPr>
+        <p:cNvPr id="1" name=""/>
+        <p:cNvGrpSpPr/>
+        <p:nvPr/>
+      </p:nvGrpSpPr>
+      <p:grpSpPr>
+        <a:xfrm>
+          <a:off x="0" y="0"/>
+          <a:ext cx="0" cy="0"/>
+          <a:chOff x="0" y="0"/>
+          <a:chExt cx="0" cy="0"/>
+        </a:xfrm>
+      </p:grpSpPr>
+      <p:sp>
+        <p:nvSpPr>
+          <p:cNvPr id="3" name="Szöveg helye 2"/>
+          <p:cNvSpPr>
+            <a:spLocks noGrp="1"/>
+          </p:cNvSpPr>
+          <p:nvPr>
+            <p:ph type="body" sz="quarter" idx="13"/>
+          </p:nvPr>
+        </p:nvSpPr>
+        <p:spPr/>
+        <p:txBody>
+          <a:bodyPr>
+            <a:normAutofit lnSpcReduction="10000"/>
+          </a:bodyPr>
+          <a:lstStyle/>
+          <a:p>
+            <a:r>
+              <a:rPr lang="fr-FR" sz="2400" dirty="0" err="1"/>
+              <a:t>void</a:t>
+            </a:r>
+            <a:r>
+              <a:rPr lang="fr-FR" sz="2400" dirty="0"/>
+              <a:t> Update(double </a:t>
+            </a:r>
+            <a:r>
+              <a:rPr lang="fr-FR" sz="2400" dirty="0" err="1"/>
+              <a:t>dt</a:t>
+            </a:r>
+            <a:r>
+              <a:rPr lang="fr-FR" sz="2400" dirty="0"/>
+              <a:t>, double T) {</a:t>
+            </a:r>
+            <a:endParaRPr lang="en-US" sz="2400" dirty="0"/>
+          </a:p>
+          <a:p>
+            <a:r>
+              <a:rPr lang="en-US" sz="2400" dirty="0"/>
+              <a:t>	position = …// </a:t>
+            </a:r>
+            <a:r>
+              <a:rPr lang="en-US" sz="2400" dirty="0" err="1"/>
+              <a:t>kiszámolod</a:t>
+            </a:r>
+            <a:r>
+              <a:rPr lang="en-US" sz="2400" dirty="0"/>
+              <a:t> a </a:t>
+            </a:r>
+            <a:r>
+              <a:rPr lang="en-US" sz="2400" dirty="0" err="1"/>
+              <a:t>fizikát</a:t>
+            </a:r>
+            <a:endParaRPr lang="en-US" sz="2400" dirty="0"/>
+          </a:p>
+          <a:p>
+            <a:r>
+              <a:rPr lang="en-US" sz="2800" dirty="0"/>
+              <a:t>	</a:t>
+            </a:r>
+            <a:r>
+              <a:rPr lang="en-US" sz="2400" dirty="0" err="1"/>
+              <a:t>cb</a:t>
+            </a:r>
+            <a:r>
+              <a:rPr lang="en-US" sz="2400" dirty="0"/>
+              <a:t>-&gt;</a:t>
+            </a:r>
+            <a:r>
+              <a:rPr lang="en-US" sz="2400" dirty="0" err="1"/>
+              <a:t>modelTransform</a:t>
+            </a:r>
+            <a:r>
+              <a:rPr lang="en-US" sz="2400" dirty="0"/>
+              <a:t> =</a:t>
+            </a:r>
+          </a:p>
+          <a:p>
+            <a:r>
+              <a:rPr lang="en-US" sz="2400" dirty="0"/>
+              <a:t>		Float4x4::Translation(position);</a:t>
+            </a:r>
+          </a:p>
+          <a:p>
+            <a:r>
+              <a:rPr lang="en-US" sz="2400" dirty="0"/>
+              <a:t>	</a:t>
+            </a:r>
+            <a:r>
+              <a:rPr lang="en-US" sz="2400" dirty="0" err="1"/>
+              <a:t>cb.Upload</a:t>
+            </a:r>
+            <a:r>
+              <a:rPr lang="en-US" sz="2400" dirty="0"/>
+              <a:t>();</a:t>
+            </a:r>
+          </a:p>
+          <a:p>
+            <a:r>
+              <a:rPr lang="en-US" sz="2400" dirty="0"/>
+              <a:t>}</a:t>
+            </a:r>
+          </a:p>
+          <a:p>
+            <a:endParaRPr lang="en-US" sz="2400" dirty="0"/>
+          </a:p>
+          <a:p>
+            <a:r>
+              <a:rPr lang="en-US" sz="2400" dirty="0"/>
+              <a:t>void Draw(ID3D12GraphicsCommandList * </a:t>
+            </a:r>
+            <a:r>
+              <a:rPr lang="en-US" sz="2400" dirty="0" err="1"/>
+              <a:t>commandList</a:t>
+            </a:r>
+            <a:r>
+              <a:rPr lang="en-US" sz="2400" dirty="0"/>
+              <a:t>) {</a:t>
+            </a:r>
+          </a:p>
+          <a:p>
+            <a:r>
+              <a:rPr lang="en-US" sz="2400" dirty="0"/>
+              <a:t>	</a:t>
+            </a:r>
+            <a:r>
+              <a:rPr lang="en-US" sz="2400" dirty="0" err="1"/>
+              <a:t>shadedMesh</a:t>
+            </a:r>
+            <a:r>
+              <a:rPr lang="en-US" sz="2400" dirty="0"/>
+              <a:t>-&gt;</a:t>
+            </a:r>
+            <a:r>
+              <a:rPr lang="en-US" sz="2400" dirty="0" err="1"/>
+              <a:t>SetPipelineState</a:t>
+            </a:r>
+            <a:r>
+              <a:rPr lang="en-US" sz="2400" dirty="0"/>
+              <a:t>(</a:t>
+            </a:r>
+            <a:r>
+              <a:rPr lang="en-US" sz="2400" dirty="0" err="1"/>
+              <a:t>commandList</a:t>
+            </a:r>
+            <a:r>
+              <a:rPr lang="en-US" sz="2400" dirty="0"/>
+              <a:t>);</a:t>
+            </a:r>
+          </a:p>
+          <a:p>
+            <a:r>
+              <a:rPr lang="en-US" sz="2400" dirty="0"/>
+              <a:t>	</a:t>
+            </a:r>
+            <a:r>
+              <a:rPr lang="en-US" sz="2400" dirty="0" err="1"/>
+              <a:t>shadedMesh</a:t>
+            </a:r>
+            <a:r>
+              <a:rPr lang="en-US" sz="2400" dirty="0"/>
+              <a:t>-&gt;</a:t>
+            </a:r>
+            <a:r>
+              <a:rPr lang="en-US" sz="2400" dirty="0" err="1"/>
+              <a:t>BindConstantBuffer</a:t>
+            </a:r>
+            <a:r>
+              <a:rPr lang="en-US" sz="2400" dirty="0"/>
+              <a:t>(</a:t>
+            </a:r>
+            <a:r>
+              <a:rPr lang="en-US" sz="2400" dirty="0" err="1"/>
+              <a:t>commandList</a:t>
+            </a:r>
+            <a:r>
+              <a:rPr lang="en-US" sz="2400" dirty="0"/>
+              <a:t>, </a:t>
+            </a:r>
+            <a:r>
+              <a:rPr lang="en-US" sz="2400" dirty="0" err="1"/>
+              <a:t>cb</a:t>
+            </a:r>
+            <a:r>
+              <a:rPr lang="en-US" sz="2400" dirty="0"/>
+              <a:t>);</a:t>
+            </a:r>
+          </a:p>
+          <a:p>
+            <a:r>
+              <a:rPr lang="en-US" sz="2400" dirty="0"/>
+              <a:t>	</a:t>
+            </a:r>
+            <a:r>
+              <a:rPr lang="en-US" sz="2400" dirty="0" err="1"/>
+              <a:t>shadedMesh</a:t>
+            </a:r>
+            <a:r>
+              <a:rPr lang="en-US" sz="2400" dirty="0"/>
+              <a:t>-&gt;Draw(</a:t>
+            </a:r>
+            <a:r>
+              <a:rPr lang="en-US" sz="2400" dirty="0" err="1"/>
+              <a:t>commandList</a:t>
+            </a:r>
+            <a:r>
+              <a:rPr lang="en-US" sz="2400" dirty="0"/>
+              <a:t>);</a:t>
+            </a:r>
+          </a:p>
+          <a:p>
+            <a:r>
+              <a:rPr lang="en-US" sz="2400" dirty="0"/>
+              <a:t>}</a:t>
+            </a:r>
+          </a:p>
+        </p:txBody>
+      </p:sp>
+      <p:sp>
+        <p:nvSpPr>
+          <p:cNvPr id="6" name="Title 5">
+            <a:extLst>
+              <a:ext uri="{FF2B5EF4-FFF2-40B4-BE49-F238E27FC236}">
+                <a16:creationId xmlns:a16="http://schemas.microsoft.com/office/drawing/2014/main" id="{13397F04-F22D-49B7-9111-3E764FC17708}"/>
+              </a:ext>
+            </a:extLst>
+          </p:cNvPr>
+          <p:cNvSpPr>
+            <a:spLocks noGrp="1"/>
+          </p:cNvSpPr>
+          <p:nvPr>
+            <p:ph type="title"/>
+          </p:nvPr>
+        </p:nvSpPr>
+        <p:spPr>
+          <a:xfrm>
+            <a:off x="152400" y="76200"/>
+            <a:ext cx="8839200" cy="685800"/>
+          </a:xfrm>
+        </p:spPr>
+        <p:txBody>
+          <a:bodyPr/>
+          <a:lstStyle/>
+          <a:p>
+            <a:r>
+              <a:rPr lang="en-US" sz="4000" dirty="0" err="1"/>
+              <a:t>Box.h</a:t>
+            </a:r>
+            <a:r>
+              <a:rPr lang="en-US" sz="4000" dirty="0"/>
               <a:t> – </a:t>
             </a:r>
             <a:r>
@@ -18155,7 +20141,7 @@
 </p:sld>
 </file>
 
-<file path=ppt/slides/slide26.xml><?xml version="1.0" encoding="utf-8"?>
+<file path=ppt/slides/slide27.xml><?xml version="1.0" encoding="utf-8"?>
 <p:sld xmlns:a="http://schemas.openxmlformats.org/drawingml/2006/main" xmlns:r="http://schemas.openxmlformats.org/officeDocument/2006/relationships" xmlns:p="http://schemas.openxmlformats.org/presentationml/2006/main">
   <p:cSld>
     <p:spTree>

--- a/Slides/gg001-Libraries.pptx
+++ b/Slides/gg001-Libraries.pptx
@@ -235,7 +235,7 @@
             <a:fld id="{C0D025BB-35D5-419D-8ED2-E5EDB67F143A}" type="datetimeFigureOut">
               <a:rPr lang="en-US" smtClean="0"/>
               <a:pPr/>
-              <a:t>8/8/2019</a:t>
+              <a:t>8/9/2019</a:t>
             </a:fld>
             <a:endParaRPr lang="en-US"/>
           </a:p>
@@ -2532,15 +2532,39 @@
           <a:p>
             <a:r>
               <a:rPr lang="en-US" dirty="0"/>
-              <a:t>Az </a:t>
-            </a:r>
-            <a:r>
-              <a:rPr lang="en-US" dirty="0" err="1"/>
-              <a:t>erőforrás</a:t>
-            </a:r>
-            <a:r>
-              <a:rPr lang="en-US" dirty="0"/>
-              <a:t> </a:t>
+              <a:t>A </a:t>
+            </a:r>
+            <a:r>
+              <a:rPr lang="en-US" dirty="0" err="1"/>
+              <a:t>konstans</a:t>
+            </a:r>
+            <a:r>
+              <a:rPr lang="en-US" dirty="0"/>
+              <a:t> </a:t>
+            </a:r>
+            <a:r>
+              <a:rPr lang="en-US" dirty="0" err="1"/>
+              <a:t>buffereknek</a:t>
+            </a:r>
+            <a:r>
+              <a:rPr lang="en-US" dirty="0"/>
+              <a:t> </a:t>
+            </a:r>
+            <a:r>
+              <a:rPr lang="en-US" dirty="0" err="1"/>
+              <a:t>foglalt</a:t>
+            </a:r>
+            <a:r>
+              <a:rPr lang="en-US" dirty="0"/>
+              <a:t> </a:t>
+            </a:r>
+            <a:r>
+              <a:rPr lang="en-US" dirty="0" err="1"/>
+              <a:t>erőforrásnak</a:t>
+            </a:r>
+            <a:r>
+              <a:rPr lang="en-US" dirty="0"/>
+              <a:t> a </a:t>
             </a:r>
             <a:r>
               <a:rPr lang="en-US" dirty="0" err="1"/>
@@ -2548,11 +2572,11 @@
             </a:r>
             <a:r>
               <a:rPr lang="en-US" dirty="0"/>
-              <a:t> 256-al </a:t>
-            </a:r>
-            <a:r>
-              <a:rPr lang="en-US" dirty="0" err="1"/>
-              <a:t>osztható</a:t>
+              <a:t> 256-nak a </a:t>
+            </a:r>
+            <a:r>
+              <a:rPr lang="en-US" dirty="0" err="1"/>
+              <a:t>többszöröse</a:t>
             </a:r>
             <a:r>
               <a:rPr lang="en-US" dirty="0"/>
@@ -2564,7 +2588,7 @@
             </a:r>
             <a:r>
               <a:rPr lang="en-US" dirty="0"/>
-              <a:t> </a:t>
+              <a:t>, </a:t>
             </a:r>
             <a:r>
               <a:rPr lang="en-US" dirty="0" err="1"/>
@@ -2890,79 +2914,63 @@
             </a:r>
             <a:r>
               <a:rPr lang="en-US" dirty="0" err="1"/>
-              <a:t>memóriakezelés</a:t>
-            </a:r>
-            <a:r>
-              <a:rPr lang="en-US" dirty="0"/>
-              <a:t> </a:t>
-            </a:r>
-            <a:r>
-              <a:rPr lang="en-US" dirty="0" err="1"/>
-              <a:t>kifejezetten</a:t>
-            </a:r>
-            <a:r>
-              <a:rPr lang="en-US" dirty="0"/>
-              <a:t> </a:t>
-            </a:r>
-            <a:r>
-              <a:rPr lang="en-US" dirty="0" err="1"/>
-              <a:t>kifinomult</a:t>
-            </a:r>
-            <a:r>
-              <a:rPr lang="en-US" dirty="0"/>
-              <a:t> DX12-ben, </a:t>
-            </a:r>
-            <a:r>
-              <a:rPr lang="en-US" dirty="0" err="1"/>
-              <a:t>lehet</a:t>
-            </a:r>
-            <a:r>
-              <a:rPr lang="en-US" dirty="0"/>
-              <a:t> </a:t>
-            </a:r>
-            <a:r>
-              <a:rPr lang="en-US" dirty="0" err="1"/>
-              <a:t>nagyon</a:t>
-            </a:r>
-            <a:r>
-              <a:rPr lang="en-US" dirty="0"/>
-              <a:t> </a:t>
-            </a:r>
-            <a:r>
-              <a:rPr lang="en-US" dirty="0" err="1"/>
-              <a:t>precízen</a:t>
-            </a:r>
-            <a:r>
-              <a:rPr lang="en-US" dirty="0"/>
-              <a:t> </a:t>
-            </a:r>
-            <a:r>
-              <a:rPr lang="en-US" dirty="0" err="1"/>
-              <a:t>és</a:t>
-            </a:r>
-            <a:r>
-              <a:rPr lang="en-US" dirty="0"/>
-              <a:t> </a:t>
-            </a:r>
-            <a:r>
-              <a:rPr lang="en-US" dirty="0" err="1"/>
-              <a:t>gyors</a:t>
-            </a:r>
-            <a:r>
-              <a:rPr lang="en-US" dirty="0"/>
-              <a:t> </a:t>
-            </a:r>
-            <a:r>
-              <a:rPr lang="en-US" dirty="0" err="1"/>
-              <a:t>programot</a:t>
-            </a:r>
-            <a:r>
-              <a:rPr lang="en-US" dirty="0"/>
-              <a:t> </a:t>
-            </a:r>
-            <a:r>
-              <a:rPr lang="en-US" dirty="0" err="1"/>
-              <a:t>írni</a:t>
+              <a:t>memóriakezelésre</a:t>
+            </a:r>
+            <a:r>
+              <a:rPr lang="en-US" dirty="0"/>
+              <a:t> </a:t>
+            </a:r>
+            <a:r>
+              <a:rPr lang="en-US" dirty="0" err="1"/>
+              <a:t>rengeteg</a:t>
+            </a:r>
+            <a:r>
+              <a:rPr lang="en-US" dirty="0"/>
+              <a:t> </a:t>
+            </a:r>
+            <a:r>
+              <a:rPr lang="en-US" dirty="0" err="1"/>
+              <a:t>különböző</a:t>
+            </a:r>
+            <a:r>
+              <a:rPr lang="en-US" dirty="0"/>
+              <a:t> </a:t>
+            </a:r>
+            <a:r>
+              <a:rPr lang="en-US" dirty="0" err="1"/>
+              <a:t>eszköze</a:t>
+            </a:r>
+            <a:r>
+              <a:rPr lang="en-US" dirty="0"/>
+              <a:t> van a </a:t>
+            </a:r>
+            <a:r>
+              <a:rPr lang="en-US" dirty="0" err="1"/>
+              <a:t>fejlesztőnek</a:t>
+            </a:r>
+            <a:r>
+              <a:rPr lang="en-US" dirty="0"/>
+              <a:t>. Mi </a:t>
+            </a:r>
+            <a:r>
+              <a:rPr lang="en-US" dirty="0" err="1"/>
+              <a:t>idő</a:t>
+            </a:r>
+            <a:r>
+              <a:rPr lang="en-US" dirty="0"/>
+              <a:t> </a:t>
+            </a:r>
+            <a:r>
+              <a:rPr lang="en-US" dirty="0" err="1"/>
+              <a:t>hiányában</a:t>
+            </a:r>
+            <a:r>
+              <a:rPr lang="en-US" dirty="0"/>
+              <a:t> </a:t>
+            </a:r>
+            <a:r>
+              <a:rPr lang="en-US" dirty="0" err="1"/>
+              <a:t>mindig</a:t>
             </a:r>
             <a:r>
               <a:rPr lang="en-US" dirty="0"/>
@@ -2970,39 +2978,79 @@
             </a:r>
             <a:r>
               <a:rPr lang="en-US" dirty="0" err="1"/>
-              <a:t>helyes</a:t>
-            </a:r>
-            <a:r>
-              <a:rPr lang="en-US" dirty="0"/>
-              <a:t> </a:t>
-            </a:r>
-            <a:r>
-              <a:rPr lang="en-US" dirty="0" err="1"/>
-              <a:t>memóriakezeléssel</a:t>
-            </a:r>
-            <a:r>
-              <a:rPr lang="en-US" dirty="0"/>
-              <a:t>. </a:t>
-            </a:r>
-            <a:r>
-              <a:rPr lang="en-US" dirty="0" err="1"/>
-              <a:t>Erre</a:t>
-            </a:r>
-            <a:r>
-              <a:rPr lang="en-US" dirty="0"/>
-              <a:t> </a:t>
-            </a:r>
-            <a:r>
-              <a:rPr lang="en-US" dirty="0" err="1"/>
-              <a:t>nekünk</a:t>
-            </a:r>
-            <a:r>
-              <a:rPr lang="en-US" dirty="0"/>
-              <a:t> </a:t>
-            </a:r>
-            <a:r>
-              <a:rPr lang="en-US" dirty="0" err="1"/>
-              <a:t>sajnos</a:t>
+              <a:t>legrövidebbet</a:t>
+            </a:r>
+            <a:r>
+              <a:rPr lang="en-US" dirty="0"/>
+              <a:t> / </a:t>
+            </a:r>
+            <a:r>
+              <a:rPr lang="en-US" dirty="0" err="1"/>
+              <a:t>legegyszer</a:t>
+            </a:r>
+            <a:r>
+              <a:rPr lang="hu-HU" dirty="0"/>
+              <a:t>ű</a:t>
+            </a:r>
+            <a:r>
+              <a:rPr lang="en-US" dirty="0" err="1"/>
+              <a:t>bbet</a:t>
+            </a:r>
+            <a:r>
+              <a:rPr lang="en-US" dirty="0"/>
+              <a:t> </a:t>
+            </a:r>
+            <a:r>
+              <a:rPr lang="en-US" dirty="0" err="1"/>
+              <a:t>választjuk</a:t>
+            </a:r>
+            <a:r>
+              <a:rPr lang="en-US" dirty="0"/>
+              <a:t>, </a:t>
+            </a:r>
+            <a:r>
+              <a:rPr lang="en-US" dirty="0" err="1"/>
+              <a:t>amely</a:t>
+            </a:r>
+            <a:r>
+              <a:rPr lang="en-US" dirty="0"/>
+              <a:t> </a:t>
+            </a:r>
+            <a:r>
+              <a:rPr lang="en-US" dirty="0" err="1"/>
+              <a:t>általában</a:t>
+            </a:r>
+            <a:r>
+              <a:rPr lang="en-US" dirty="0"/>
+              <a:t> a </a:t>
+            </a:r>
+            <a:r>
+              <a:rPr lang="en-US" dirty="0" err="1"/>
+              <a:t>sebesség</a:t>
+            </a:r>
+            <a:r>
+              <a:rPr lang="en-US" dirty="0"/>
+              <a:t> </a:t>
+            </a:r>
+            <a:r>
+              <a:rPr lang="en-US" dirty="0" err="1"/>
+              <a:t>rovására</a:t>
+            </a:r>
+            <a:r>
+              <a:rPr lang="en-US" dirty="0"/>
+              <a:t> </a:t>
+            </a:r>
+            <a:r>
+              <a:rPr lang="en-US" dirty="0" err="1"/>
+              <a:t>megy</a:t>
+            </a:r>
+            <a:r>
+              <a:rPr lang="en-US" dirty="0"/>
+              <a:t> (</a:t>
+            </a:r>
+            <a:r>
+              <a:rPr lang="en-US" dirty="0" err="1"/>
+              <a:t>ami</a:t>
             </a:r>
             <a:r>
               <a:rPr lang="en-US" dirty="0"/>
@@ -3018,59 +3066,83 @@
             </a:r>
             <a:r>
               <a:rPr lang="en-US" dirty="0" err="1"/>
-              <a:t>lesz</a:t>
-            </a:r>
-            <a:r>
-              <a:rPr lang="en-US" dirty="0"/>
-              <a:t> </a:t>
-            </a:r>
-            <a:r>
-              <a:rPr lang="en-US" dirty="0" err="1"/>
-              <a:t>időnk</a:t>
+              <a:t>érdekel</a:t>
+            </a:r>
+            <a:r>
+              <a:rPr lang="en-US" dirty="0"/>
+              <a:t> </a:t>
+            </a:r>
+            <a:r>
+              <a:rPr lang="en-US" dirty="0" err="1"/>
+              <a:t>minket</a:t>
+            </a:r>
+            <a:r>
+              <a:rPr lang="en-US" dirty="0"/>
+              <a:t> </a:t>
+            </a:r>
+            <a:r>
+              <a:rPr lang="en-US" dirty="0" err="1"/>
+              <a:t>ekkora</a:t>
+            </a:r>
+            <a:r>
+              <a:rPr lang="en-US" dirty="0"/>
+              <a:t> </a:t>
+            </a:r>
+            <a:r>
+              <a:rPr lang="en-US" dirty="0" err="1"/>
+              <a:t>kis</a:t>
+            </a:r>
+            <a:r>
+              <a:rPr lang="en-US" dirty="0"/>
+              <a:t> </a:t>
+            </a:r>
+            <a:r>
+              <a:rPr lang="en-US" dirty="0" err="1"/>
+              <a:t>projektekben</a:t>
+            </a:r>
+            <a:r>
+              <a:rPr lang="en-US" dirty="0"/>
+              <a:t>). Ha </a:t>
+            </a:r>
+            <a:r>
+              <a:rPr lang="en-US" dirty="0" err="1"/>
+              <a:t>viszont</a:t>
+            </a:r>
+            <a:r>
+              <a:rPr lang="en-US" dirty="0"/>
+              <a:t> </a:t>
+            </a:r>
+            <a:r>
+              <a:rPr lang="en-US" dirty="0" err="1"/>
+              <a:t>szeretnéd</a:t>
+            </a:r>
+            <a:r>
+              <a:rPr lang="en-US" dirty="0"/>
+              <a:t> </a:t>
+            </a:r>
+            <a:r>
+              <a:rPr lang="en-US" dirty="0" err="1"/>
+              <a:t>beleásni</a:t>
+            </a:r>
+            <a:r>
+              <a:rPr lang="en-US" dirty="0"/>
+              <a:t> </a:t>
+            </a:r>
+            <a:r>
+              <a:rPr lang="en-US" dirty="0" err="1"/>
+              <a:t>magad</a:t>
+            </a:r>
+            <a:r>
+              <a:rPr lang="en-US" dirty="0"/>
+              <a:t> </a:t>
+            </a:r>
+            <a:r>
+              <a:rPr lang="en-US" dirty="0" err="1"/>
+              <a:t>ilyesmibe</a:t>
             </a:r>
             <a:r>
               <a:rPr lang="en-US" dirty="0"/>
               <a:t>, </a:t>
-            </a:r>
-            <a:r>
-              <a:rPr lang="en-US" dirty="0" err="1"/>
-              <a:t>viszont</a:t>
-            </a:r>
-            <a:r>
-              <a:rPr lang="en-US" dirty="0"/>
-              <a:t> ha </a:t>
-            </a:r>
-            <a:r>
-              <a:rPr lang="en-US" dirty="0" err="1"/>
-              <a:t>ilyesmibe</a:t>
-            </a:r>
-            <a:r>
-              <a:rPr lang="en-US" dirty="0"/>
-              <a:t> </a:t>
-            </a:r>
-            <a:r>
-              <a:rPr lang="en-US" dirty="0" err="1"/>
-              <a:t>szeretnéd</a:t>
-            </a:r>
-            <a:r>
-              <a:rPr lang="en-US" dirty="0"/>
-              <a:t> </a:t>
-            </a:r>
-            <a:r>
-              <a:rPr lang="en-US" dirty="0" err="1"/>
-              <a:t>beleásni</a:t>
-            </a:r>
-            <a:r>
-              <a:rPr lang="en-US" dirty="0"/>
-              <a:t> </a:t>
-            </a:r>
-            <a:r>
-              <a:rPr lang="en-US" dirty="0" err="1"/>
-              <a:t>magadat</a:t>
-            </a:r>
-            <a:r>
-              <a:rPr lang="en-US" dirty="0"/>
-              <a:t> </a:t>
             </a:r>
             <a:r>
               <a:rPr lang="en-US" dirty="0" err="1"/>
@@ -7010,10 +7082,9 @@
               <a:t>figyelni</a:t>
             </a:r>
             <a:r>
-              <a:rPr lang="en-US"/>
+              <a:rPr lang="en-US" dirty="0"/>
               <a:t>.</a:t>
             </a:r>
-            <a:endParaRPr lang="en-US" dirty="0"/>
           </a:p>
         </p:txBody>
       </p:sp>
@@ -14489,7 +14560,7 @@
             <a:fld id="{77DAEA1A-6276-4434-840E-9C81C04BC3C1}" type="datetimeFigureOut">
               <a:rPr lang="en-US" smtClean="0"/>
               <a:pPr/>
-              <a:t>8/8/2019</a:t>
+              <a:t>8/9/2019</a:t>
             </a:fld>
             <a:endParaRPr lang="en-US"/>
           </a:p>
@@ -14905,17 +14976,21 @@
         <p:spPr/>
         <p:txBody>
           <a:bodyPr>
-            <a:normAutofit/>
+            <a:normAutofit fontScale="92500" lnSpcReduction="20000"/>
           </a:bodyPr>
           <a:lstStyle/>
           <a:p>
             <a:r>
-              <a:rPr lang="en-US" dirty="0"/>
-              <a:t>DirectX12 </a:t>
-            </a:r>
-            <a:r>
-              <a:rPr lang="en-US" dirty="0" err="1"/>
-              <a:t>alapok</a:t>
+              <a:rPr lang="en-US" dirty="0" err="1"/>
+              <a:t>Projekt</a:t>
+            </a:r>
+            <a:r>
+              <a:rPr lang="en-US" dirty="0"/>
+              <a:t> </a:t>
+            </a:r>
+            <a:r>
+              <a:rPr lang="en-US" dirty="0" err="1"/>
+              <a:t>dekompozíció</a:t>
             </a:r>
             <a:r>
               <a:rPr lang="en-US" dirty="0"/>
@@ -14923,15 +14998,15 @@
             </a:r>
             <a:r>
               <a:rPr lang="en-US" dirty="0" err="1"/>
-              <a:t>háromszög</a:t>
-            </a:r>
-            <a:r>
-              <a:rPr lang="en-US" dirty="0"/>
-              <a:t> </a:t>
-            </a:r>
-            <a:r>
-              <a:rPr lang="en-US" dirty="0" err="1"/>
-              <a:t>rajzolás</a:t>
+              <a:t>konstans</a:t>
+            </a:r>
+            <a:r>
+              <a:rPr lang="en-US" dirty="0"/>
+              <a:t> </a:t>
+            </a:r>
+            <a:r>
+              <a:rPr lang="en-US" dirty="0" err="1"/>
+              <a:t>bufferek</a:t>
             </a:r>
             <a:endParaRPr lang="en-US" dirty="0"/>
           </a:p>
@@ -19515,14 +19590,6 @@
           </a:p>
           <a:p>
             <a:r>
-              <a:rPr lang="en-US" sz="2000" dirty="0">
-                <a:solidFill>
-                  <a:srgbClr val="FF0000"/>
-                </a:solidFill>
-              </a:rPr>
-              <a:t>	</a:t>
-            </a:r>
-            <a:r>
               <a:rPr lang="en-US" sz="2000" dirty="0" err="1">
                 <a:solidFill>
                   <a:srgbClr val="FF0000"/>
@@ -19557,14 +19624,6 @@
           </a:p>
           <a:p>
             <a:r>
-              <a:rPr lang="en-US" sz="2000" dirty="0">
-                <a:solidFill>
-                  <a:srgbClr val="FF0000"/>
-                </a:solidFill>
-              </a:rPr>
-              <a:t>	</a:t>
-            </a:r>
-            <a:r>
               <a:rPr lang="en-US" sz="2000" dirty="0" err="1">
                 <a:solidFill>
                   <a:srgbClr val="FF0000"/>
@@ -19604,7 +19663,7 @@
                   <a:srgbClr val="FF0000"/>
                 </a:solidFill>
               </a:rPr>
-              <a:t>	UINT8 * </a:t>
+              <a:t>UINT8 * </a:t>
             </a:r>
             <a:r>
               <a:rPr lang="en-US" sz="2000" dirty="0" err="1">
@@ -19624,10 +19683,6 @@
             </a:r>
           </a:p>
           <a:p>
-            <a:r>
-              <a:rPr lang="en-US" sz="2000" dirty="0"/>
-              <a:t>	</a:t>
-            </a:r>
             <a:r>
               <a:rPr lang="en-US" sz="2000" dirty="0" err="1"/>
               <a:t>ConstantBuffer</a:t>
@@ -20382,7 +20437,7 @@
             </a:r>
             <a:r>
               <a:rPr lang="en-US" dirty="0" err="1"/>
-              <a:t>constructorban</a:t>
+              <a:t>konstruktorban</a:t>
             </a:r>
             <a:endParaRPr lang="en-US" dirty="0"/>
           </a:p>
@@ -20521,11 +20576,7 @@
             </a:pPr>
             <a:r>
               <a:rPr lang="en-US" dirty="0"/>
-              <a:t>Ne </a:t>
-            </a:r>
-            <a:r>
-              <a:rPr lang="en-US"/>
-              <a:t>a Box </a:t>
+              <a:t>Ne a Box </a:t>
             </a:r>
             <a:r>
               <a:rPr lang="en-US" dirty="0" err="1"/>

--- a/Slides/gg001-Libraries.pptx
+++ b/Slides/gg001-Libraries.pptx
@@ -17549,22 +17549,6 @@
               <a:rPr lang="en-US" dirty="0" err="1"/>
               <a:t>osztályban</a:t>
             </a:r>
-            <a:r>
-              <a:rPr lang="en-US" dirty="0"/>
-              <a:t> </a:t>
-            </a:r>
-            <a:r>
-              <a:rPr lang="en-US" dirty="0" err="1"/>
-              <a:t>és</a:t>
-            </a:r>
-            <a:r>
-              <a:rPr lang="en-US" dirty="0"/>
-              <a:t> </a:t>
-            </a:r>
-            <a:r>
-              <a:rPr lang="en-US" dirty="0" err="1"/>
-              <a:t>inicializáld</a:t>
-            </a:r>
             <a:endParaRPr lang="en-US" dirty="0"/>
           </a:p>
           <a:p>
@@ -18494,16 +18478,60 @@
               <a:buAutoNum type="arabicPeriod" startAt="4"/>
             </a:pPr>
             <a:r>
-              <a:rPr lang="en-US" dirty="0" err="1"/>
-              <a:t>Hozz</a:t>
-            </a:r>
-            <a:r>
-              <a:rPr lang="en-US" dirty="0"/>
-              <a:t> </a:t>
-            </a:r>
-            <a:r>
-              <a:rPr lang="en-US" dirty="0" err="1"/>
-              <a:t>létre</a:t>
+              <a:rPr lang="en-US" dirty="0"/>
+              <a:t>A ggl001App-hoz adj </a:t>
+            </a:r>
+            <a:r>
+              <a:rPr lang="en-US" dirty="0" err="1"/>
+              <a:t>hozzá</a:t>
+            </a:r>
+            <a:r>
+              <a:rPr lang="en-US" dirty="0"/>
+              <a:t> </a:t>
+            </a:r>
+            <a:r>
+              <a:rPr lang="en-US" dirty="0" err="1"/>
+              <a:t>egy</a:t>
+            </a:r>
+            <a:r>
+              <a:rPr lang="en-US" dirty="0"/>
+              <a:t> std::vector&lt;Box::P&gt; </a:t>
+            </a:r>
+            <a:r>
+              <a:rPr lang="en-US" dirty="0" err="1"/>
+              <a:t>adattagot</a:t>
+            </a:r>
+            <a:r>
+              <a:rPr lang="en-US" dirty="0"/>
+              <a:t> </a:t>
+            </a:r>
+            <a:r>
+              <a:rPr lang="en-US" dirty="0" err="1"/>
+              <a:t>és</a:t>
+            </a:r>
+            <a:r>
+              <a:rPr lang="en-US" dirty="0"/>
+              <a:t> a </a:t>
+            </a:r>
+            <a:r>
+              <a:rPr lang="en-US" dirty="0" err="1"/>
+              <a:t>segítségével</a:t>
+            </a:r>
+            <a:r>
+              <a:rPr lang="en-US" dirty="0"/>
+              <a:t> </a:t>
+            </a:r>
+            <a:r>
+              <a:rPr lang="en-US" dirty="0" err="1"/>
+              <a:t>rajzolj</a:t>
+            </a:r>
+            <a:r>
+              <a:rPr lang="en-US" dirty="0"/>
+              <a:t> </a:t>
+            </a:r>
+            <a:r>
+              <a:rPr lang="en-US" dirty="0" err="1"/>
+              <a:t>ki</a:t>
             </a:r>
             <a:r>
               <a:rPr lang="en-US" dirty="0"/>
@@ -18519,23 +18547,63 @@
             </a:r>
             <a:r>
               <a:rPr lang="en-US" dirty="0" err="1"/>
-              <a:t>doboz</a:t>
-            </a:r>
-            <a:r>
-              <a:rPr lang="en-US" dirty="0"/>
-              <a:t> </a:t>
-            </a:r>
-            <a:r>
-              <a:rPr lang="en-US" dirty="0" err="1"/>
-              <a:t>példányt</a:t>
-            </a:r>
-            <a:r>
-              <a:rPr lang="en-US" dirty="0"/>
-              <a:t>, adj </a:t>
-            </a:r>
-            <a:r>
-              <a:rPr lang="en-US" dirty="0" err="1"/>
-              <a:t>nekik</a:t>
+              <a:t>dobozt</a:t>
+            </a:r>
+            <a:r>
+              <a:rPr lang="en-US" dirty="0"/>
+              <a:t>. Told el </a:t>
+            </a:r>
+            <a:r>
+              <a:rPr lang="en-US" dirty="0" err="1"/>
+              <a:t>őket</a:t>
+            </a:r>
+            <a:r>
+              <a:rPr lang="en-US" dirty="0"/>
+              <a:t> X </a:t>
+            </a:r>
+            <a:r>
+              <a:rPr lang="en-US" dirty="0" err="1"/>
+              <a:t>irányba</a:t>
+            </a:r>
+            <a:r>
+              <a:rPr lang="en-US" dirty="0"/>
+              <a:t> </a:t>
+            </a:r>
+            <a:r>
+              <a:rPr lang="en-US" dirty="0" err="1"/>
+              <a:t>és</a:t>
+            </a:r>
+            <a:r>
+              <a:rPr lang="en-US" dirty="0"/>
+              <a:t> a </a:t>
+            </a:r>
+            <a:r>
+              <a:rPr lang="en-US" dirty="0" err="1"/>
+              <a:t>pozíció</a:t>
+            </a:r>
+            <a:r>
+              <a:rPr lang="en-US" dirty="0"/>
+              <a:t> Y </a:t>
+            </a:r>
+            <a:r>
+              <a:rPr lang="en-US" dirty="0" err="1"/>
+              <a:t>komponense</a:t>
+            </a:r>
+            <a:r>
+              <a:rPr lang="en-US" dirty="0"/>
+              <a:t> </a:t>
+            </a:r>
+            <a:r>
+              <a:rPr lang="en-US" dirty="0" err="1"/>
+              <a:t>pedig</a:t>
+            </a:r>
+            <a:r>
+              <a:rPr lang="en-US" dirty="0"/>
+              <a:t> </a:t>
+            </a:r>
+            <a:r>
+              <a:rPr lang="en-US" dirty="0" err="1"/>
+              <a:t>legyen</a:t>
             </a:r>
             <a:r>
               <a:rPr lang="en-US" dirty="0"/>
@@ -18547,53 +18615,8 @@
             </a:r>
             <a:r>
               <a:rPr lang="en-US" dirty="0"/>
-              <a:t> </a:t>
-            </a:r>
-            <a:r>
-              <a:rPr lang="en-US" dirty="0" err="1"/>
-              <a:t>kezdősebességet</a:t>
-            </a:r>
-            <a:r>
-              <a:rPr lang="en-US" dirty="0"/>
-              <a:t> </a:t>
-            </a:r>
-            <a:r>
-              <a:rPr lang="en-US" dirty="0" err="1"/>
-              <a:t>és</a:t>
-            </a:r>
-            <a:r>
-              <a:rPr lang="en-US" dirty="0"/>
-              <a:t> </a:t>
-            </a:r>
-            <a:r>
-              <a:rPr lang="en-US" dirty="0" err="1"/>
-              <a:t>kezdőpozíciót</a:t>
-            </a:r>
-            <a:r>
-              <a:rPr lang="en-US" dirty="0"/>
-              <a:t> </a:t>
-            </a:r>
-            <a:r>
-              <a:rPr lang="en-US" dirty="0" err="1"/>
-              <a:t>hogy</a:t>
-            </a:r>
-            <a:r>
-              <a:rPr lang="en-US" dirty="0"/>
-              <a:t> ne </a:t>
-            </a:r>
-            <a:r>
-              <a:rPr lang="en-US" dirty="0" err="1"/>
-              <a:t>egyszerre</a:t>
-            </a:r>
-            <a:r>
-              <a:rPr lang="en-US" dirty="0"/>
-              <a:t> </a:t>
-            </a:r>
-            <a:r>
-              <a:rPr lang="en-US" dirty="0" err="1"/>
-              <a:t>mozogjanak</a:t>
-            </a:r>
-            <a:endParaRPr lang="en-US" dirty="0"/>
+              <a:t>.</a:t>
+            </a:r>
           </a:p>
         </p:txBody>
       </p:sp>
